--- a/Docs/CartesINstan.pptx
+++ b/Docs/CartesINstan.pptx
@@ -5,48 +5,57 @@
     <p:sldMasterId id="2147483648" r:id="rId1"/>
   </p:sldMasterIdLst>
   <p:handoutMasterIdLst>
-    <p:handoutMasterId r:id="rId38"/>
+    <p:handoutMasterId r:id="rId47"/>
   </p:handoutMasterIdLst>
   <p:sldIdLst>
     <p:sldId id="256" r:id="rId2"/>
     <p:sldId id="284" r:id="rId3"/>
     <p:sldId id="300" r:id="rId4"/>
     <p:sldId id="257" r:id="rId5"/>
-    <p:sldId id="299" r:id="rId6"/>
-    <p:sldId id="283" r:id="rId7"/>
-    <p:sldId id="279" r:id="rId8"/>
-    <p:sldId id="258" r:id="rId9"/>
-    <p:sldId id="280" r:id="rId10"/>
-    <p:sldId id="285" r:id="rId11"/>
-    <p:sldId id="260" r:id="rId12"/>
-    <p:sldId id="286" r:id="rId13"/>
-    <p:sldId id="287" r:id="rId14"/>
-    <p:sldId id="261" r:id="rId15"/>
-    <p:sldId id="288" r:id="rId16"/>
-    <p:sldId id="289" r:id="rId17"/>
-    <p:sldId id="268" r:id="rId18"/>
-    <p:sldId id="269" r:id="rId19"/>
-    <p:sldId id="290" r:id="rId20"/>
-    <p:sldId id="291" r:id="rId21"/>
-    <p:sldId id="292" r:id="rId22"/>
-    <p:sldId id="270" r:id="rId23"/>
-    <p:sldId id="293" r:id="rId24"/>
-    <p:sldId id="271" r:id="rId25"/>
-    <p:sldId id="294" r:id="rId26"/>
-    <p:sldId id="272" r:id="rId27"/>
-    <p:sldId id="275" r:id="rId28"/>
-    <p:sldId id="296" r:id="rId29"/>
-    <p:sldId id="297" r:id="rId30"/>
-    <p:sldId id="276" r:id="rId31"/>
-    <p:sldId id="281" r:id="rId32"/>
-    <p:sldId id="301" r:id="rId33"/>
-    <p:sldId id="277" r:id="rId34"/>
-    <p:sldId id="298" r:id="rId35"/>
-    <p:sldId id="278" r:id="rId36"/>
-    <p:sldId id="282" r:id="rId37"/>
+    <p:sldId id="309" r:id="rId6"/>
+    <p:sldId id="299" r:id="rId7"/>
+    <p:sldId id="283" r:id="rId8"/>
+    <p:sldId id="279" r:id="rId9"/>
+    <p:sldId id="310" r:id="rId10"/>
+    <p:sldId id="258" r:id="rId11"/>
+    <p:sldId id="280" r:id="rId12"/>
+    <p:sldId id="305" r:id="rId13"/>
+    <p:sldId id="285" r:id="rId14"/>
+    <p:sldId id="260" r:id="rId15"/>
+    <p:sldId id="306" r:id="rId16"/>
+    <p:sldId id="286" r:id="rId17"/>
+    <p:sldId id="287" r:id="rId18"/>
+    <p:sldId id="261" r:id="rId19"/>
+    <p:sldId id="288" r:id="rId20"/>
+    <p:sldId id="289" r:id="rId21"/>
+    <p:sldId id="268" r:id="rId22"/>
+    <p:sldId id="269" r:id="rId23"/>
+    <p:sldId id="290" r:id="rId24"/>
+    <p:sldId id="291" r:id="rId25"/>
+    <p:sldId id="292" r:id="rId26"/>
+    <p:sldId id="270" r:id="rId27"/>
+    <p:sldId id="293" r:id="rId28"/>
+    <p:sldId id="271" r:id="rId29"/>
+    <p:sldId id="294" r:id="rId30"/>
+    <p:sldId id="272" r:id="rId31"/>
+    <p:sldId id="275" r:id="rId32"/>
+    <p:sldId id="296" r:id="rId33"/>
+    <p:sldId id="297" r:id="rId34"/>
+    <p:sldId id="276" r:id="rId35"/>
+    <p:sldId id="281" r:id="rId36"/>
+    <p:sldId id="301" r:id="rId37"/>
+    <p:sldId id="277" r:id="rId38"/>
+    <p:sldId id="302" r:id="rId39"/>
+    <p:sldId id="278" r:id="rId40"/>
+    <p:sldId id="282" r:id="rId41"/>
+    <p:sldId id="311" r:id="rId42"/>
+    <p:sldId id="303" r:id="rId43"/>
+    <p:sldId id="307" r:id="rId44"/>
+    <p:sldId id="308" r:id="rId45"/>
+    <p:sldId id="304" r:id="rId46"/>
   </p:sldIdLst>
   <p:sldSz cx="9144000" cy="6858000" type="screen4x3"/>
-  <p:notesSz cx="6797675" cy="9926638"/>
+  <p:notesSz cx="9926638" cy="6797675"/>
   <p:defaultTextStyle>
     <a:defPPr>
       <a:defRPr lang="fr-FR"/>
@@ -179,8 +188,8 @@
         </p:nvSpPr>
         <p:spPr>
           <a:xfrm>
-            <a:off x="0" y="0"/>
-            <a:ext cx="2945659" cy="496332"/>
+            <a:off x="4" y="0"/>
+            <a:ext cx="4301543" cy="339884"/>
           </a:xfrm>
           <a:prstGeom prst="rect">
             <a:avLst/>
@@ -210,8 +219,8 @@
         </p:nvSpPr>
         <p:spPr>
           <a:xfrm>
-            <a:off x="3850443" y="0"/>
-            <a:ext cx="2945659" cy="496332"/>
+            <a:off x="5622802" y="0"/>
+            <a:ext cx="4301543" cy="339884"/>
           </a:xfrm>
           <a:prstGeom prst="rect">
             <a:avLst/>
@@ -227,7 +236,7 @@
           <a:p>
             <a:fld id="{8F6BF74C-C825-46E6-A94A-4DDCA47B6E5E}" type="datetimeFigureOut">
               <a:rPr lang="fr-FR" smtClean="0"/>
-              <a:t>03/08/2015</a:t>
+              <a:t>12/08/2015</a:t>
             </a:fld>
             <a:endParaRPr lang="fr-FR"/>
           </a:p>
@@ -245,8 +254,8 @@
         </p:nvSpPr>
         <p:spPr>
           <a:xfrm>
-            <a:off x="0" y="9428583"/>
-            <a:ext cx="2945659" cy="496332"/>
+            <a:off x="4" y="6456611"/>
+            <a:ext cx="4301543" cy="339884"/>
           </a:xfrm>
           <a:prstGeom prst="rect">
             <a:avLst/>
@@ -276,8 +285,8 @@
         </p:nvSpPr>
         <p:spPr>
           <a:xfrm>
-            <a:off x="3850443" y="9428583"/>
-            <a:ext cx="2945659" cy="496332"/>
+            <a:off x="5622802" y="6456611"/>
+            <a:ext cx="4301543" cy="339884"/>
           </a:xfrm>
           <a:prstGeom prst="rect">
             <a:avLst/>
@@ -491,7 +500,7 @@
           <a:p>
             <a:fld id="{AA309A6D-C09C-4548-B29A-6CF363A7E532}" type="datetimeFigureOut">
               <a:rPr lang="fr-FR" smtClean="0"/>
-              <a:t>03/08/2015</a:t>
+              <a:t>12/08/2015</a:t>
             </a:fld>
             <a:endParaRPr lang="fr-BE"/>
           </a:p>
@@ -656,7 +665,7 @@
           <a:p>
             <a:fld id="{AA309A6D-C09C-4548-B29A-6CF363A7E532}" type="datetimeFigureOut">
               <a:rPr lang="fr-FR" smtClean="0"/>
-              <a:t>03/08/2015</a:t>
+              <a:t>12/08/2015</a:t>
             </a:fld>
             <a:endParaRPr lang="fr-BE"/>
           </a:p>
@@ -831,7 +840,7 @@
           <a:p>
             <a:fld id="{AA309A6D-C09C-4548-B29A-6CF363A7E532}" type="datetimeFigureOut">
               <a:rPr lang="fr-FR" smtClean="0"/>
-              <a:t>03/08/2015</a:t>
+              <a:t>12/08/2015</a:t>
             </a:fld>
             <a:endParaRPr lang="fr-BE"/>
           </a:p>
@@ -996,7 +1005,7 @@
           <a:p>
             <a:fld id="{AA309A6D-C09C-4548-B29A-6CF363A7E532}" type="datetimeFigureOut">
               <a:rPr lang="fr-FR" smtClean="0"/>
-              <a:t>03/08/2015</a:t>
+              <a:t>12/08/2015</a:t>
             </a:fld>
             <a:endParaRPr lang="fr-BE"/>
           </a:p>
@@ -1237,7 +1246,7 @@
           <a:p>
             <a:fld id="{AA309A6D-C09C-4548-B29A-6CF363A7E532}" type="datetimeFigureOut">
               <a:rPr lang="fr-FR" smtClean="0"/>
-              <a:t>03/08/2015</a:t>
+              <a:t>12/08/2015</a:t>
             </a:fld>
             <a:endParaRPr lang="fr-BE"/>
           </a:p>
@@ -1520,7 +1529,7 @@
           <a:p>
             <a:fld id="{AA309A6D-C09C-4548-B29A-6CF363A7E532}" type="datetimeFigureOut">
               <a:rPr lang="fr-FR" smtClean="0"/>
-              <a:t>03/08/2015</a:t>
+              <a:t>12/08/2015</a:t>
             </a:fld>
             <a:endParaRPr lang="fr-BE"/>
           </a:p>
@@ -1937,7 +1946,7 @@
           <a:p>
             <a:fld id="{AA309A6D-C09C-4548-B29A-6CF363A7E532}" type="datetimeFigureOut">
               <a:rPr lang="fr-FR" smtClean="0"/>
-              <a:t>03/08/2015</a:t>
+              <a:t>12/08/2015</a:t>
             </a:fld>
             <a:endParaRPr lang="fr-BE"/>
           </a:p>
@@ -2050,7 +2059,7 @@
           <a:p>
             <a:fld id="{AA309A6D-C09C-4548-B29A-6CF363A7E532}" type="datetimeFigureOut">
               <a:rPr lang="fr-FR" smtClean="0"/>
-              <a:t>03/08/2015</a:t>
+              <a:t>12/08/2015</a:t>
             </a:fld>
             <a:endParaRPr lang="fr-BE"/>
           </a:p>
@@ -2140,7 +2149,7 @@
           <a:p>
             <a:fld id="{AA309A6D-C09C-4548-B29A-6CF363A7E532}" type="datetimeFigureOut">
               <a:rPr lang="fr-FR" smtClean="0"/>
-              <a:t>03/08/2015</a:t>
+              <a:t>12/08/2015</a:t>
             </a:fld>
             <a:endParaRPr lang="fr-BE"/>
           </a:p>
@@ -2412,7 +2421,7 @@
           <a:p>
             <a:fld id="{AA309A6D-C09C-4548-B29A-6CF363A7E532}" type="datetimeFigureOut">
               <a:rPr lang="fr-FR" smtClean="0"/>
-              <a:t>03/08/2015</a:t>
+              <a:t>12/08/2015</a:t>
             </a:fld>
             <a:endParaRPr lang="fr-BE"/>
           </a:p>
@@ -2660,7 +2669,7 @@
           <a:p>
             <a:fld id="{AA309A6D-C09C-4548-B29A-6CF363A7E532}" type="datetimeFigureOut">
               <a:rPr lang="fr-FR" smtClean="0"/>
-              <a:t>03/08/2015</a:t>
+              <a:t>12/08/2015</a:t>
             </a:fld>
             <a:endParaRPr lang="fr-BE"/>
           </a:p>
@@ -2868,7 +2877,7 @@
           <a:p>
             <a:fld id="{AA309A6D-C09C-4548-B29A-6CF363A7E532}" type="datetimeFigureOut">
               <a:rPr lang="fr-FR" smtClean="0"/>
-              <a:t>03/08/2015</a:t>
+              <a:t>12/08/2015</a:t>
             </a:fld>
             <a:endParaRPr lang="fr-BE"/>
           </a:p>
@@ -3316,7 +3325,7 @@
           <a:p>
             <a:r>
               <a:rPr lang="fr-FR" sz="7200" dirty="0" smtClean="0"/>
-              <a:t>A 4</a:t>
+              <a:t>A 5</a:t>
             </a:r>
             <a:endParaRPr lang="fr-FR" sz="7200" dirty="0"/>
           </a:p>
@@ -3617,7 +3626,7 @@
           <a:p>
             <a:r>
               <a:rPr lang="fr-FR" sz="7200" dirty="0" smtClean="0"/>
-              <a:t>A 3</a:t>
+              <a:t>A 4</a:t>
             </a:r>
             <a:endParaRPr lang="fr-FR" sz="7200" dirty="0"/>
           </a:p>
@@ -3806,7 +3815,7 @@
     </p:spTree>
     <p:extLst>
       <p:ext uri="{BB962C8B-B14F-4D97-AF65-F5344CB8AC3E}">
-        <p14:creationId xmlns:p14="http://schemas.microsoft.com/office/powerpoint/2010/main" val="4268272607"/>
+        <p14:creationId xmlns:p14="http://schemas.microsoft.com/office/powerpoint/2010/main" val="4096049931"/>
       </p:ext>
     </p:extLst>
   </p:cSld>
@@ -3848,7 +3857,7 @@
         </p:nvSpPr>
         <p:spPr>
           <a:xfrm>
-            <a:off x="20751" y="0"/>
+            <a:off x="0" y="0"/>
             <a:ext cx="9144000" cy="6858000"/>
           </a:xfrm>
           <a:prstGeom prst="rect">
@@ -3918,7 +3927,7 @@
           <a:p>
             <a:r>
               <a:rPr lang="fr-FR" sz="7200" dirty="0" smtClean="0"/>
-              <a:t>A 2</a:t>
+              <a:t>A 4</a:t>
             </a:r>
             <a:endParaRPr lang="fr-FR" sz="7200" dirty="0"/>
           </a:p>
@@ -3942,7 +3951,7 @@
         </p:spPr>
         <p:txBody>
           <a:bodyPr>
-            <a:normAutofit fontScale="62500" lnSpcReduction="20000"/>
+            <a:normAutofit/>
           </a:bodyPr>
           <a:lstStyle/>
           <a:p>
@@ -3952,7 +3961,7 @@
                   <a:schemeClr val="tx1"/>
                 </a:solidFill>
               </a:rPr>
-              <a:t>Mante religieuse+ Figuier</a:t>
+              <a:t>Faucon</a:t>
             </a:r>
             <a:endParaRPr lang="fr-FR" sz="8000" dirty="0">
               <a:solidFill>
@@ -3999,13 +4008,8 @@
           <a:p>
             <a:r>
               <a:rPr lang="fr-FR" dirty="0"/>
-              <a:t>S </a:t>
-            </a:r>
-            <a:r>
-              <a:rPr lang="fr-FR" dirty="0" smtClean="0"/>
-              <a:t>1</a:t>
-            </a:r>
-            <a:endParaRPr lang="fr-FR" dirty="0"/>
+              <a:t>S 0</a:t>
+            </a:r>
           </a:p>
         </p:txBody>
       </p:sp>
@@ -4057,7 +4061,7 @@
             </a:r>
             <a:r>
               <a:rPr lang="fr-FR" dirty="0" smtClean="0"/>
-              <a:t>2</a:t>
+              <a:t>3</a:t>
             </a:r>
             <a:endParaRPr lang="fr-FR" dirty="0"/>
           </a:p>
@@ -4112,7 +4116,7 @@
     </p:spTree>
     <p:extLst>
       <p:ext uri="{BB962C8B-B14F-4D97-AF65-F5344CB8AC3E}">
-        <p14:creationId xmlns:p14="http://schemas.microsoft.com/office/powerpoint/2010/main" val="1948476049"/>
+        <p14:creationId xmlns:p14="http://schemas.microsoft.com/office/powerpoint/2010/main" val="1053388702"/>
       </p:ext>
     </p:extLst>
   </p:cSld>
@@ -4154,7 +4158,7 @@
         </p:nvSpPr>
         <p:spPr>
           <a:xfrm>
-            <a:off x="20751" y="0"/>
+            <a:off x="0" y="0"/>
             <a:ext cx="9144000" cy="6858000"/>
           </a:xfrm>
           <a:prstGeom prst="rect">
@@ -4224,7 +4228,7 @@
           <a:p>
             <a:r>
               <a:rPr lang="fr-FR" sz="7200" dirty="0" smtClean="0"/>
-              <a:t>A 2</a:t>
+              <a:t>A 4</a:t>
             </a:r>
             <a:endParaRPr lang="fr-FR" sz="7200" dirty="0"/>
           </a:p>
@@ -4248,7 +4252,7 @@
         </p:spPr>
         <p:txBody>
           <a:bodyPr>
-            <a:normAutofit fontScale="62500" lnSpcReduction="20000"/>
+            <a:normAutofit/>
           </a:bodyPr>
           <a:lstStyle/>
           <a:p>
@@ -4258,7 +4262,7 @@
                   <a:schemeClr val="tx1"/>
                 </a:solidFill>
               </a:rPr>
-              <a:t>Mante religieuse+ Figuier</a:t>
+              <a:t>Faucon</a:t>
             </a:r>
             <a:endParaRPr lang="fr-FR" sz="8000" dirty="0">
               <a:solidFill>
@@ -4305,13 +4309,8 @@
           <a:p>
             <a:r>
               <a:rPr lang="fr-FR" dirty="0"/>
-              <a:t>S </a:t>
-            </a:r>
-            <a:r>
-              <a:rPr lang="fr-FR" dirty="0" smtClean="0"/>
-              <a:t>1</a:t>
-            </a:r>
-            <a:endParaRPr lang="fr-FR" dirty="0"/>
+              <a:t>S 0</a:t>
+            </a:r>
           </a:p>
         </p:txBody>
       </p:sp>
@@ -4363,7 +4362,7 @@
             </a:r>
             <a:r>
               <a:rPr lang="fr-FR" dirty="0" smtClean="0"/>
-              <a:t>2</a:t>
+              <a:t>3</a:t>
             </a:r>
             <a:endParaRPr lang="fr-FR" dirty="0"/>
           </a:p>
@@ -4418,7 +4417,7 @@
     </p:spTree>
     <p:extLst>
       <p:ext uri="{BB962C8B-B14F-4D97-AF65-F5344CB8AC3E}">
-        <p14:creationId xmlns:p14="http://schemas.microsoft.com/office/powerpoint/2010/main" val="4036696447"/>
+        <p14:creationId xmlns:p14="http://schemas.microsoft.com/office/powerpoint/2010/main" val="1096525338"/>
       </p:ext>
     </p:extLst>
   </p:cSld>
@@ -4460,7 +4459,7 @@
         </p:nvSpPr>
         <p:spPr>
           <a:xfrm>
-            <a:off x="20751" y="0"/>
+            <a:off x="0" y="0"/>
             <a:ext cx="9144000" cy="6858000"/>
           </a:xfrm>
           <a:prstGeom prst="rect">
@@ -4530,7 +4529,7 @@
           <a:p>
             <a:r>
               <a:rPr lang="fr-FR" sz="7200" dirty="0" smtClean="0"/>
-              <a:t>A 2</a:t>
+              <a:t>A 4</a:t>
             </a:r>
             <a:endParaRPr lang="fr-FR" sz="7200" dirty="0"/>
           </a:p>
@@ -4554,7 +4553,7 @@
         </p:spPr>
         <p:txBody>
           <a:bodyPr>
-            <a:normAutofit fontScale="62500" lnSpcReduction="20000"/>
+            <a:normAutofit/>
           </a:bodyPr>
           <a:lstStyle/>
           <a:p>
@@ -4564,7 +4563,7 @@
                   <a:schemeClr val="tx1"/>
                 </a:solidFill>
               </a:rPr>
-              <a:t>Mante religieuse+ Figuier</a:t>
+              <a:t>Faucon</a:t>
             </a:r>
             <a:endParaRPr lang="fr-FR" sz="8000" dirty="0">
               <a:solidFill>
@@ -4611,13 +4610,8 @@
           <a:p>
             <a:r>
               <a:rPr lang="fr-FR" dirty="0"/>
-              <a:t>S </a:t>
-            </a:r>
-            <a:r>
-              <a:rPr lang="fr-FR" dirty="0" smtClean="0"/>
-              <a:t>1</a:t>
-            </a:r>
-            <a:endParaRPr lang="fr-FR" dirty="0"/>
+              <a:t>S 0</a:t>
+            </a:r>
           </a:p>
         </p:txBody>
       </p:sp>
@@ -4669,7 +4663,7 @@
             </a:r>
             <a:r>
               <a:rPr lang="fr-FR" dirty="0" smtClean="0"/>
-              <a:t>2</a:t>
+              <a:t>3</a:t>
             </a:r>
             <a:endParaRPr lang="fr-FR" dirty="0"/>
           </a:p>
@@ -4724,7 +4718,7 @@
     </p:spTree>
     <p:extLst>
       <p:ext uri="{BB962C8B-B14F-4D97-AF65-F5344CB8AC3E}">
-        <p14:creationId xmlns:p14="http://schemas.microsoft.com/office/powerpoint/2010/main" val="4036696447"/>
+        <p14:creationId xmlns:p14="http://schemas.microsoft.com/office/powerpoint/2010/main" val="4268272607"/>
       </p:ext>
     </p:extLst>
   </p:cSld>
@@ -4870,15 +4864,7 @@
                   <a:schemeClr val="tx1"/>
                 </a:solidFill>
               </a:rPr>
-              <a:t>Goéland </a:t>
-            </a:r>
-            <a:r>
-              <a:rPr lang="fr-FR" sz="8000" dirty="0" err="1" smtClean="0">
-                <a:solidFill>
-                  <a:schemeClr val="tx1"/>
-                </a:solidFill>
-              </a:rPr>
-              <a:t>leucophée</a:t>
+              <a:t>Mante religieuse</a:t>
             </a:r>
             <a:endParaRPr lang="fr-FR" sz="8000" dirty="0">
               <a:solidFill>
@@ -4924,12 +4910,8 @@
           </a:lstStyle>
           <a:p>
             <a:r>
-              <a:rPr lang="fr-FR" dirty="0"/>
-              <a:t>S </a:t>
-            </a:r>
-            <a:r>
               <a:rPr lang="fr-FR" dirty="0" smtClean="0"/>
-              <a:t>0</a:t>
+              <a:t>-</a:t>
             </a:r>
             <a:endParaRPr lang="fr-FR" dirty="0"/>
           </a:p>
@@ -4979,8 +4961,13 @@
             </a:r>
             <a:r>
               <a:rPr lang="fr-FR" dirty="0"/>
-              <a:t> 3</a:t>
-            </a:r>
+              <a:t> </a:t>
+            </a:r>
+            <a:r>
+              <a:rPr lang="fr-FR" dirty="0" smtClean="0"/>
+              <a:t>2</a:t>
+            </a:r>
+            <a:endParaRPr lang="fr-FR" dirty="0"/>
           </a:p>
         </p:txBody>
       </p:sp>
@@ -5033,7 +5020,7 @@
     </p:spTree>
     <p:extLst>
       <p:ext uri="{BB962C8B-B14F-4D97-AF65-F5344CB8AC3E}">
-        <p14:creationId xmlns:p14="http://schemas.microsoft.com/office/powerpoint/2010/main" val="393810409"/>
+        <p14:creationId xmlns:p14="http://schemas.microsoft.com/office/powerpoint/2010/main" val="1948476049"/>
       </p:ext>
     </p:extLst>
   </p:cSld>
@@ -5075,7 +5062,7 @@
         </p:nvSpPr>
         <p:spPr>
           <a:xfrm>
-            <a:off x="20751" y="0"/>
+            <a:off x="0" y="0"/>
             <a:ext cx="9144000" cy="6858000"/>
           </a:xfrm>
           <a:prstGeom prst="rect">
@@ -5145,7 +5132,7 @@
           <a:p>
             <a:r>
               <a:rPr lang="fr-FR" sz="7200" dirty="0" smtClean="0"/>
-              <a:t>A 3</a:t>
+              <a:t>A 4</a:t>
             </a:r>
             <a:endParaRPr lang="fr-FR" sz="7200" dirty="0"/>
           </a:p>
@@ -5169,7 +5156,7 @@
         </p:spPr>
         <p:txBody>
           <a:bodyPr>
-            <a:normAutofit fontScale="62500" lnSpcReduction="20000"/>
+            <a:normAutofit/>
           </a:bodyPr>
           <a:lstStyle/>
           <a:p>
@@ -5179,15 +5166,7 @@
                   <a:schemeClr val="tx1"/>
                 </a:solidFill>
               </a:rPr>
-              <a:t>Goéland </a:t>
-            </a:r>
-            <a:r>
-              <a:rPr lang="fr-FR" sz="8000" dirty="0" err="1" smtClean="0">
-                <a:solidFill>
-                  <a:schemeClr val="tx1"/>
-                </a:solidFill>
-              </a:rPr>
-              <a:t>leucophée</a:t>
+              <a:t>Faucon</a:t>
             </a:r>
             <a:endParaRPr lang="fr-FR" sz="8000" dirty="0">
               <a:solidFill>
@@ -5234,13 +5213,8 @@
           <a:p>
             <a:r>
               <a:rPr lang="fr-FR" dirty="0"/>
-              <a:t>S </a:t>
-            </a:r>
-            <a:r>
-              <a:rPr lang="fr-FR" dirty="0" smtClean="0"/>
-              <a:t>0</a:t>
-            </a:r>
-            <a:endParaRPr lang="fr-FR" dirty="0"/>
+              <a:t>S 0</a:t>
+            </a:r>
           </a:p>
         </p:txBody>
       </p:sp>
@@ -5288,8 +5262,13 @@
             </a:r>
             <a:r>
               <a:rPr lang="fr-FR" dirty="0"/>
-              <a:t> 3</a:t>
-            </a:r>
+              <a:t> </a:t>
+            </a:r>
+            <a:r>
+              <a:rPr lang="fr-FR" dirty="0" smtClean="0"/>
+              <a:t>3</a:t>
+            </a:r>
+            <a:endParaRPr lang="fr-FR" dirty="0"/>
           </a:p>
         </p:txBody>
       </p:sp>
@@ -5342,7 +5321,7 @@
     </p:spTree>
     <p:extLst>
       <p:ext uri="{BB962C8B-B14F-4D97-AF65-F5344CB8AC3E}">
-        <p14:creationId xmlns:p14="http://schemas.microsoft.com/office/powerpoint/2010/main" val="870231901"/>
+        <p14:creationId xmlns:p14="http://schemas.microsoft.com/office/powerpoint/2010/main" val="1096525338"/>
       </p:ext>
     </p:extLst>
   </p:cSld>
@@ -5488,15 +5467,7 @@
                   <a:schemeClr val="tx1"/>
                 </a:solidFill>
               </a:rPr>
-              <a:t>Goéland </a:t>
-            </a:r>
-            <a:r>
-              <a:rPr lang="fr-FR" sz="8000" dirty="0" err="1" smtClean="0">
-                <a:solidFill>
-                  <a:schemeClr val="tx1"/>
-                </a:solidFill>
-              </a:rPr>
-              <a:t>leucophée</a:t>
+              <a:t>Mante religieuse</a:t>
             </a:r>
             <a:endParaRPr lang="fr-FR" sz="8000" dirty="0">
               <a:solidFill>
@@ -5542,12 +5513,8 @@
           </a:lstStyle>
           <a:p>
             <a:r>
-              <a:rPr lang="fr-FR" dirty="0"/>
-              <a:t>S </a:t>
-            </a:r>
-            <a:r>
               <a:rPr lang="fr-FR" dirty="0" smtClean="0"/>
-              <a:t>0</a:t>
+              <a:t>-</a:t>
             </a:r>
             <a:endParaRPr lang="fr-FR" dirty="0"/>
           </a:p>
@@ -5597,8 +5564,13 @@
             </a:r>
             <a:r>
               <a:rPr lang="fr-FR" dirty="0"/>
-              <a:t> 3</a:t>
-            </a:r>
+              <a:t> </a:t>
+            </a:r>
+            <a:r>
+              <a:rPr lang="fr-FR" dirty="0" smtClean="0"/>
+              <a:t>2</a:t>
+            </a:r>
+            <a:endParaRPr lang="fr-FR" dirty="0"/>
           </a:p>
         </p:txBody>
       </p:sp>
@@ -5651,7 +5623,7 @@
     </p:spTree>
     <p:extLst>
       <p:ext uri="{BB962C8B-B14F-4D97-AF65-F5344CB8AC3E}">
-        <p14:creationId xmlns:p14="http://schemas.microsoft.com/office/powerpoint/2010/main" val="870231901"/>
+        <p14:creationId xmlns:p14="http://schemas.microsoft.com/office/powerpoint/2010/main" val="4036696447"/>
       </p:ext>
     </p:extLst>
   </p:cSld>
@@ -5693,7 +5665,7 @@
         </p:nvSpPr>
         <p:spPr>
           <a:xfrm>
-            <a:off x="0" y="0"/>
+            <a:off x="20751" y="0"/>
             <a:ext cx="9144000" cy="6858000"/>
           </a:xfrm>
           <a:prstGeom prst="rect">
@@ -5763,7 +5735,7 @@
           <a:p>
             <a:r>
               <a:rPr lang="fr-FR" sz="7200" dirty="0" smtClean="0"/>
-              <a:t>At 1</a:t>
+              <a:t>A 3</a:t>
             </a:r>
             <a:endParaRPr lang="fr-FR" sz="7200" dirty="0"/>
           </a:p>
@@ -5797,7 +5769,7 @@
                   <a:schemeClr val="tx1"/>
                 </a:solidFill>
               </a:rPr>
-              <a:t>Coussin de belle-mère</a:t>
+              <a:t>Mante religieuse</a:t>
             </a:r>
             <a:endParaRPr lang="fr-FR" sz="8000" dirty="0">
               <a:solidFill>
@@ -5843,12 +5815,8 @@
           </a:lstStyle>
           <a:p>
             <a:r>
-              <a:rPr lang="fr-FR" dirty="0"/>
-              <a:t>S </a:t>
-            </a:r>
-            <a:r>
               <a:rPr lang="fr-FR" dirty="0" smtClean="0"/>
-              <a:t>0</a:t>
+              <a:t>-</a:t>
             </a:r>
             <a:endParaRPr lang="fr-FR" dirty="0"/>
           </a:p>
@@ -5902,7 +5870,7 @@
             </a:r>
             <a:r>
               <a:rPr lang="fr-FR" dirty="0" smtClean="0"/>
-              <a:t>1</a:t>
+              <a:t>2</a:t>
             </a:r>
             <a:endParaRPr lang="fr-FR" dirty="0"/>
           </a:p>
@@ -5918,8 +5886,8 @@
         </p:nvSpPr>
         <p:spPr>
           <a:xfrm>
-            <a:off x="7092280" y="5877272"/>
-            <a:ext cx="1944216" cy="648072"/>
+            <a:off x="6933278" y="5877272"/>
+            <a:ext cx="2103218" cy="648072"/>
           </a:xfrm>
           <a:prstGeom prst="rect">
             <a:avLst/>
@@ -5957,7 +5925,7 @@
     </p:spTree>
     <p:extLst>
       <p:ext uri="{BB962C8B-B14F-4D97-AF65-F5344CB8AC3E}">
-        <p14:creationId xmlns:p14="http://schemas.microsoft.com/office/powerpoint/2010/main" val="3833979540"/>
+        <p14:creationId xmlns:p14="http://schemas.microsoft.com/office/powerpoint/2010/main" val="4036696447"/>
       </p:ext>
     </p:extLst>
   </p:cSld>
@@ -5999,7 +5967,7 @@
         </p:nvSpPr>
         <p:spPr>
           <a:xfrm>
-            <a:off x="0" y="0"/>
+            <a:off x="20751" y="0"/>
             <a:ext cx="9144000" cy="6858000"/>
           </a:xfrm>
           <a:prstGeom prst="rect">
@@ -6069,7 +6037,7 @@
           <a:p>
             <a:r>
               <a:rPr lang="fr-FR" sz="7200" dirty="0" smtClean="0"/>
-              <a:t>At 2</a:t>
+              <a:t>A 4</a:t>
             </a:r>
             <a:endParaRPr lang="fr-FR" sz="7200" dirty="0"/>
           </a:p>
@@ -6093,7 +6061,7 @@
         </p:spPr>
         <p:txBody>
           <a:bodyPr>
-            <a:normAutofit/>
+            <a:normAutofit fontScale="62500" lnSpcReduction="20000"/>
           </a:bodyPr>
           <a:lstStyle/>
           <a:p>
@@ -6103,7 +6071,15 @@
                   <a:schemeClr val="tx1"/>
                 </a:solidFill>
               </a:rPr>
-              <a:t>Criquet</a:t>
+              <a:t>Goéland </a:t>
+            </a:r>
+            <a:r>
+              <a:rPr lang="fr-FR" sz="8000" dirty="0" err="1" smtClean="0">
+                <a:solidFill>
+                  <a:schemeClr val="tx1"/>
+                </a:solidFill>
+              </a:rPr>
+              <a:t>leucophée</a:t>
             </a:r>
             <a:endParaRPr lang="fr-FR" sz="8000" dirty="0">
               <a:solidFill>
@@ -6204,13 +6180,8 @@
             </a:r>
             <a:r>
               <a:rPr lang="fr-FR" dirty="0"/>
-              <a:t> </a:t>
-            </a:r>
-            <a:r>
-              <a:rPr lang="fr-FR" dirty="0" smtClean="0"/>
-              <a:t>2</a:t>
-            </a:r>
-            <a:endParaRPr lang="fr-FR" dirty="0"/>
+              <a:t> 3</a:t>
+            </a:r>
           </a:p>
         </p:txBody>
       </p:sp>
@@ -6224,8 +6195,8 @@
         </p:nvSpPr>
         <p:spPr>
           <a:xfrm>
-            <a:off x="7092280" y="5877272"/>
-            <a:ext cx="1944216" cy="648072"/>
+            <a:off x="6933278" y="5877272"/>
+            <a:ext cx="2103218" cy="648072"/>
           </a:xfrm>
           <a:prstGeom prst="rect">
             <a:avLst/>
@@ -6263,7 +6234,7 @@
     </p:spTree>
     <p:extLst>
       <p:ext uri="{BB962C8B-B14F-4D97-AF65-F5344CB8AC3E}">
-        <p14:creationId xmlns:p14="http://schemas.microsoft.com/office/powerpoint/2010/main" val="173911326"/>
+        <p14:creationId xmlns:p14="http://schemas.microsoft.com/office/powerpoint/2010/main" val="393810409"/>
       </p:ext>
     </p:extLst>
   </p:cSld>
@@ -6305,7 +6276,7 @@
         </p:nvSpPr>
         <p:spPr>
           <a:xfrm>
-            <a:off x="0" y="0"/>
+            <a:off x="20751" y="0"/>
             <a:ext cx="9144000" cy="6858000"/>
           </a:xfrm>
           <a:prstGeom prst="rect">
@@ -6375,7 +6346,7 @@
           <a:p>
             <a:r>
               <a:rPr lang="fr-FR" sz="7200" dirty="0" smtClean="0"/>
-              <a:t>At 2</a:t>
+              <a:t>A 4</a:t>
             </a:r>
             <a:endParaRPr lang="fr-FR" sz="7200" dirty="0"/>
           </a:p>
@@ -6399,7 +6370,7 @@
         </p:spPr>
         <p:txBody>
           <a:bodyPr>
-            <a:normAutofit/>
+            <a:normAutofit fontScale="62500" lnSpcReduction="20000"/>
           </a:bodyPr>
           <a:lstStyle/>
           <a:p>
@@ -6409,7 +6380,15 @@
                   <a:schemeClr val="tx1"/>
                 </a:solidFill>
               </a:rPr>
-              <a:t>Criquet</a:t>
+              <a:t>Goéland </a:t>
+            </a:r>
+            <a:r>
+              <a:rPr lang="fr-FR" sz="8000" dirty="0" err="1" smtClean="0">
+                <a:solidFill>
+                  <a:schemeClr val="tx1"/>
+                </a:solidFill>
+              </a:rPr>
+              <a:t>leucophée</a:t>
             </a:r>
             <a:endParaRPr lang="fr-FR" sz="8000" dirty="0">
               <a:solidFill>
@@ -6510,13 +6489,8 @@
             </a:r>
             <a:r>
               <a:rPr lang="fr-FR" dirty="0"/>
-              <a:t> </a:t>
-            </a:r>
-            <a:r>
-              <a:rPr lang="fr-FR" dirty="0" smtClean="0"/>
-              <a:t>2</a:t>
-            </a:r>
-            <a:endParaRPr lang="fr-FR" dirty="0"/>
+              <a:t> 3</a:t>
+            </a:r>
           </a:p>
         </p:txBody>
       </p:sp>
@@ -6530,8 +6504,8 @@
         </p:nvSpPr>
         <p:spPr>
           <a:xfrm>
-            <a:off x="7092280" y="5877272"/>
-            <a:ext cx="1944216" cy="648072"/>
+            <a:off x="6933278" y="5877272"/>
+            <a:ext cx="2103218" cy="648072"/>
           </a:xfrm>
           <a:prstGeom prst="rect">
             <a:avLst/>
@@ -6569,7 +6543,7 @@
     </p:spTree>
     <p:extLst>
       <p:ext uri="{BB962C8B-B14F-4D97-AF65-F5344CB8AC3E}">
-        <p14:creationId xmlns:p14="http://schemas.microsoft.com/office/powerpoint/2010/main" val="1480748098"/>
+        <p14:creationId xmlns:p14="http://schemas.microsoft.com/office/powerpoint/2010/main" val="870231901"/>
       </p:ext>
     </p:extLst>
   </p:cSld>
@@ -6681,9 +6655,12 @@
           <a:p>
             <a:r>
               <a:rPr lang="fr-FR" sz="7200" dirty="0" smtClean="0"/>
-              <a:t>A 4</a:t>
-            </a:r>
-            <a:endParaRPr lang="fr-FR" sz="7200" dirty="0"/>
+              <a:t>A </a:t>
+            </a:r>
+            <a:r>
+              <a:rPr lang="fr-FR" sz="7200" dirty="0"/>
+              <a:t>5</a:t>
+            </a:r>
           </a:p>
         </p:txBody>
       </p:sp>
@@ -6912,7 +6889,7 @@
         </p:nvSpPr>
         <p:spPr>
           <a:xfrm>
-            <a:off x="0" y="0"/>
+            <a:off x="20751" y="0"/>
             <a:ext cx="9144000" cy="6858000"/>
           </a:xfrm>
           <a:prstGeom prst="rect">
@@ -6982,7 +6959,7 @@
           <a:p>
             <a:r>
               <a:rPr lang="fr-FR" sz="7200" dirty="0" smtClean="0"/>
-              <a:t>At 2</a:t>
+              <a:t>A 3</a:t>
             </a:r>
             <a:endParaRPr lang="fr-FR" sz="7200" dirty="0"/>
           </a:p>
@@ -7006,7 +6983,7 @@
         </p:spPr>
         <p:txBody>
           <a:bodyPr>
-            <a:normAutofit/>
+            <a:normAutofit fontScale="62500" lnSpcReduction="20000"/>
           </a:bodyPr>
           <a:lstStyle/>
           <a:p>
@@ -7016,7 +6993,15 @@
                   <a:schemeClr val="tx1"/>
                 </a:solidFill>
               </a:rPr>
-              <a:t>Criquet</a:t>
+              <a:t>Goéland </a:t>
+            </a:r>
+            <a:r>
+              <a:rPr lang="fr-FR" sz="8000" dirty="0" err="1" smtClean="0">
+                <a:solidFill>
+                  <a:schemeClr val="tx1"/>
+                </a:solidFill>
+              </a:rPr>
+              <a:t>leucophée</a:t>
             </a:r>
             <a:endParaRPr lang="fr-FR" sz="8000" dirty="0">
               <a:solidFill>
@@ -7117,13 +7102,8 @@
             </a:r>
             <a:r>
               <a:rPr lang="fr-FR" dirty="0"/>
-              <a:t> </a:t>
-            </a:r>
-            <a:r>
-              <a:rPr lang="fr-FR" dirty="0" smtClean="0"/>
-              <a:t>2</a:t>
-            </a:r>
-            <a:endParaRPr lang="fr-FR" dirty="0"/>
+              <a:t> 3</a:t>
+            </a:r>
           </a:p>
         </p:txBody>
       </p:sp>
@@ -7137,8 +7117,8 @@
         </p:nvSpPr>
         <p:spPr>
           <a:xfrm>
-            <a:off x="7092280" y="5877272"/>
-            <a:ext cx="1944216" cy="648072"/>
+            <a:off x="6933278" y="5877272"/>
+            <a:ext cx="2103218" cy="648072"/>
           </a:xfrm>
           <a:prstGeom prst="rect">
             <a:avLst/>
@@ -7176,7 +7156,7 @@
     </p:spTree>
     <p:extLst>
       <p:ext uri="{BB962C8B-B14F-4D97-AF65-F5344CB8AC3E}">
-        <p14:creationId xmlns:p14="http://schemas.microsoft.com/office/powerpoint/2010/main" val="1480748098"/>
+        <p14:creationId xmlns:p14="http://schemas.microsoft.com/office/powerpoint/2010/main" val="870231901"/>
       </p:ext>
     </p:extLst>
   </p:cSld>
@@ -7312,7 +7292,7 @@
         </p:spPr>
         <p:txBody>
           <a:bodyPr>
-            <a:normAutofit/>
+            <a:normAutofit fontScale="62500" lnSpcReduction="20000"/>
           </a:bodyPr>
           <a:lstStyle/>
           <a:p>
@@ -7322,7 +7302,7 @@
                   <a:schemeClr val="tx1"/>
                 </a:solidFill>
               </a:rPr>
-              <a:t>Criquet</a:t>
+              <a:t>Coussin de belle-mère</a:t>
             </a:r>
             <a:endParaRPr lang="fr-FR" sz="8000" dirty="0">
               <a:solidFill>
@@ -7427,7 +7407,7 @@
             </a:r>
             <a:r>
               <a:rPr lang="fr-FR" dirty="0" smtClean="0"/>
-              <a:t>2</a:t>
+              <a:t>1</a:t>
             </a:r>
             <a:endParaRPr lang="fr-FR" dirty="0"/>
           </a:p>
@@ -7482,7 +7462,7 @@
     </p:spTree>
     <p:extLst>
       <p:ext uri="{BB962C8B-B14F-4D97-AF65-F5344CB8AC3E}">
-        <p14:creationId xmlns:p14="http://schemas.microsoft.com/office/powerpoint/2010/main" val="1480748098"/>
+        <p14:creationId xmlns:p14="http://schemas.microsoft.com/office/powerpoint/2010/main" val="3833979540"/>
       </p:ext>
     </p:extLst>
   </p:cSld>
@@ -7618,7 +7598,7 @@
         </p:spPr>
         <p:txBody>
           <a:bodyPr>
-            <a:normAutofit fontScale="62500" lnSpcReduction="20000"/>
+            <a:normAutofit/>
           </a:bodyPr>
           <a:lstStyle/>
           <a:p>
@@ -7628,7 +7608,7 @@
                   <a:schemeClr val="tx1"/>
                 </a:solidFill>
               </a:rPr>
-              <a:t>Criquet égyptien</a:t>
+              <a:t>Criquet</a:t>
             </a:r>
             <a:endParaRPr lang="fr-FR" sz="8000" dirty="0">
               <a:solidFill>
@@ -7733,7 +7713,7 @@
             </a:r>
             <a:r>
               <a:rPr lang="fr-FR" dirty="0" smtClean="0"/>
-              <a:t>3</a:t>
+              <a:t>2</a:t>
             </a:r>
             <a:endParaRPr lang="fr-FR" dirty="0"/>
           </a:p>
@@ -7924,7 +7904,7 @@
         </p:spPr>
         <p:txBody>
           <a:bodyPr>
-            <a:normAutofit fontScale="62500" lnSpcReduction="20000"/>
+            <a:normAutofit/>
           </a:bodyPr>
           <a:lstStyle/>
           <a:p>
@@ -7934,7 +7914,7 @@
                   <a:schemeClr val="tx1"/>
                 </a:solidFill>
               </a:rPr>
-              <a:t>Criquet égyptien</a:t>
+              <a:t>Criquet</a:t>
             </a:r>
             <a:endParaRPr lang="fr-FR" sz="8000" dirty="0">
               <a:solidFill>
@@ -8039,7 +8019,7 @@
             </a:r>
             <a:r>
               <a:rPr lang="fr-FR" dirty="0" smtClean="0"/>
-              <a:t>3</a:t>
+              <a:t>2</a:t>
             </a:r>
             <a:endParaRPr lang="fr-FR" dirty="0"/>
           </a:p>
@@ -8094,7 +8074,7 @@
     </p:spTree>
     <p:extLst>
       <p:ext uri="{BB962C8B-B14F-4D97-AF65-F5344CB8AC3E}">
-        <p14:creationId xmlns:p14="http://schemas.microsoft.com/office/powerpoint/2010/main" val="3257725948"/>
+        <p14:creationId xmlns:p14="http://schemas.microsoft.com/office/powerpoint/2010/main" val="1480748098"/>
       </p:ext>
     </p:extLst>
   </p:cSld>
@@ -8206,7 +8186,7 @@
           <a:p>
             <a:r>
               <a:rPr lang="fr-FR" sz="7200" dirty="0" smtClean="0"/>
-              <a:t>-</a:t>
+              <a:t>At 3</a:t>
             </a:r>
             <a:endParaRPr lang="fr-FR" sz="7200" dirty="0"/>
           </a:p>
@@ -8240,7 +8220,7 @@
                   <a:schemeClr val="tx1"/>
                 </a:solidFill>
               </a:rPr>
-              <a:t>Cigale</a:t>
+              <a:t>Criquet</a:t>
             </a:r>
             <a:endParaRPr lang="fr-FR" sz="8000" dirty="0">
               <a:solidFill>
@@ -8285,6 +8265,14 @@
             </a:lvl1pPr>
           </a:lstStyle>
           <a:p>
+            <a:r>
+              <a:rPr lang="fr-FR" dirty="0"/>
+              <a:t>S </a:t>
+            </a:r>
+            <a:r>
+              <a:rPr lang="fr-FR" dirty="0" smtClean="0"/>
+              <a:t>0</a:t>
+            </a:r>
             <a:endParaRPr lang="fr-FR" dirty="0"/>
           </a:p>
         </p:txBody>
@@ -8333,8 +8321,13 @@
             </a:r>
             <a:r>
               <a:rPr lang="fr-FR" dirty="0"/>
-              <a:t> 4</a:t>
-            </a:r>
+              <a:t> </a:t>
+            </a:r>
+            <a:r>
+              <a:rPr lang="fr-FR" dirty="0" smtClean="0"/>
+              <a:t>2</a:t>
+            </a:r>
+            <a:endParaRPr lang="fr-FR" dirty="0"/>
           </a:p>
         </p:txBody>
       </p:sp>
@@ -8348,8 +8341,8 @@
         </p:nvSpPr>
         <p:spPr>
           <a:xfrm>
-            <a:off x="5076056" y="4905164"/>
-            <a:ext cx="4464496" cy="1800200"/>
+            <a:off x="7092280" y="5877272"/>
+            <a:ext cx="1944216" cy="648072"/>
           </a:xfrm>
           <a:prstGeom prst="rect">
             <a:avLst/>
@@ -8377,57 +8370,6 @@
           </a:lstStyle>
           <a:p>
             <a:r>
-              <a:rPr lang="fr-FR" sz="5400" dirty="0" smtClean="0"/>
-              <a:t>-</a:t>
-            </a:r>
-            <a:r>
-              <a:rPr lang="fr-FR" sz="5400" dirty="0"/>
-              <a:t>3</a:t>
-            </a:r>
-            <a:r>
-              <a:rPr lang="fr-FR" sz="5400" dirty="0" smtClean="0"/>
-              <a:t> Actions</a:t>
-            </a:r>
-            <a:endParaRPr lang="fr-FR" sz="5400" dirty="0"/>
-          </a:p>
-        </p:txBody>
-      </p:sp>
-      <p:sp>
-        <p:nvSpPr>
-          <p:cNvPr id="8" name="Titre 1"/>
-          <p:cNvSpPr txBox="1">
-            <a:spLocks/>
-          </p:cNvSpPr>
-          <p:nvPr/>
-        </p:nvSpPr>
-        <p:spPr>
-          <a:xfrm>
-            <a:off x="7604720" y="413048"/>
-            <a:ext cx="1368152" cy="648072"/>
-          </a:xfrm>
-          <a:prstGeom prst="rect">
-            <a:avLst/>
-          </a:prstGeom>
-        </p:spPr>
-        <p:txBody>
-          <a:bodyPr vert="horz" lIns="91440" tIns="45720" rIns="91440" bIns="45720" rtlCol="0" anchor="ctr">
-            <a:noAutofit/>
-          </a:bodyPr>
-          <a:lstStyle>
-            <a:lvl1pPr algn="ctr">
-              <a:spcBef>
-                <a:spcPct val="0"/>
-              </a:spcBef>
-              <a:buNone/>
-              <a:defRPr sz="7200">
-                <a:latin typeface="+mj-lt"/>
-                <a:ea typeface="+mj-ea"/>
-                <a:cs typeface="+mj-cs"/>
-              </a:defRPr>
-            </a:lvl1pPr>
-          </a:lstStyle>
-          <a:p>
-            <a:r>
               <a:rPr lang="fr-FR" dirty="0" smtClean="0"/>
               <a:t>-</a:t>
             </a:r>
@@ -8438,7 +8380,7 @@
     </p:spTree>
     <p:extLst>
       <p:ext uri="{BB962C8B-B14F-4D97-AF65-F5344CB8AC3E}">
-        <p14:creationId xmlns:p14="http://schemas.microsoft.com/office/powerpoint/2010/main" val="3867465627"/>
+        <p14:creationId xmlns:p14="http://schemas.microsoft.com/office/powerpoint/2010/main" val="1480748098"/>
       </p:ext>
     </p:extLst>
   </p:cSld>
@@ -8550,7 +8492,7 @@
           <a:p>
             <a:r>
               <a:rPr lang="fr-FR" sz="7200" dirty="0" smtClean="0"/>
-              <a:t>-</a:t>
+              <a:t>At 3</a:t>
             </a:r>
             <a:endParaRPr lang="fr-FR" sz="7200" dirty="0"/>
           </a:p>
@@ -8584,7 +8526,7 @@
                   <a:schemeClr val="tx1"/>
                 </a:solidFill>
               </a:rPr>
-              <a:t>Cigale</a:t>
+              <a:t>Criquet</a:t>
             </a:r>
             <a:endParaRPr lang="fr-FR" sz="8000" dirty="0">
               <a:solidFill>
@@ -8629,6 +8571,14 @@
             </a:lvl1pPr>
           </a:lstStyle>
           <a:p>
+            <a:r>
+              <a:rPr lang="fr-FR" dirty="0"/>
+              <a:t>S </a:t>
+            </a:r>
+            <a:r>
+              <a:rPr lang="fr-FR" dirty="0" smtClean="0"/>
+              <a:t>0</a:t>
+            </a:r>
             <a:endParaRPr lang="fr-FR" dirty="0"/>
           </a:p>
         </p:txBody>
@@ -8677,8 +8627,13 @@
             </a:r>
             <a:r>
               <a:rPr lang="fr-FR" dirty="0"/>
-              <a:t> 4</a:t>
-            </a:r>
+              <a:t> </a:t>
+            </a:r>
+            <a:r>
+              <a:rPr lang="fr-FR" dirty="0" smtClean="0"/>
+              <a:t>2</a:t>
+            </a:r>
+            <a:endParaRPr lang="fr-FR" dirty="0"/>
           </a:p>
         </p:txBody>
       </p:sp>
@@ -8692,8 +8647,8 @@
         </p:nvSpPr>
         <p:spPr>
           <a:xfrm>
-            <a:off x="5076056" y="4905164"/>
-            <a:ext cx="4464496" cy="1800200"/>
+            <a:off x="7092280" y="5877272"/>
+            <a:ext cx="1944216" cy="648072"/>
           </a:xfrm>
           <a:prstGeom prst="rect">
             <a:avLst/>
@@ -8721,57 +8676,6 @@
           </a:lstStyle>
           <a:p>
             <a:r>
-              <a:rPr lang="fr-FR" sz="5400" dirty="0" smtClean="0"/>
-              <a:t>-</a:t>
-            </a:r>
-            <a:r>
-              <a:rPr lang="fr-FR" sz="5400" dirty="0"/>
-              <a:t>3</a:t>
-            </a:r>
-            <a:r>
-              <a:rPr lang="fr-FR" sz="5400" dirty="0" smtClean="0"/>
-              <a:t> Actions</a:t>
-            </a:r>
-            <a:endParaRPr lang="fr-FR" sz="5400" dirty="0"/>
-          </a:p>
-        </p:txBody>
-      </p:sp>
-      <p:sp>
-        <p:nvSpPr>
-          <p:cNvPr id="8" name="Titre 1"/>
-          <p:cNvSpPr txBox="1">
-            <a:spLocks/>
-          </p:cNvSpPr>
-          <p:nvPr/>
-        </p:nvSpPr>
-        <p:spPr>
-          <a:xfrm>
-            <a:off x="7604720" y="413048"/>
-            <a:ext cx="1368152" cy="648072"/>
-          </a:xfrm>
-          <a:prstGeom prst="rect">
-            <a:avLst/>
-          </a:prstGeom>
-        </p:spPr>
-        <p:txBody>
-          <a:bodyPr vert="horz" lIns="91440" tIns="45720" rIns="91440" bIns="45720" rtlCol="0" anchor="ctr">
-            <a:noAutofit/>
-          </a:bodyPr>
-          <a:lstStyle>
-            <a:lvl1pPr algn="ctr">
-              <a:spcBef>
-                <a:spcPct val="0"/>
-              </a:spcBef>
-              <a:buNone/>
-              <a:defRPr sz="7200">
-                <a:latin typeface="+mj-lt"/>
-                <a:ea typeface="+mj-ea"/>
-                <a:cs typeface="+mj-cs"/>
-              </a:defRPr>
-            </a:lvl1pPr>
-          </a:lstStyle>
-          <a:p>
-            <a:r>
               <a:rPr lang="fr-FR" dirty="0" smtClean="0"/>
               <a:t>-</a:t>
             </a:r>
@@ -8782,7 +8686,7 @@
     </p:spTree>
     <p:extLst>
       <p:ext uri="{BB962C8B-B14F-4D97-AF65-F5344CB8AC3E}">
-        <p14:creationId xmlns:p14="http://schemas.microsoft.com/office/powerpoint/2010/main" val="365713256"/>
+        <p14:creationId xmlns:p14="http://schemas.microsoft.com/office/powerpoint/2010/main" val="1480748098"/>
       </p:ext>
     </p:extLst>
   </p:cSld>
@@ -8894,7 +8798,7 @@
           <a:p>
             <a:r>
               <a:rPr lang="fr-FR" sz="7200" dirty="0" smtClean="0"/>
-              <a:t>-</a:t>
+              <a:t>At 4</a:t>
             </a:r>
             <a:endParaRPr lang="fr-FR" sz="7200" dirty="0"/>
           </a:p>
@@ -8928,7 +8832,7 @@
                   <a:schemeClr val="tx1"/>
                 </a:solidFill>
               </a:rPr>
-              <a:t>Choucas des tours</a:t>
+              <a:t>Criquet égyptien</a:t>
             </a:r>
             <a:endParaRPr lang="fr-FR" sz="8000" dirty="0">
               <a:solidFill>
@@ -8973,6 +8877,14 @@
             </a:lvl1pPr>
           </a:lstStyle>
           <a:p>
+            <a:r>
+              <a:rPr lang="fr-FR" dirty="0"/>
+              <a:t>S </a:t>
+            </a:r>
+            <a:r>
+              <a:rPr lang="fr-FR" dirty="0" smtClean="0"/>
+              <a:t>0</a:t>
+            </a:r>
             <a:endParaRPr lang="fr-FR" dirty="0"/>
           </a:p>
         </p:txBody>
@@ -9024,8 +8936,8 @@
               <a:t> </a:t>
             </a:r>
             <a:r>
-              <a:rPr lang="fr-FR" dirty="0"/>
-              <a:t>7</a:t>
+              <a:rPr lang="fr-FR" dirty="0" smtClean="0"/>
+              <a:t>3</a:t>
             </a:r>
             <a:endParaRPr lang="fr-FR" dirty="0"/>
           </a:p>
@@ -9041,8 +8953,8 @@
         </p:nvSpPr>
         <p:spPr>
           <a:xfrm>
-            <a:off x="5076056" y="4905164"/>
-            <a:ext cx="3528392" cy="1800200"/>
+            <a:off x="7092280" y="5877272"/>
+            <a:ext cx="1944216" cy="648072"/>
           </a:xfrm>
           <a:prstGeom prst="rect">
             <a:avLst/>
@@ -9070,49 +8982,6 @@
           </a:lstStyle>
           <a:p>
             <a:r>
-              <a:rPr lang="fr-FR" sz="4800" dirty="0" smtClean="0"/>
-              <a:t>Vol carte posée</a:t>
-            </a:r>
-            <a:endParaRPr lang="fr-FR" sz="4800" dirty="0"/>
-          </a:p>
-        </p:txBody>
-      </p:sp>
-      <p:sp>
-        <p:nvSpPr>
-          <p:cNvPr id="8" name="Titre 1"/>
-          <p:cNvSpPr txBox="1">
-            <a:spLocks/>
-          </p:cNvSpPr>
-          <p:nvPr/>
-        </p:nvSpPr>
-        <p:spPr>
-          <a:xfrm>
-            <a:off x="7604720" y="413048"/>
-            <a:ext cx="1368152" cy="648072"/>
-          </a:xfrm>
-          <a:prstGeom prst="rect">
-            <a:avLst/>
-          </a:prstGeom>
-        </p:spPr>
-        <p:txBody>
-          <a:bodyPr vert="horz" lIns="91440" tIns="45720" rIns="91440" bIns="45720" rtlCol="0" anchor="ctr">
-            <a:noAutofit/>
-          </a:bodyPr>
-          <a:lstStyle>
-            <a:lvl1pPr algn="ctr">
-              <a:spcBef>
-                <a:spcPct val="0"/>
-              </a:spcBef>
-              <a:buNone/>
-              <a:defRPr sz="7200">
-                <a:latin typeface="+mj-lt"/>
-                <a:ea typeface="+mj-ea"/>
-                <a:cs typeface="+mj-cs"/>
-              </a:defRPr>
-            </a:lvl1pPr>
-          </a:lstStyle>
-          <a:p>
-            <a:r>
               <a:rPr lang="fr-FR" dirty="0" smtClean="0"/>
               <a:t>-</a:t>
             </a:r>
@@ -9123,7 +8992,7 @@
     </p:spTree>
     <p:extLst>
       <p:ext uri="{BB962C8B-B14F-4D97-AF65-F5344CB8AC3E}">
-        <p14:creationId xmlns:p14="http://schemas.microsoft.com/office/powerpoint/2010/main" val="1070837516"/>
+        <p14:creationId xmlns:p14="http://schemas.microsoft.com/office/powerpoint/2010/main" val="173911326"/>
       </p:ext>
     </p:extLst>
   </p:cSld>
@@ -9235,7 +9104,7 @@
           <a:p>
             <a:r>
               <a:rPr lang="fr-FR" sz="7200" dirty="0" smtClean="0"/>
-              <a:t>-</a:t>
+              <a:t>At 4</a:t>
             </a:r>
             <a:endParaRPr lang="fr-FR" sz="7200" dirty="0"/>
           </a:p>
@@ -9258,34 +9127,23 @@
           </a:xfrm>
         </p:spPr>
         <p:txBody>
-          <a:bodyPr vert="horz" lIns="91440" tIns="45720" rIns="91440" bIns="45720" rtlCol="0" anchor="ctr">
-            <a:noAutofit/>
+          <a:bodyPr>
+            <a:normAutofit fontScale="62500" lnSpcReduction="20000"/>
           </a:bodyPr>
           <a:lstStyle/>
           <a:p>
-            <a:pPr>
-              <a:spcBef>
-                <a:spcPct val="0"/>
-              </a:spcBef>
-            </a:pPr>
-            <a:r>
-              <a:rPr lang="fr-FR" sz="7200" dirty="0" smtClean="0">
+            <a:r>
+              <a:rPr lang="fr-FR" sz="8000" dirty="0" smtClean="0">
                 <a:solidFill>
                   <a:schemeClr val="tx1"/>
                 </a:solidFill>
-                <a:latin typeface="+mj-lt"/>
-                <a:ea typeface="+mj-ea"/>
-                <a:cs typeface="+mj-cs"/>
               </a:rPr>
-              <a:t>Pavot</a:t>
-            </a:r>
-            <a:endParaRPr lang="fr-FR" sz="7200" dirty="0">
+              <a:t>Criquet égyptien</a:t>
+            </a:r>
+            <a:endParaRPr lang="fr-FR" sz="8000" dirty="0">
               <a:solidFill>
                 <a:schemeClr val="tx1"/>
               </a:solidFill>
-              <a:latin typeface="+mj-lt"/>
-              <a:ea typeface="+mj-ea"/>
-              <a:cs typeface="+mj-cs"/>
             </a:endParaRPr>
           </a:p>
         </p:txBody>
@@ -9325,6 +9183,14 @@
             </a:lvl1pPr>
           </a:lstStyle>
           <a:p>
+            <a:r>
+              <a:rPr lang="fr-FR" dirty="0"/>
+              <a:t>S </a:t>
+            </a:r>
+            <a:r>
+              <a:rPr lang="fr-FR" dirty="0" smtClean="0"/>
+              <a:t>0</a:t>
+            </a:r>
             <a:endParaRPr lang="fr-FR" dirty="0"/>
           </a:p>
         </p:txBody>
@@ -9373,8 +9239,13 @@
             </a:r>
             <a:r>
               <a:rPr lang="fr-FR" dirty="0"/>
-              <a:t> 4</a:t>
-            </a:r>
+              <a:t> </a:t>
+            </a:r>
+            <a:r>
+              <a:rPr lang="fr-FR" dirty="0" smtClean="0"/>
+              <a:t>3</a:t>
+            </a:r>
+            <a:endParaRPr lang="fr-FR" dirty="0"/>
           </a:p>
         </p:txBody>
       </p:sp>
@@ -9388,8 +9259,8 @@
         </p:nvSpPr>
         <p:spPr>
           <a:xfrm>
-            <a:off x="4355976" y="4905164"/>
-            <a:ext cx="4248472" cy="1800200"/>
+            <a:off x="7092280" y="5877272"/>
+            <a:ext cx="1944216" cy="648072"/>
           </a:xfrm>
           <a:prstGeom prst="rect">
             <a:avLst/>
@@ -9417,49 +9288,6 @@
           </a:lstStyle>
           <a:p>
             <a:r>
-              <a:rPr lang="fr-FR" sz="4800" dirty="0" smtClean="0"/>
-              <a:t> Supprime une carte posée</a:t>
-            </a:r>
-            <a:endParaRPr lang="fr-FR" sz="4800" dirty="0"/>
-          </a:p>
-        </p:txBody>
-      </p:sp>
-      <p:sp>
-        <p:nvSpPr>
-          <p:cNvPr id="8" name="Titre 1"/>
-          <p:cNvSpPr txBox="1">
-            <a:spLocks/>
-          </p:cNvSpPr>
-          <p:nvPr/>
-        </p:nvSpPr>
-        <p:spPr>
-          <a:xfrm>
-            <a:off x="7604720" y="413048"/>
-            <a:ext cx="1368152" cy="648072"/>
-          </a:xfrm>
-          <a:prstGeom prst="rect">
-            <a:avLst/>
-          </a:prstGeom>
-        </p:spPr>
-        <p:txBody>
-          <a:bodyPr vert="horz" lIns="91440" tIns="45720" rIns="91440" bIns="45720" rtlCol="0" anchor="ctr">
-            <a:noAutofit/>
-          </a:bodyPr>
-          <a:lstStyle>
-            <a:lvl1pPr algn="ctr">
-              <a:spcBef>
-                <a:spcPct val="0"/>
-              </a:spcBef>
-              <a:buNone/>
-              <a:defRPr sz="7200">
-                <a:latin typeface="+mj-lt"/>
-                <a:ea typeface="+mj-ea"/>
-                <a:cs typeface="+mj-cs"/>
-              </a:defRPr>
-            </a:lvl1pPr>
-          </a:lstStyle>
-          <a:p>
-            <a:r>
               <a:rPr lang="fr-FR" dirty="0" smtClean="0"/>
               <a:t>-</a:t>
             </a:r>
@@ -9470,7 +9298,7 @@
     </p:spTree>
     <p:extLst>
       <p:ext uri="{BB962C8B-B14F-4D97-AF65-F5344CB8AC3E}">
-        <p14:creationId xmlns:p14="http://schemas.microsoft.com/office/powerpoint/2010/main" val="3234651271"/>
+        <p14:creationId xmlns:p14="http://schemas.microsoft.com/office/powerpoint/2010/main" val="3257725948"/>
       </p:ext>
     </p:extLst>
   </p:cSld>
@@ -9605,34 +9433,23 @@
           </a:xfrm>
         </p:spPr>
         <p:txBody>
-          <a:bodyPr vert="horz" lIns="91440" tIns="45720" rIns="91440" bIns="45720" rtlCol="0" anchor="ctr">
-            <a:noAutofit/>
+          <a:bodyPr>
+            <a:normAutofit/>
           </a:bodyPr>
           <a:lstStyle/>
           <a:p>
-            <a:pPr>
-              <a:spcBef>
-                <a:spcPct val="0"/>
-              </a:spcBef>
-            </a:pPr>
-            <a:r>
-              <a:rPr lang="fr-FR" sz="7200" dirty="0" smtClean="0">
+            <a:r>
+              <a:rPr lang="fr-FR" sz="8000" dirty="0" smtClean="0">
                 <a:solidFill>
                   <a:schemeClr val="tx1"/>
                 </a:solidFill>
-                <a:latin typeface="+mj-lt"/>
-                <a:ea typeface="+mj-ea"/>
-                <a:cs typeface="+mj-cs"/>
               </a:rPr>
-              <a:t>Pavot</a:t>
-            </a:r>
-            <a:endParaRPr lang="fr-FR" sz="7200" dirty="0">
+              <a:t>Cigale</a:t>
+            </a:r>
+            <a:endParaRPr lang="fr-FR" sz="8000" dirty="0">
               <a:solidFill>
                 <a:schemeClr val="tx1"/>
               </a:solidFill>
-              <a:latin typeface="+mj-lt"/>
-              <a:ea typeface="+mj-ea"/>
-              <a:cs typeface="+mj-cs"/>
             </a:endParaRPr>
           </a:p>
         </p:txBody>
@@ -9735,8 +9552,8 @@
         </p:nvSpPr>
         <p:spPr>
           <a:xfrm>
-            <a:off x="4355976" y="4905164"/>
-            <a:ext cx="4248472" cy="1800200"/>
+            <a:off x="5076056" y="4905164"/>
+            <a:ext cx="4464496" cy="1800200"/>
           </a:xfrm>
           <a:prstGeom prst="rect">
             <a:avLst/>
@@ -9764,10 +9581,18 @@
           </a:lstStyle>
           <a:p>
             <a:r>
-              <a:rPr lang="fr-FR" sz="4800" dirty="0" smtClean="0"/>
-              <a:t> Supprime une carte posée</a:t>
-            </a:r>
-            <a:endParaRPr lang="fr-FR" sz="4800" dirty="0"/>
+              <a:rPr lang="fr-FR" sz="5400" dirty="0" smtClean="0"/>
+              <a:t>-</a:t>
+            </a:r>
+            <a:r>
+              <a:rPr lang="fr-FR" sz="5400" dirty="0"/>
+              <a:t>3</a:t>
+            </a:r>
+            <a:r>
+              <a:rPr lang="fr-FR" sz="5400" dirty="0" smtClean="0"/>
+              <a:t> Actions</a:t>
+            </a:r>
+            <a:endParaRPr lang="fr-FR" sz="5400" dirty="0"/>
           </a:p>
         </p:txBody>
       </p:sp>
@@ -9817,7 +9642,7 @@
     </p:spTree>
     <p:extLst>
       <p:ext uri="{BB962C8B-B14F-4D97-AF65-F5344CB8AC3E}">
-        <p14:creationId xmlns:p14="http://schemas.microsoft.com/office/powerpoint/2010/main" val="3304038030"/>
+        <p14:creationId xmlns:p14="http://schemas.microsoft.com/office/powerpoint/2010/main" val="3867465627"/>
       </p:ext>
     </p:extLst>
   </p:cSld>
@@ -9952,34 +9777,23 @@
           </a:xfrm>
         </p:spPr>
         <p:txBody>
-          <a:bodyPr vert="horz" lIns="91440" tIns="45720" rIns="91440" bIns="45720" rtlCol="0" anchor="ctr">
-            <a:noAutofit/>
+          <a:bodyPr>
+            <a:normAutofit/>
           </a:bodyPr>
           <a:lstStyle/>
           <a:p>
-            <a:pPr>
-              <a:spcBef>
-                <a:spcPct val="0"/>
-              </a:spcBef>
-            </a:pPr>
-            <a:r>
-              <a:rPr lang="fr-FR" sz="7200" dirty="0" smtClean="0">
+            <a:r>
+              <a:rPr lang="fr-FR" sz="8000" dirty="0" smtClean="0">
                 <a:solidFill>
                   <a:schemeClr val="tx1"/>
                 </a:solidFill>
-                <a:latin typeface="+mj-lt"/>
-                <a:ea typeface="+mj-ea"/>
-                <a:cs typeface="+mj-cs"/>
               </a:rPr>
-              <a:t>Pavot</a:t>
-            </a:r>
-            <a:endParaRPr lang="fr-FR" sz="7200" dirty="0">
+              <a:t>Cigale</a:t>
+            </a:r>
+            <a:endParaRPr lang="fr-FR" sz="8000" dirty="0">
               <a:solidFill>
                 <a:schemeClr val="tx1"/>
               </a:solidFill>
-              <a:latin typeface="+mj-lt"/>
-              <a:ea typeface="+mj-ea"/>
-              <a:cs typeface="+mj-cs"/>
             </a:endParaRPr>
           </a:p>
         </p:txBody>
@@ -10082,8 +9896,8 @@
         </p:nvSpPr>
         <p:spPr>
           <a:xfrm>
-            <a:off x="4355976" y="4905164"/>
-            <a:ext cx="4248472" cy="1800200"/>
+            <a:off x="5076056" y="4905164"/>
+            <a:ext cx="4464496" cy="1800200"/>
           </a:xfrm>
           <a:prstGeom prst="rect">
             <a:avLst/>
@@ -10111,10 +9925,18 @@
           </a:lstStyle>
           <a:p>
             <a:r>
-              <a:rPr lang="fr-FR" sz="4800" dirty="0" smtClean="0"/>
-              <a:t> Supprime une carte posée</a:t>
-            </a:r>
-            <a:endParaRPr lang="fr-FR" sz="4800" dirty="0"/>
+              <a:rPr lang="fr-FR" sz="5400" dirty="0" smtClean="0"/>
+              <a:t>-</a:t>
+            </a:r>
+            <a:r>
+              <a:rPr lang="fr-FR" sz="5400" dirty="0"/>
+              <a:t>3</a:t>
+            </a:r>
+            <a:r>
+              <a:rPr lang="fr-FR" sz="5400" dirty="0" smtClean="0"/>
+              <a:t> Actions</a:t>
+            </a:r>
+            <a:endParaRPr lang="fr-FR" sz="5400" dirty="0"/>
           </a:p>
         </p:txBody>
       </p:sp>
@@ -10164,7 +9986,7 @@
     </p:spTree>
     <p:extLst>
       <p:ext uri="{BB962C8B-B14F-4D97-AF65-F5344CB8AC3E}">
-        <p14:creationId xmlns:p14="http://schemas.microsoft.com/office/powerpoint/2010/main" val="3304038030"/>
+        <p14:creationId xmlns:p14="http://schemas.microsoft.com/office/powerpoint/2010/main" val="365713256"/>
       </p:ext>
     </p:extLst>
   </p:cSld>
@@ -10276,7 +10098,7 @@
           <a:p>
             <a:r>
               <a:rPr lang="fr-FR" sz="7200" dirty="0" smtClean="0"/>
-              <a:t>A 4</a:t>
+              <a:t>A 5</a:t>
             </a:r>
             <a:endParaRPr lang="fr-FR" sz="7200" dirty="0"/>
           </a:p>
@@ -10600,34 +10422,23 @@
           </a:xfrm>
         </p:spPr>
         <p:txBody>
-          <a:bodyPr vert="horz" lIns="91440" tIns="45720" rIns="91440" bIns="45720" rtlCol="0" anchor="ctr">
-            <a:noAutofit/>
+          <a:bodyPr>
+            <a:normAutofit fontScale="62500" lnSpcReduction="20000"/>
           </a:bodyPr>
           <a:lstStyle/>
           <a:p>
-            <a:pPr>
-              <a:spcBef>
-                <a:spcPct val="0"/>
-              </a:spcBef>
-            </a:pPr>
-            <a:r>
-              <a:rPr lang="fr-FR" sz="7200" dirty="0" smtClean="0">
+            <a:r>
+              <a:rPr lang="fr-FR" sz="8000" dirty="0" smtClean="0">
                 <a:solidFill>
                   <a:schemeClr val="tx1"/>
                 </a:solidFill>
-                <a:latin typeface="+mj-lt"/>
-                <a:ea typeface="+mj-ea"/>
-                <a:cs typeface="+mj-cs"/>
               </a:rPr>
-              <a:t>Pavot</a:t>
-            </a:r>
-            <a:endParaRPr lang="fr-FR" sz="7200" dirty="0">
+              <a:t>Choucas des tours</a:t>
+            </a:r>
+            <a:endParaRPr lang="fr-FR" sz="8000" dirty="0">
               <a:solidFill>
                 <a:schemeClr val="tx1"/>
               </a:solidFill>
-              <a:latin typeface="+mj-lt"/>
-              <a:ea typeface="+mj-ea"/>
-              <a:cs typeface="+mj-cs"/>
             </a:endParaRPr>
           </a:p>
         </p:txBody>
@@ -10715,13 +10526,8 @@
             </a:r>
             <a:r>
               <a:rPr lang="fr-FR" dirty="0"/>
-              <a:t> </a:t>
-            </a:r>
-            <a:r>
-              <a:rPr lang="fr-FR" dirty="0" smtClean="0"/>
-              <a:t>3</a:t>
-            </a:r>
-            <a:endParaRPr lang="fr-FR" dirty="0"/>
+              <a:t> 7</a:t>
+            </a:r>
           </a:p>
         </p:txBody>
       </p:sp>
@@ -10735,8 +10541,8 @@
         </p:nvSpPr>
         <p:spPr>
           <a:xfrm>
-            <a:off x="4355976" y="4905164"/>
-            <a:ext cx="4248472" cy="1800200"/>
+            <a:off x="5076056" y="4905164"/>
+            <a:ext cx="3528392" cy="1800200"/>
           </a:xfrm>
           <a:prstGeom prst="rect">
             <a:avLst/>
@@ -10765,7 +10571,7 @@
           <a:p>
             <a:r>
               <a:rPr lang="fr-FR" sz="4800" dirty="0" smtClean="0"/>
-              <a:t> Supprime une carte posée</a:t>
+              <a:t>Vol carte posée</a:t>
             </a:r>
             <a:endParaRPr lang="fr-FR" sz="4800" dirty="0"/>
           </a:p>
@@ -10817,7 +10623,7 @@
     </p:spTree>
     <p:extLst>
       <p:ext uri="{BB962C8B-B14F-4D97-AF65-F5344CB8AC3E}">
-        <p14:creationId xmlns:p14="http://schemas.microsoft.com/office/powerpoint/2010/main" val="1550474021"/>
+        <p14:creationId xmlns:p14="http://schemas.microsoft.com/office/powerpoint/2010/main" val="1070837516"/>
       </p:ext>
     </p:extLst>
   </p:cSld>
@@ -10929,7 +10735,7 @@
           <a:p>
             <a:r>
               <a:rPr lang="fr-FR" sz="7200" dirty="0" smtClean="0"/>
-              <a:t>At 10</a:t>
+              <a:t>-</a:t>
             </a:r>
             <a:endParaRPr lang="fr-FR" sz="7200" dirty="0"/>
           </a:p>
@@ -10971,7 +10777,7 @@
                 <a:ea typeface="+mj-ea"/>
                 <a:cs typeface="+mj-cs"/>
               </a:rPr>
-              <a:t>Scorpion</a:t>
+              <a:t>Pavot Cornu</a:t>
             </a:r>
             <a:endParaRPr lang="fr-FR" sz="7200" dirty="0">
               <a:solidFill>
@@ -11067,13 +10873,8 @@
             </a:r>
             <a:r>
               <a:rPr lang="fr-FR" dirty="0"/>
-              <a:t> </a:t>
-            </a:r>
-            <a:r>
-              <a:rPr lang="fr-FR" dirty="0" smtClean="0"/>
-              <a:t>6</a:t>
-            </a:r>
-            <a:endParaRPr lang="fr-FR" dirty="0"/>
+              <a:t> 4</a:t>
+            </a:r>
           </a:p>
         </p:txBody>
       </p:sp>
@@ -11117,7 +10918,7 @@
           <a:p>
             <a:r>
               <a:rPr lang="fr-FR" sz="4800" dirty="0" smtClean="0"/>
-              <a:t> -</a:t>
+              <a:t> Supprime une carte posée</a:t>
             </a:r>
             <a:endParaRPr lang="fr-FR" sz="4800" dirty="0"/>
           </a:p>
@@ -11169,7 +10970,7 @@
     </p:spTree>
     <p:extLst>
       <p:ext uri="{BB962C8B-B14F-4D97-AF65-F5344CB8AC3E}">
-        <p14:creationId xmlns:p14="http://schemas.microsoft.com/office/powerpoint/2010/main" val="4076742609"/>
+        <p14:creationId xmlns:p14="http://schemas.microsoft.com/office/powerpoint/2010/main" val="3234651271"/>
       </p:ext>
     </p:extLst>
   </p:cSld>
@@ -11281,7 +11082,7 @@
           <a:p>
             <a:r>
               <a:rPr lang="fr-FR" sz="7200" dirty="0" smtClean="0"/>
-              <a:t>A 4</a:t>
+              <a:t>-</a:t>
             </a:r>
             <a:endParaRPr lang="fr-FR" sz="7200" dirty="0"/>
           </a:p>
@@ -11304,23 +11105,34 @@
           </a:xfrm>
         </p:spPr>
         <p:txBody>
-          <a:bodyPr>
-            <a:normAutofit/>
+          <a:bodyPr vert="horz" lIns="91440" tIns="45720" rIns="91440" bIns="45720" rtlCol="0" anchor="ctr">
+            <a:noAutofit/>
           </a:bodyPr>
           <a:lstStyle/>
           <a:p>
-            <a:r>
-              <a:rPr lang="fr-FR" sz="8000" dirty="0" smtClean="0">
+            <a:pPr>
+              <a:spcBef>
+                <a:spcPct val="0"/>
+              </a:spcBef>
+            </a:pPr>
+            <a:r>
+              <a:rPr lang="fr-FR" sz="7200" dirty="0" smtClean="0">
                 <a:solidFill>
                   <a:schemeClr val="tx1"/>
                 </a:solidFill>
+                <a:latin typeface="+mj-lt"/>
+                <a:ea typeface="+mj-ea"/>
+                <a:cs typeface="+mj-cs"/>
               </a:rPr>
-              <a:t>Guêpe</a:t>
-            </a:r>
-            <a:endParaRPr lang="fr-FR" sz="8000" dirty="0">
+              <a:t>Pavot Cornu</a:t>
+            </a:r>
+            <a:endParaRPr lang="fr-FR" sz="7200" dirty="0">
               <a:solidFill>
                 <a:schemeClr val="tx1"/>
               </a:solidFill>
+              <a:latin typeface="+mj-lt"/>
+              <a:ea typeface="+mj-ea"/>
+              <a:cs typeface="+mj-cs"/>
             </a:endParaRPr>
           </a:p>
         </p:txBody>
@@ -11360,10 +11172,7 @@
             </a:lvl1pPr>
           </a:lstStyle>
           <a:p>
-            <a:r>
-              <a:rPr lang="fr-FR" dirty="0"/>
-              <a:t>S 0</a:t>
-            </a:r>
+            <a:endParaRPr lang="fr-FR" dirty="0"/>
           </a:p>
         </p:txBody>
       </p:sp>
@@ -11411,13 +11220,8 @@
             </a:r>
             <a:r>
               <a:rPr lang="fr-FR" dirty="0"/>
-              <a:t> </a:t>
-            </a:r>
-            <a:r>
-              <a:rPr lang="fr-FR" dirty="0" smtClean="0"/>
-              <a:t>4</a:t>
-            </a:r>
-            <a:endParaRPr lang="fr-FR" dirty="0"/>
+              <a:t> 4</a:t>
+            </a:r>
           </a:p>
         </p:txBody>
       </p:sp>
@@ -11431,8 +11235,8 @@
         </p:nvSpPr>
         <p:spPr>
           <a:xfrm>
-            <a:off x="6933278" y="5877272"/>
-            <a:ext cx="2103218" cy="648072"/>
+            <a:off x="4355976" y="4905164"/>
+            <a:ext cx="4248472" cy="1800200"/>
           </a:xfrm>
           <a:prstGeom prst="rect">
             <a:avLst/>
@@ -11460,6 +11264,49 @@
           </a:lstStyle>
           <a:p>
             <a:r>
+              <a:rPr lang="fr-FR" sz="4800" dirty="0" smtClean="0"/>
+              <a:t> Supprime une carte posée</a:t>
+            </a:r>
+            <a:endParaRPr lang="fr-FR" sz="4800" dirty="0"/>
+          </a:p>
+        </p:txBody>
+      </p:sp>
+      <p:sp>
+        <p:nvSpPr>
+          <p:cNvPr id="8" name="Titre 1"/>
+          <p:cNvSpPr txBox="1">
+            <a:spLocks/>
+          </p:cNvSpPr>
+          <p:nvPr/>
+        </p:nvSpPr>
+        <p:spPr>
+          <a:xfrm>
+            <a:off x="7604720" y="413048"/>
+            <a:ext cx="1368152" cy="648072"/>
+          </a:xfrm>
+          <a:prstGeom prst="rect">
+            <a:avLst/>
+          </a:prstGeom>
+        </p:spPr>
+        <p:txBody>
+          <a:bodyPr vert="horz" lIns="91440" tIns="45720" rIns="91440" bIns="45720" rtlCol="0" anchor="ctr">
+            <a:noAutofit/>
+          </a:bodyPr>
+          <a:lstStyle>
+            <a:lvl1pPr algn="ctr">
+              <a:spcBef>
+                <a:spcPct val="0"/>
+              </a:spcBef>
+              <a:buNone/>
+              <a:defRPr sz="7200">
+                <a:latin typeface="+mj-lt"/>
+                <a:ea typeface="+mj-ea"/>
+                <a:cs typeface="+mj-cs"/>
+              </a:defRPr>
+            </a:lvl1pPr>
+          </a:lstStyle>
+          <a:p>
+            <a:r>
               <a:rPr lang="fr-FR" dirty="0" smtClean="0"/>
               <a:t>-</a:t>
             </a:r>
@@ -11470,7 +11317,7 @@
     </p:spTree>
     <p:extLst>
       <p:ext uri="{BB962C8B-B14F-4D97-AF65-F5344CB8AC3E}">
-        <p14:creationId xmlns:p14="http://schemas.microsoft.com/office/powerpoint/2010/main" val="211378766"/>
+        <p14:creationId xmlns:p14="http://schemas.microsoft.com/office/powerpoint/2010/main" val="3304038030"/>
       </p:ext>
     </p:extLst>
   </p:cSld>
@@ -11582,11 +11429,7 @@
           <a:p>
             <a:r>
               <a:rPr lang="fr-FR" sz="7200" dirty="0" smtClean="0"/>
-              <a:t>At </a:t>
-            </a:r>
-            <a:r>
-              <a:rPr lang="fr-FR" sz="7200" dirty="0" smtClean="0"/>
-              <a:t>3</a:t>
+              <a:t>-</a:t>
             </a:r>
             <a:endParaRPr lang="fr-FR" sz="7200" dirty="0"/>
           </a:p>
@@ -11614,22 +11457,27 @@
           </a:bodyPr>
           <a:lstStyle/>
           <a:p>
-            <a:r>
-              <a:rPr lang="fr-FR" sz="7200" b="1" dirty="0" err="1">
+            <a:pPr>
+              <a:spcBef>
+                <a:spcPct val="0"/>
+              </a:spcBef>
+            </a:pPr>
+            <a:r>
+              <a:rPr lang="fr-FR" sz="7200" dirty="0">
                 <a:solidFill>
                   <a:schemeClr val="tx1"/>
                 </a:solidFill>
               </a:rPr>
-              <a:t>Scaurus</a:t>
-            </a:r>
-            <a:r>
-              <a:rPr lang="fr-FR" sz="7200" b="1" dirty="0">
-                <a:solidFill>
-                  <a:schemeClr val="tx1"/>
-                </a:solidFill>
-              </a:rPr>
-              <a:t> des ruines</a:t>
-            </a:r>
+              <a:t>Pavot Cornu</a:t>
+            </a:r>
+            <a:endParaRPr lang="fr-FR" sz="7200" dirty="0">
+              <a:solidFill>
+                <a:schemeClr val="tx1"/>
+              </a:solidFill>
+              <a:latin typeface="+mj-lt"/>
+              <a:ea typeface="+mj-ea"/>
+              <a:cs typeface="+mj-cs"/>
+            </a:endParaRPr>
           </a:p>
         </p:txBody>
       </p:sp>
@@ -11716,13 +11564,8 @@
             </a:r>
             <a:r>
               <a:rPr lang="fr-FR" dirty="0"/>
-              <a:t> </a:t>
-            </a:r>
-            <a:r>
-              <a:rPr lang="fr-FR" dirty="0" smtClean="0"/>
-              <a:t>3</a:t>
-            </a:r>
-            <a:endParaRPr lang="fr-FR" dirty="0"/>
+              <a:t> 4</a:t>
+            </a:r>
           </a:p>
         </p:txBody>
       </p:sp>
@@ -11766,7 +11609,7 @@
           <a:p>
             <a:r>
               <a:rPr lang="fr-FR" sz="4800" dirty="0" smtClean="0"/>
-              <a:t> Immunité pouvoir</a:t>
+              <a:t> Supprime une carte posée</a:t>
             </a:r>
             <a:endParaRPr lang="fr-FR" sz="4800" dirty="0"/>
           </a:p>
@@ -11818,7 +11661,7 @@
     </p:spTree>
     <p:extLst>
       <p:ext uri="{BB962C8B-B14F-4D97-AF65-F5344CB8AC3E}">
-        <p14:creationId xmlns:p14="http://schemas.microsoft.com/office/powerpoint/2010/main" val="1055941383"/>
+        <p14:creationId xmlns:p14="http://schemas.microsoft.com/office/powerpoint/2010/main" val="3304038030"/>
       </p:ext>
     </p:extLst>
   </p:cSld>
@@ -11930,7 +11773,7 @@
           <a:p>
             <a:r>
               <a:rPr lang="fr-FR" sz="7200" dirty="0" smtClean="0"/>
-              <a:t>At 2</a:t>
+              <a:t>-</a:t>
             </a:r>
             <a:endParaRPr lang="fr-FR" sz="7200" dirty="0"/>
           </a:p>
@@ -11958,22 +11801,27 @@
           </a:bodyPr>
           <a:lstStyle/>
           <a:p>
-            <a:r>
-              <a:rPr lang="fr-FR" sz="7200" b="1" dirty="0" err="1">
+            <a:pPr>
+              <a:spcBef>
+                <a:spcPct val="0"/>
+              </a:spcBef>
+            </a:pPr>
+            <a:r>
+              <a:rPr lang="fr-FR" sz="7200" dirty="0">
                 <a:solidFill>
                   <a:schemeClr val="tx1"/>
                 </a:solidFill>
               </a:rPr>
-              <a:t>Scaurus</a:t>
-            </a:r>
-            <a:r>
-              <a:rPr lang="fr-FR" sz="7200" b="1" dirty="0">
-                <a:solidFill>
-                  <a:schemeClr val="tx1"/>
-                </a:solidFill>
-              </a:rPr>
-              <a:t> des ruines</a:t>
-            </a:r>
+              <a:t>Pavot Cornu</a:t>
+            </a:r>
+            <a:endParaRPr lang="fr-FR" sz="7200" dirty="0">
+              <a:solidFill>
+                <a:schemeClr val="tx1"/>
+              </a:solidFill>
+              <a:latin typeface="+mj-lt"/>
+              <a:ea typeface="+mj-ea"/>
+              <a:cs typeface="+mj-cs"/>
+            </a:endParaRPr>
           </a:p>
         </p:txBody>
       </p:sp>
@@ -12064,7 +11912,7 @@
             </a:r>
             <a:r>
               <a:rPr lang="fr-FR" dirty="0" smtClean="0"/>
-              <a:t>3</a:t>
+              <a:t>4</a:t>
             </a:r>
             <a:endParaRPr lang="fr-FR" dirty="0"/>
           </a:p>
@@ -12110,7 +11958,7 @@
           <a:p>
             <a:r>
               <a:rPr lang="fr-FR" sz="4800" dirty="0" smtClean="0"/>
-              <a:t> Immunité pouvoir</a:t>
+              <a:t> Supprime une carte posée</a:t>
             </a:r>
             <a:endParaRPr lang="fr-FR" sz="4800" dirty="0"/>
           </a:p>
@@ -12162,7 +12010,7 @@
     </p:spTree>
     <p:extLst>
       <p:ext uri="{BB962C8B-B14F-4D97-AF65-F5344CB8AC3E}">
-        <p14:creationId xmlns:p14="http://schemas.microsoft.com/office/powerpoint/2010/main" val="886283973"/>
+        <p14:creationId xmlns:p14="http://schemas.microsoft.com/office/powerpoint/2010/main" val="1550474021"/>
       </p:ext>
     </p:extLst>
   </p:cSld>
@@ -12274,7 +12122,7 @@
           <a:p>
             <a:r>
               <a:rPr lang="fr-FR" sz="7200" dirty="0" smtClean="0"/>
-              <a:t>A 4</a:t>
+              <a:t>At 10</a:t>
             </a:r>
             <a:endParaRPr lang="fr-FR" sz="7200" dirty="0"/>
           </a:p>
@@ -12297,24 +12145,27 @@
           </a:xfrm>
         </p:spPr>
         <p:txBody>
-          <a:bodyPr>
-            <a:normAutofit/>
+          <a:bodyPr vert="horz" lIns="91440" tIns="45720" rIns="91440" bIns="45720" rtlCol="0" anchor="ctr">
+            <a:noAutofit/>
           </a:bodyPr>
           <a:lstStyle/>
           <a:p>
-            <a:r>
-              <a:rPr lang="fr-FR" sz="8000" dirty="0" smtClean="0">
+            <a:pPr>
+              <a:spcBef>
+                <a:spcPct val="0"/>
+              </a:spcBef>
+            </a:pPr>
+            <a:r>
+              <a:rPr lang="fr-FR" sz="6600" dirty="0">
                 <a:solidFill>
                   <a:schemeClr val="tx1"/>
                 </a:solidFill>
+                <a:latin typeface="+mj-lt"/>
+                <a:ea typeface="+mj-ea"/>
+                <a:cs typeface="+mj-cs"/>
               </a:rPr>
-              <a:t>Guêpe</a:t>
-            </a:r>
-            <a:endParaRPr lang="fr-FR" sz="8000" dirty="0">
-              <a:solidFill>
-                <a:schemeClr val="tx1"/>
-              </a:solidFill>
-            </a:endParaRPr>
+              <a:t>Scorpion à pattes jaunes</a:t>
+            </a:r>
           </a:p>
         </p:txBody>
       </p:sp>
@@ -12353,10 +12204,7 @@
             </a:lvl1pPr>
           </a:lstStyle>
           <a:p>
-            <a:r>
-              <a:rPr lang="fr-FR" dirty="0"/>
-              <a:t>S 0</a:t>
-            </a:r>
+            <a:endParaRPr lang="fr-FR" dirty="0"/>
           </a:p>
         </p:txBody>
       </p:sp>
@@ -12408,7 +12256,7 @@
             </a:r>
             <a:r>
               <a:rPr lang="fr-FR" dirty="0" smtClean="0"/>
-              <a:t>4</a:t>
+              <a:t>6</a:t>
             </a:r>
             <a:endParaRPr lang="fr-FR" dirty="0"/>
           </a:p>
@@ -12424,8 +12272,8 @@
         </p:nvSpPr>
         <p:spPr>
           <a:xfrm>
-            <a:off x="6933278" y="5877272"/>
-            <a:ext cx="2103218" cy="648072"/>
+            <a:off x="4355976" y="4905164"/>
+            <a:ext cx="4248472" cy="1800200"/>
           </a:xfrm>
           <a:prstGeom prst="rect">
             <a:avLst/>
@@ -12453,6 +12301,49 @@
           </a:lstStyle>
           <a:p>
             <a:r>
+              <a:rPr lang="fr-FR" sz="4800" dirty="0" smtClean="0"/>
+              <a:t> -</a:t>
+            </a:r>
+            <a:endParaRPr lang="fr-FR" sz="4800" dirty="0"/>
+          </a:p>
+        </p:txBody>
+      </p:sp>
+      <p:sp>
+        <p:nvSpPr>
+          <p:cNvPr id="8" name="Titre 1"/>
+          <p:cNvSpPr txBox="1">
+            <a:spLocks/>
+          </p:cNvSpPr>
+          <p:nvPr/>
+        </p:nvSpPr>
+        <p:spPr>
+          <a:xfrm>
+            <a:off x="7604720" y="413048"/>
+            <a:ext cx="1368152" cy="648072"/>
+          </a:xfrm>
+          <a:prstGeom prst="rect">
+            <a:avLst/>
+          </a:prstGeom>
+        </p:spPr>
+        <p:txBody>
+          <a:bodyPr vert="horz" lIns="91440" tIns="45720" rIns="91440" bIns="45720" rtlCol="0" anchor="ctr">
+            <a:noAutofit/>
+          </a:bodyPr>
+          <a:lstStyle>
+            <a:lvl1pPr algn="ctr">
+              <a:spcBef>
+                <a:spcPct val="0"/>
+              </a:spcBef>
+              <a:buNone/>
+              <a:defRPr sz="7200">
+                <a:latin typeface="+mj-lt"/>
+                <a:ea typeface="+mj-ea"/>
+                <a:cs typeface="+mj-cs"/>
+              </a:defRPr>
+            </a:lvl1pPr>
+          </a:lstStyle>
+          <a:p>
+            <a:r>
               <a:rPr lang="fr-FR" dirty="0" smtClean="0"/>
               <a:t>-</a:t>
             </a:r>
@@ -12463,7 +12354,7 @@
     </p:spTree>
     <p:extLst>
       <p:ext uri="{BB962C8B-B14F-4D97-AF65-F5344CB8AC3E}">
-        <p14:creationId xmlns:p14="http://schemas.microsoft.com/office/powerpoint/2010/main" val="3558606897"/>
+        <p14:creationId xmlns:p14="http://schemas.microsoft.com/office/powerpoint/2010/main" val="4076742609"/>
       </p:ext>
     </p:extLst>
   </p:cSld>
@@ -12575,7 +12466,7 @@
           <a:p>
             <a:r>
               <a:rPr lang="fr-FR" sz="7200" dirty="0" smtClean="0"/>
-              <a:t>A-</a:t>
+              <a:t>A 5</a:t>
             </a:r>
             <a:endParaRPr lang="fr-FR" sz="7200" dirty="0"/>
           </a:p>
@@ -12599,18 +12490,23 @@
         </p:spPr>
         <p:txBody>
           <a:bodyPr>
-            <a:normAutofit fontScale="62500" lnSpcReduction="20000"/>
+            <a:normAutofit/>
           </a:bodyPr>
           <a:lstStyle/>
           <a:p>
             <a:r>
-              <a:rPr lang="fr-FR" sz="8000" dirty="0">
+              <a:rPr lang="fr-FR" sz="8000" dirty="0" smtClean="0">
                 <a:solidFill>
                   <a:schemeClr val="tx1"/>
                 </a:solidFill>
               </a:rPr>
-              <a:t>Scolopendre ceinturée</a:t>
-            </a:r>
+              <a:t>Guêpe</a:t>
+            </a:r>
+            <a:endParaRPr lang="fr-FR" sz="8000" dirty="0">
+              <a:solidFill>
+                <a:schemeClr val="tx1"/>
+              </a:solidFill>
+            </a:endParaRPr>
           </a:p>
         </p:txBody>
       </p:sp>
@@ -12704,7 +12600,7 @@
             </a:r>
             <a:r>
               <a:rPr lang="fr-FR" dirty="0" smtClean="0"/>
-              <a:t>6</a:t>
+              <a:t>4</a:t>
             </a:r>
             <a:endParaRPr lang="fr-FR" dirty="0"/>
           </a:p>
@@ -12720,8 +12616,8 @@
         </p:nvSpPr>
         <p:spPr>
           <a:xfrm>
-            <a:off x="4788024" y="5877272"/>
-            <a:ext cx="4248472" cy="648072"/>
+            <a:off x="6933278" y="5877272"/>
+            <a:ext cx="2103218" cy="648072"/>
           </a:xfrm>
           <a:prstGeom prst="rect">
             <a:avLst/>
@@ -12750,11 +12646,7 @@
           <a:p>
             <a:r>
               <a:rPr lang="fr-FR" dirty="0" smtClean="0"/>
-              <a:t>+9 </a:t>
-            </a:r>
-            <a:r>
-              <a:rPr lang="fr-FR" dirty="0" smtClean="0"/>
-              <a:t>actions</a:t>
+              <a:t>-</a:t>
             </a:r>
             <a:endParaRPr lang="fr-FR" dirty="0"/>
           </a:p>
@@ -12763,7 +12655,986 @@
     </p:spTree>
     <p:extLst>
       <p:ext uri="{BB962C8B-B14F-4D97-AF65-F5344CB8AC3E}">
-        <p14:creationId xmlns:p14="http://schemas.microsoft.com/office/powerpoint/2010/main" val="1836871326"/>
+        <p14:creationId xmlns:p14="http://schemas.microsoft.com/office/powerpoint/2010/main" val="211378766"/>
+      </p:ext>
+    </p:extLst>
+  </p:cSld>
+  <p:clrMapOvr>
+    <a:masterClrMapping/>
+  </p:clrMapOvr>
+  <p:timing>
+    <p:tnLst>
+      <p:par>
+        <p:cTn id="1" dur="indefinite" restart="never" nodeType="tmRoot"/>
+      </p:par>
+    </p:tnLst>
+  </p:timing>
+</p:sld>
+</file>
+
+<file path=ppt/slides/slide37.xml><?xml version="1.0" encoding="utf-8"?>
+<p:sld xmlns:a="http://schemas.openxmlformats.org/drawingml/2006/main" xmlns:r="http://schemas.openxmlformats.org/officeDocument/2006/relationships" xmlns:p="http://schemas.openxmlformats.org/presentationml/2006/main">
+  <p:cSld>
+    <p:spTree>
+      <p:nvGrpSpPr>
+        <p:cNvPr id="1" name=""/>
+        <p:cNvGrpSpPr/>
+        <p:nvPr/>
+      </p:nvGrpSpPr>
+      <p:grpSpPr>
+        <a:xfrm>
+          <a:off x="0" y="0"/>
+          <a:ext cx="0" cy="0"/>
+          <a:chOff x="0" y="0"/>
+          <a:chExt cx="0" cy="0"/>
+        </a:xfrm>
+      </p:grpSpPr>
+      <p:sp>
+        <p:nvSpPr>
+          <p:cNvPr id="6" name="Rectangle 5"/>
+          <p:cNvSpPr/>
+          <p:nvPr/>
+        </p:nvSpPr>
+        <p:spPr>
+          <a:xfrm>
+            <a:off x="0" y="0"/>
+            <a:ext cx="9144000" cy="6858000"/>
+          </a:xfrm>
+          <a:prstGeom prst="rect">
+            <a:avLst/>
+          </a:prstGeom>
+          <a:solidFill>
+            <a:srgbClr val="FFC000">
+              <a:alpha val="0"/>
+            </a:srgbClr>
+          </a:solidFill>
+          <a:ln w="101600">
+            <a:solidFill>
+              <a:schemeClr val="tx1"/>
+            </a:solidFill>
+          </a:ln>
+        </p:spPr>
+        <p:style>
+          <a:lnRef idx="2">
+            <a:schemeClr val="accent1">
+              <a:shade val="50000"/>
+            </a:schemeClr>
+          </a:lnRef>
+          <a:fillRef idx="1">
+            <a:schemeClr val="accent1"/>
+          </a:fillRef>
+          <a:effectRef idx="0">
+            <a:schemeClr val="accent1"/>
+          </a:effectRef>
+          <a:fontRef idx="minor">
+            <a:schemeClr val="lt1"/>
+          </a:fontRef>
+        </p:style>
+        <p:txBody>
+          <a:bodyPr rtlCol="0" anchor="ctr"/>
+          <a:lstStyle/>
+          <a:p>
+            <a:pPr algn="ctr"/>
+            <a:endParaRPr lang="fr-FR">
+              <a:solidFill>
+                <a:srgbClr val="FFC000"/>
+              </a:solidFill>
+            </a:endParaRPr>
+          </a:p>
+        </p:txBody>
+      </p:sp>
+      <p:sp>
+        <p:nvSpPr>
+          <p:cNvPr id="2" name="Titre 1"/>
+          <p:cNvSpPr>
+            <a:spLocks noGrp="1"/>
+          </p:cNvSpPr>
+          <p:nvPr>
+            <p:ph type="ctrTitle"/>
+          </p:nvPr>
+        </p:nvSpPr>
+        <p:spPr>
+          <a:xfrm>
+            <a:off x="323528" y="332656"/>
+            <a:ext cx="2304256" cy="936104"/>
+          </a:xfrm>
+        </p:spPr>
+        <p:txBody>
+          <a:bodyPr>
+            <a:noAutofit/>
+          </a:bodyPr>
+          <a:lstStyle/>
+          <a:p>
+            <a:r>
+              <a:rPr lang="fr-FR" sz="7200" dirty="0" smtClean="0"/>
+              <a:t>At 3</a:t>
+            </a:r>
+            <a:endParaRPr lang="fr-FR" sz="7200" dirty="0"/>
+          </a:p>
+        </p:txBody>
+      </p:sp>
+      <p:sp>
+        <p:nvSpPr>
+          <p:cNvPr id="3" name="Sous-titre 2"/>
+          <p:cNvSpPr>
+            <a:spLocks noGrp="1"/>
+          </p:cNvSpPr>
+          <p:nvPr>
+            <p:ph type="subTitle" idx="1"/>
+          </p:nvPr>
+        </p:nvSpPr>
+        <p:spPr>
+          <a:xfrm>
+            <a:off x="1907704" y="2744924"/>
+            <a:ext cx="4856584" cy="1368152"/>
+          </a:xfrm>
+        </p:spPr>
+        <p:txBody>
+          <a:bodyPr vert="horz" lIns="91440" tIns="45720" rIns="91440" bIns="45720" rtlCol="0" anchor="ctr">
+            <a:noAutofit/>
+          </a:bodyPr>
+          <a:lstStyle/>
+          <a:p>
+            <a:r>
+              <a:rPr lang="fr-FR" sz="7200" b="1" dirty="0" err="1">
+                <a:solidFill>
+                  <a:schemeClr val="tx1"/>
+                </a:solidFill>
+              </a:rPr>
+              <a:t>Scaurus</a:t>
+            </a:r>
+            <a:r>
+              <a:rPr lang="fr-FR" sz="7200" b="1" dirty="0">
+                <a:solidFill>
+                  <a:schemeClr val="tx1"/>
+                </a:solidFill>
+              </a:rPr>
+              <a:t> des ruines</a:t>
+            </a:r>
+          </a:p>
+        </p:txBody>
+      </p:sp>
+      <p:sp>
+        <p:nvSpPr>
+          <p:cNvPr id="4" name="Titre 1"/>
+          <p:cNvSpPr txBox="1">
+            <a:spLocks/>
+          </p:cNvSpPr>
+          <p:nvPr/>
+        </p:nvSpPr>
+        <p:spPr>
+          <a:xfrm>
+            <a:off x="7452320" y="260648"/>
+            <a:ext cx="1368152" cy="648072"/>
+          </a:xfrm>
+          <a:prstGeom prst="rect">
+            <a:avLst/>
+          </a:prstGeom>
+        </p:spPr>
+        <p:txBody>
+          <a:bodyPr vert="horz" lIns="91440" tIns="45720" rIns="91440" bIns="45720" rtlCol="0" anchor="ctr">
+            <a:noAutofit/>
+          </a:bodyPr>
+          <a:lstStyle>
+            <a:lvl1pPr algn="ctr">
+              <a:spcBef>
+                <a:spcPct val="0"/>
+              </a:spcBef>
+              <a:buNone/>
+              <a:defRPr sz="7200">
+                <a:latin typeface="+mj-lt"/>
+                <a:ea typeface="+mj-ea"/>
+                <a:cs typeface="+mj-cs"/>
+              </a:defRPr>
+            </a:lvl1pPr>
+          </a:lstStyle>
+          <a:p>
+            <a:endParaRPr lang="fr-FR" dirty="0"/>
+          </a:p>
+        </p:txBody>
+      </p:sp>
+      <p:sp>
+        <p:nvSpPr>
+          <p:cNvPr id="5" name="Titre 1"/>
+          <p:cNvSpPr txBox="1">
+            <a:spLocks/>
+          </p:cNvSpPr>
+          <p:nvPr/>
+        </p:nvSpPr>
+        <p:spPr>
+          <a:xfrm>
+            <a:off x="467544" y="5805264"/>
+            <a:ext cx="2103218" cy="648072"/>
+          </a:xfrm>
+          <a:prstGeom prst="rect">
+            <a:avLst/>
+          </a:prstGeom>
+        </p:spPr>
+        <p:txBody>
+          <a:bodyPr vert="horz" lIns="91440" tIns="45720" rIns="91440" bIns="45720" rtlCol="0" anchor="ctr">
+            <a:noAutofit/>
+          </a:bodyPr>
+          <a:lstStyle>
+            <a:defPPr>
+              <a:defRPr lang="fr-FR"/>
+            </a:defPPr>
+            <a:lvl1pPr algn="ctr">
+              <a:spcBef>
+                <a:spcPct val="0"/>
+              </a:spcBef>
+              <a:buNone/>
+              <a:defRPr sz="7200">
+                <a:latin typeface="+mj-lt"/>
+                <a:ea typeface="+mj-ea"/>
+                <a:cs typeface="+mj-cs"/>
+              </a:defRPr>
+            </a:lvl1pPr>
+          </a:lstStyle>
+          <a:p>
+            <a:r>
+              <a:rPr lang="fr-FR" dirty="0" err="1"/>
+              <a:t>Niv</a:t>
+            </a:r>
+            <a:r>
+              <a:rPr lang="fr-FR" dirty="0"/>
+              <a:t> 5</a:t>
+            </a:r>
+          </a:p>
+        </p:txBody>
+      </p:sp>
+      <p:sp>
+        <p:nvSpPr>
+          <p:cNvPr id="7" name="Titre 1"/>
+          <p:cNvSpPr txBox="1">
+            <a:spLocks/>
+          </p:cNvSpPr>
+          <p:nvPr/>
+        </p:nvSpPr>
+        <p:spPr>
+          <a:xfrm>
+            <a:off x="4355976" y="4905164"/>
+            <a:ext cx="4248472" cy="1800200"/>
+          </a:xfrm>
+          <a:prstGeom prst="rect">
+            <a:avLst/>
+          </a:prstGeom>
+        </p:spPr>
+        <p:txBody>
+          <a:bodyPr vert="horz" lIns="91440" tIns="45720" rIns="91440" bIns="45720" rtlCol="0" anchor="ctr">
+            <a:noAutofit/>
+          </a:bodyPr>
+          <a:lstStyle>
+            <a:defPPr>
+              <a:defRPr lang="fr-FR"/>
+            </a:defPPr>
+            <a:lvl1pPr algn="ctr">
+              <a:spcBef>
+                <a:spcPct val="0"/>
+              </a:spcBef>
+              <a:buNone/>
+              <a:defRPr sz="7200">
+                <a:latin typeface="+mj-lt"/>
+                <a:ea typeface="+mj-ea"/>
+                <a:cs typeface="+mj-cs"/>
+              </a:defRPr>
+            </a:lvl1pPr>
+          </a:lstStyle>
+          <a:p>
+            <a:r>
+              <a:rPr lang="fr-FR" sz="4800" dirty="0" smtClean="0"/>
+              <a:t> Immunité aux pouvoirs pour 1 tour</a:t>
+            </a:r>
+            <a:endParaRPr lang="fr-FR" sz="4800" dirty="0"/>
+          </a:p>
+        </p:txBody>
+      </p:sp>
+      <p:sp>
+        <p:nvSpPr>
+          <p:cNvPr id="8" name="Titre 1"/>
+          <p:cNvSpPr txBox="1">
+            <a:spLocks/>
+          </p:cNvSpPr>
+          <p:nvPr/>
+        </p:nvSpPr>
+        <p:spPr>
+          <a:xfrm>
+            <a:off x="7604720" y="413048"/>
+            <a:ext cx="1368152" cy="648072"/>
+          </a:xfrm>
+          <a:prstGeom prst="rect">
+            <a:avLst/>
+          </a:prstGeom>
+        </p:spPr>
+        <p:txBody>
+          <a:bodyPr vert="horz" lIns="91440" tIns="45720" rIns="91440" bIns="45720" rtlCol="0" anchor="ctr">
+            <a:noAutofit/>
+          </a:bodyPr>
+          <a:lstStyle>
+            <a:lvl1pPr algn="ctr">
+              <a:spcBef>
+                <a:spcPct val="0"/>
+              </a:spcBef>
+              <a:buNone/>
+              <a:defRPr sz="7200">
+                <a:latin typeface="+mj-lt"/>
+                <a:ea typeface="+mj-ea"/>
+                <a:cs typeface="+mj-cs"/>
+              </a:defRPr>
+            </a:lvl1pPr>
+          </a:lstStyle>
+          <a:p>
+            <a:r>
+              <a:rPr lang="fr-FR" dirty="0" smtClean="0"/>
+              <a:t>-</a:t>
+            </a:r>
+            <a:endParaRPr lang="fr-FR" dirty="0"/>
+          </a:p>
+        </p:txBody>
+      </p:sp>
+    </p:spTree>
+    <p:extLst>
+      <p:ext uri="{BB962C8B-B14F-4D97-AF65-F5344CB8AC3E}">
+        <p14:creationId xmlns:p14="http://schemas.microsoft.com/office/powerpoint/2010/main" val="1055941383"/>
+      </p:ext>
+    </p:extLst>
+  </p:cSld>
+  <p:clrMapOvr>
+    <a:masterClrMapping/>
+  </p:clrMapOvr>
+  <p:timing>
+    <p:tnLst>
+      <p:par>
+        <p:cTn id="1" dur="indefinite" restart="never" nodeType="tmRoot"/>
+      </p:par>
+    </p:tnLst>
+  </p:timing>
+</p:sld>
+</file>
+
+<file path=ppt/slides/slide38.xml><?xml version="1.0" encoding="utf-8"?>
+<p:sld xmlns:a="http://schemas.openxmlformats.org/drawingml/2006/main" xmlns:r="http://schemas.openxmlformats.org/officeDocument/2006/relationships" xmlns:p="http://schemas.openxmlformats.org/presentationml/2006/main">
+  <p:cSld>
+    <p:spTree>
+      <p:nvGrpSpPr>
+        <p:cNvPr id="1" name=""/>
+        <p:cNvGrpSpPr/>
+        <p:nvPr/>
+      </p:nvGrpSpPr>
+      <p:grpSpPr>
+        <a:xfrm>
+          <a:off x="0" y="0"/>
+          <a:ext cx="0" cy="0"/>
+          <a:chOff x="0" y="0"/>
+          <a:chExt cx="0" cy="0"/>
+        </a:xfrm>
+      </p:grpSpPr>
+      <p:sp>
+        <p:nvSpPr>
+          <p:cNvPr id="6" name="Rectangle 5"/>
+          <p:cNvSpPr/>
+          <p:nvPr/>
+        </p:nvSpPr>
+        <p:spPr>
+          <a:xfrm>
+            <a:off x="0" y="0"/>
+            <a:ext cx="9144000" cy="6858000"/>
+          </a:xfrm>
+          <a:prstGeom prst="rect">
+            <a:avLst/>
+          </a:prstGeom>
+          <a:solidFill>
+            <a:srgbClr val="FFC000">
+              <a:alpha val="0"/>
+            </a:srgbClr>
+          </a:solidFill>
+          <a:ln w="101600">
+            <a:solidFill>
+              <a:schemeClr val="tx1"/>
+            </a:solidFill>
+          </a:ln>
+        </p:spPr>
+        <p:style>
+          <a:lnRef idx="2">
+            <a:schemeClr val="accent1">
+              <a:shade val="50000"/>
+            </a:schemeClr>
+          </a:lnRef>
+          <a:fillRef idx="1">
+            <a:schemeClr val="accent1"/>
+          </a:fillRef>
+          <a:effectRef idx="0">
+            <a:schemeClr val="accent1"/>
+          </a:effectRef>
+          <a:fontRef idx="minor">
+            <a:schemeClr val="lt1"/>
+          </a:fontRef>
+        </p:style>
+        <p:txBody>
+          <a:bodyPr rtlCol="0" anchor="ctr"/>
+          <a:lstStyle/>
+          <a:p>
+            <a:pPr algn="ctr"/>
+            <a:endParaRPr lang="fr-FR">
+              <a:solidFill>
+                <a:srgbClr val="FFC000"/>
+              </a:solidFill>
+            </a:endParaRPr>
+          </a:p>
+        </p:txBody>
+      </p:sp>
+      <p:sp>
+        <p:nvSpPr>
+          <p:cNvPr id="2" name="Titre 1"/>
+          <p:cNvSpPr>
+            <a:spLocks noGrp="1"/>
+          </p:cNvSpPr>
+          <p:nvPr>
+            <p:ph type="ctrTitle"/>
+          </p:nvPr>
+        </p:nvSpPr>
+        <p:spPr>
+          <a:xfrm>
+            <a:off x="323528" y="332656"/>
+            <a:ext cx="2304256" cy="936104"/>
+          </a:xfrm>
+        </p:spPr>
+        <p:txBody>
+          <a:bodyPr>
+            <a:noAutofit/>
+          </a:bodyPr>
+          <a:lstStyle/>
+          <a:p>
+            <a:r>
+              <a:rPr lang="fr-FR" sz="7200" dirty="0" smtClean="0"/>
+              <a:t>At 3</a:t>
+            </a:r>
+            <a:endParaRPr lang="fr-FR" sz="7200" dirty="0"/>
+          </a:p>
+        </p:txBody>
+      </p:sp>
+      <p:sp>
+        <p:nvSpPr>
+          <p:cNvPr id="3" name="Sous-titre 2"/>
+          <p:cNvSpPr>
+            <a:spLocks noGrp="1"/>
+          </p:cNvSpPr>
+          <p:nvPr>
+            <p:ph type="subTitle" idx="1"/>
+          </p:nvPr>
+        </p:nvSpPr>
+        <p:spPr>
+          <a:xfrm>
+            <a:off x="1907704" y="2744924"/>
+            <a:ext cx="4856584" cy="1368152"/>
+          </a:xfrm>
+        </p:spPr>
+        <p:txBody>
+          <a:bodyPr vert="horz" lIns="91440" tIns="45720" rIns="91440" bIns="45720" rtlCol="0" anchor="ctr">
+            <a:noAutofit/>
+          </a:bodyPr>
+          <a:lstStyle/>
+          <a:p>
+            <a:r>
+              <a:rPr lang="fr-FR" sz="7200" b="1" dirty="0" err="1">
+                <a:solidFill>
+                  <a:schemeClr val="tx1"/>
+                </a:solidFill>
+              </a:rPr>
+              <a:t>Scaurus</a:t>
+            </a:r>
+            <a:r>
+              <a:rPr lang="fr-FR" sz="7200" b="1" dirty="0">
+                <a:solidFill>
+                  <a:schemeClr val="tx1"/>
+                </a:solidFill>
+              </a:rPr>
+              <a:t> des ruines</a:t>
+            </a:r>
+          </a:p>
+        </p:txBody>
+      </p:sp>
+      <p:sp>
+        <p:nvSpPr>
+          <p:cNvPr id="4" name="Titre 1"/>
+          <p:cNvSpPr txBox="1">
+            <a:spLocks/>
+          </p:cNvSpPr>
+          <p:nvPr/>
+        </p:nvSpPr>
+        <p:spPr>
+          <a:xfrm>
+            <a:off x="7452320" y="260648"/>
+            <a:ext cx="1368152" cy="648072"/>
+          </a:xfrm>
+          <a:prstGeom prst="rect">
+            <a:avLst/>
+          </a:prstGeom>
+        </p:spPr>
+        <p:txBody>
+          <a:bodyPr vert="horz" lIns="91440" tIns="45720" rIns="91440" bIns="45720" rtlCol="0" anchor="ctr">
+            <a:noAutofit/>
+          </a:bodyPr>
+          <a:lstStyle>
+            <a:lvl1pPr algn="ctr">
+              <a:spcBef>
+                <a:spcPct val="0"/>
+              </a:spcBef>
+              <a:buNone/>
+              <a:defRPr sz="7200">
+                <a:latin typeface="+mj-lt"/>
+                <a:ea typeface="+mj-ea"/>
+                <a:cs typeface="+mj-cs"/>
+              </a:defRPr>
+            </a:lvl1pPr>
+          </a:lstStyle>
+          <a:p>
+            <a:endParaRPr lang="fr-FR" dirty="0"/>
+          </a:p>
+        </p:txBody>
+      </p:sp>
+      <p:sp>
+        <p:nvSpPr>
+          <p:cNvPr id="5" name="Titre 1"/>
+          <p:cNvSpPr txBox="1">
+            <a:spLocks/>
+          </p:cNvSpPr>
+          <p:nvPr/>
+        </p:nvSpPr>
+        <p:spPr>
+          <a:xfrm>
+            <a:off x="467544" y="5805264"/>
+            <a:ext cx="2103218" cy="648072"/>
+          </a:xfrm>
+          <a:prstGeom prst="rect">
+            <a:avLst/>
+          </a:prstGeom>
+        </p:spPr>
+        <p:txBody>
+          <a:bodyPr vert="horz" lIns="91440" tIns="45720" rIns="91440" bIns="45720" rtlCol="0" anchor="ctr">
+            <a:noAutofit/>
+          </a:bodyPr>
+          <a:lstStyle>
+            <a:defPPr>
+              <a:defRPr lang="fr-FR"/>
+            </a:defPPr>
+            <a:lvl1pPr algn="ctr">
+              <a:spcBef>
+                <a:spcPct val="0"/>
+              </a:spcBef>
+              <a:buNone/>
+              <a:defRPr sz="7200">
+                <a:latin typeface="+mj-lt"/>
+                <a:ea typeface="+mj-ea"/>
+                <a:cs typeface="+mj-cs"/>
+              </a:defRPr>
+            </a:lvl1pPr>
+          </a:lstStyle>
+          <a:p>
+            <a:r>
+              <a:rPr lang="fr-FR" dirty="0" err="1"/>
+              <a:t>Niv</a:t>
+            </a:r>
+            <a:r>
+              <a:rPr lang="fr-FR" dirty="0"/>
+              <a:t> 5</a:t>
+            </a:r>
+          </a:p>
+        </p:txBody>
+      </p:sp>
+      <p:sp>
+        <p:nvSpPr>
+          <p:cNvPr id="7" name="Titre 1"/>
+          <p:cNvSpPr txBox="1">
+            <a:spLocks/>
+          </p:cNvSpPr>
+          <p:nvPr/>
+        </p:nvSpPr>
+        <p:spPr>
+          <a:xfrm>
+            <a:off x="4355976" y="4905164"/>
+            <a:ext cx="4248472" cy="1800200"/>
+          </a:xfrm>
+          <a:prstGeom prst="rect">
+            <a:avLst/>
+          </a:prstGeom>
+        </p:spPr>
+        <p:txBody>
+          <a:bodyPr vert="horz" lIns="91440" tIns="45720" rIns="91440" bIns="45720" rtlCol="0" anchor="ctr">
+            <a:noAutofit/>
+          </a:bodyPr>
+          <a:lstStyle>
+            <a:defPPr>
+              <a:defRPr lang="fr-FR"/>
+            </a:defPPr>
+            <a:lvl1pPr algn="ctr">
+              <a:spcBef>
+                <a:spcPct val="0"/>
+              </a:spcBef>
+              <a:buNone/>
+              <a:defRPr sz="7200">
+                <a:latin typeface="+mj-lt"/>
+                <a:ea typeface="+mj-ea"/>
+                <a:cs typeface="+mj-cs"/>
+              </a:defRPr>
+            </a:lvl1pPr>
+          </a:lstStyle>
+          <a:p>
+            <a:r>
+              <a:rPr lang="fr-FR" sz="4800" dirty="0" smtClean="0"/>
+              <a:t> Immunité aux pouvoirs pour 1 tour</a:t>
+            </a:r>
+            <a:endParaRPr lang="fr-FR" sz="4800" dirty="0"/>
+          </a:p>
+        </p:txBody>
+      </p:sp>
+      <p:sp>
+        <p:nvSpPr>
+          <p:cNvPr id="8" name="Titre 1"/>
+          <p:cNvSpPr txBox="1">
+            <a:spLocks/>
+          </p:cNvSpPr>
+          <p:nvPr/>
+        </p:nvSpPr>
+        <p:spPr>
+          <a:xfrm>
+            <a:off x="7604720" y="413048"/>
+            <a:ext cx="1368152" cy="648072"/>
+          </a:xfrm>
+          <a:prstGeom prst="rect">
+            <a:avLst/>
+          </a:prstGeom>
+        </p:spPr>
+        <p:txBody>
+          <a:bodyPr vert="horz" lIns="91440" tIns="45720" rIns="91440" bIns="45720" rtlCol="0" anchor="ctr">
+            <a:noAutofit/>
+          </a:bodyPr>
+          <a:lstStyle>
+            <a:lvl1pPr algn="ctr">
+              <a:spcBef>
+                <a:spcPct val="0"/>
+              </a:spcBef>
+              <a:buNone/>
+              <a:defRPr sz="7200">
+                <a:latin typeface="+mj-lt"/>
+                <a:ea typeface="+mj-ea"/>
+                <a:cs typeface="+mj-cs"/>
+              </a:defRPr>
+            </a:lvl1pPr>
+          </a:lstStyle>
+          <a:p>
+            <a:r>
+              <a:rPr lang="fr-FR" dirty="0" smtClean="0"/>
+              <a:t>-</a:t>
+            </a:r>
+            <a:endParaRPr lang="fr-FR" dirty="0"/>
+          </a:p>
+        </p:txBody>
+      </p:sp>
+    </p:spTree>
+    <p:extLst>
+      <p:ext uri="{BB962C8B-B14F-4D97-AF65-F5344CB8AC3E}">
+        <p14:creationId xmlns:p14="http://schemas.microsoft.com/office/powerpoint/2010/main" val="2543571797"/>
+      </p:ext>
+    </p:extLst>
+  </p:cSld>
+  <p:clrMapOvr>
+    <a:masterClrMapping/>
+  </p:clrMapOvr>
+  <p:timing>
+    <p:tnLst>
+      <p:par>
+        <p:cTn id="1" dur="indefinite" restart="never" nodeType="tmRoot"/>
+      </p:par>
+    </p:tnLst>
+  </p:timing>
+</p:sld>
+</file>
+
+<file path=ppt/slides/slide39.xml><?xml version="1.0" encoding="utf-8"?>
+<p:sld xmlns:a="http://schemas.openxmlformats.org/drawingml/2006/main" xmlns:r="http://schemas.openxmlformats.org/officeDocument/2006/relationships" xmlns:p="http://schemas.openxmlformats.org/presentationml/2006/main">
+  <p:cSld>
+    <p:spTree>
+      <p:nvGrpSpPr>
+        <p:cNvPr id="1" name=""/>
+        <p:cNvGrpSpPr/>
+        <p:nvPr/>
+      </p:nvGrpSpPr>
+      <p:grpSpPr>
+        <a:xfrm>
+          <a:off x="0" y="0"/>
+          <a:ext cx="0" cy="0"/>
+          <a:chOff x="0" y="0"/>
+          <a:chExt cx="0" cy="0"/>
+        </a:xfrm>
+      </p:grpSpPr>
+      <p:sp>
+        <p:nvSpPr>
+          <p:cNvPr id="6" name="Rectangle 5"/>
+          <p:cNvSpPr/>
+          <p:nvPr/>
+        </p:nvSpPr>
+        <p:spPr>
+          <a:xfrm>
+            <a:off x="0" y="0"/>
+            <a:ext cx="9144000" cy="6858000"/>
+          </a:xfrm>
+          <a:prstGeom prst="rect">
+            <a:avLst/>
+          </a:prstGeom>
+          <a:solidFill>
+            <a:srgbClr val="FFC000">
+              <a:alpha val="0"/>
+            </a:srgbClr>
+          </a:solidFill>
+          <a:ln w="101600">
+            <a:solidFill>
+              <a:schemeClr val="tx1"/>
+            </a:solidFill>
+          </a:ln>
+        </p:spPr>
+        <p:style>
+          <a:lnRef idx="2">
+            <a:schemeClr val="accent1">
+              <a:shade val="50000"/>
+            </a:schemeClr>
+          </a:lnRef>
+          <a:fillRef idx="1">
+            <a:schemeClr val="accent1"/>
+          </a:fillRef>
+          <a:effectRef idx="0">
+            <a:schemeClr val="accent1"/>
+          </a:effectRef>
+          <a:fontRef idx="minor">
+            <a:schemeClr val="lt1"/>
+          </a:fontRef>
+        </p:style>
+        <p:txBody>
+          <a:bodyPr rtlCol="0" anchor="ctr"/>
+          <a:lstStyle/>
+          <a:p>
+            <a:pPr algn="ctr"/>
+            <a:endParaRPr lang="fr-FR">
+              <a:solidFill>
+                <a:srgbClr val="FFC000"/>
+              </a:solidFill>
+            </a:endParaRPr>
+          </a:p>
+        </p:txBody>
+      </p:sp>
+      <p:sp>
+        <p:nvSpPr>
+          <p:cNvPr id="2" name="Titre 1"/>
+          <p:cNvSpPr>
+            <a:spLocks noGrp="1"/>
+          </p:cNvSpPr>
+          <p:nvPr>
+            <p:ph type="ctrTitle"/>
+          </p:nvPr>
+        </p:nvSpPr>
+        <p:spPr>
+          <a:xfrm>
+            <a:off x="323528" y="332656"/>
+            <a:ext cx="2304256" cy="936104"/>
+          </a:xfrm>
+        </p:spPr>
+        <p:txBody>
+          <a:bodyPr>
+            <a:noAutofit/>
+          </a:bodyPr>
+          <a:lstStyle/>
+          <a:p>
+            <a:r>
+              <a:rPr lang="fr-FR" sz="7200" dirty="0" smtClean="0"/>
+              <a:t>A 5</a:t>
+            </a:r>
+            <a:endParaRPr lang="fr-FR" sz="7200" dirty="0"/>
+          </a:p>
+        </p:txBody>
+      </p:sp>
+      <p:sp>
+        <p:nvSpPr>
+          <p:cNvPr id="3" name="Sous-titre 2"/>
+          <p:cNvSpPr>
+            <a:spLocks noGrp="1"/>
+          </p:cNvSpPr>
+          <p:nvPr>
+            <p:ph type="subTitle" idx="1"/>
+          </p:nvPr>
+        </p:nvSpPr>
+        <p:spPr>
+          <a:xfrm>
+            <a:off x="1907704" y="2744924"/>
+            <a:ext cx="4856584" cy="1368152"/>
+          </a:xfrm>
+        </p:spPr>
+        <p:txBody>
+          <a:bodyPr>
+            <a:normAutofit/>
+          </a:bodyPr>
+          <a:lstStyle/>
+          <a:p>
+            <a:r>
+              <a:rPr lang="fr-FR" sz="8000" dirty="0" smtClean="0">
+                <a:solidFill>
+                  <a:schemeClr val="tx1"/>
+                </a:solidFill>
+              </a:rPr>
+              <a:t>Guêpe</a:t>
+            </a:r>
+            <a:endParaRPr lang="fr-FR" sz="8000" dirty="0">
+              <a:solidFill>
+                <a:schemeClr val="tx1"/>
+              </a:solidFill>
+            </a:endParaRPr>
+          </a:p>
+        </p:txBody>
+      </p:sp>
+      <p:sp>
+        <p:nvSpPr>
+          <p:cNvPr id="4" name="Titre 1"/>
+          <p:cNvSpPr txBox="1">
+            <a:spLocks/>
+          </p:cNvSpPr>
+          <p:nvPr/>
+        </p:nvSpPr>
+        <p:spPr>
+          <a:xfrm>
+            <a:off x="7452320" y="260648"/>
+            <a:ext cx="1368152" cy="648072"/>
+          </a:xfrm>
+          <a:prstGeom prst="rect">
+            <a:avLst/>
+          </a:prstGeom>
+        </p:spPr>
+        <p:txBody>
+          <a:bodyPr vert="horz" lIns="91440" tIns="45720" rIns="91440" bIns="45720" rtlCol="0" anchor="ctr">
+            <a:noAutofit/>
+          </a:bodyPr>
+          <a:lstStyle>
+            <a:lvl1pPr algn="ctr">
+              <a:spcBef>
+                <a:spcPct val="0"/>
+              </a:spcBef>
+              <a:buNone/>
+              <a:defRPr sz="7200">
+                <a:latin typeface="+mj-lt"/>
+                <a:ea typeface="+mj-ea"/>
+                <a:cs typeface="+mj-cs"/>
+              </a:defRPr>
+            </a:lvl1pPr>
+          </a:lstStyle>
+          <a:p>
+            <a:r>
+              <a:rPr lang="fr-FR" dirty="0"/>
+              <a:t>S 0</a:t>
+            </a:r>
+          </a:p>
+        </p:txBody>
+      </p:sp>
+      <p:sp>
+        <p:nvSpPr>
+          <p:cNvPr id="5" name="Titre 1"/>
+          <p:cNvSpPr txBox="1">
+            <a:spLocks/>
+          </p:cNvSpPr>
+          <p:nvPr/>
+        </p:nvSpPr>
+        <p:spPr>
+          <a:xfrm>
+            <a:off x="467544" y="5805264"/>
+            <a:ext cx="2103218" cy="648072"/>
+          </a:xfrm>
+          <a:prstGeom prst="rect">
+            <a:avLst/>
+          </a:prstGeom>
+        </p:spPr>
+        <p:txBody>
+          <a:bodyPr vert="horz" lIns="91440" tIns="45720" rIns="91440" bIns="45720" rtlCol="0" anchor="ctr">
+            <a:noAutofit/>
+          </a:bodyPr>
+          <a:lstStyle>
+            <a:defPPr>
+              <a:defRPr lang="fr-FR"/>
+            </a:defPPr>
+            <a:lvl1pPr algn="ctr">
+              <a:spcBef>
+                <a:spcPct val="0"/>
+              </a:spcBef>
+              <a:buNone/>
+              <a:defRPr sz="7200">
+                <a:latin typeface="+mj-lt"/>
+                <a:ea typeface="+mj-ea"/>
+                <a:cs typeface="+mj-cs"/>
+              </a:defRPr>
+            </a:lvl1pPr>
+          </a:lstStyle>
+          <a:p>
+            <a:r>
+              <a:rPr lang="fr-FR" dirty="0" err="1"/>
+              <a:t>Niv</a:t>
+            </a:r>
+            <a:r>
+              <a:rPr lang="fr-FR" dirty="0"/>
+              <a:t> </a:t>
+            </a:r>
+            <a:r>
+              <a:rPr lang="fr-FR" dirty="0" smtClean="0"/>
+              <a:t>4</a:t>
+            </a:r>
+            <a:endParaRPr lang="fr-FR" dirty="0"/>
+          </a:p>
+        </p:txBody>
+      </p:sp>
+      <p:sp>
+        <p:nvSpPr>
+          <p:cNvPr id="7" name="Titre 1"/>
+          <p:cNvSpPr txBox="1">
+            <a:spLocks/>
+          </p:cNvSpPr>
+          <p:nvPr/>
+        </p:nvSpPr>
+        <p:spPr>
+          <a:xfrm>
+            <a:off x="6933278" y="5877272"/>
+            <a:ext cx="2103218" cy="648072"/>
+          </a:xfrm>
+          <a:prstGeom prst="rect">
+            <a:avLst/>
+          </a:prstGeom>
+        </p:spPr>
+        <p:txBody>
+          <a:bodyPr vert="horz" lIns="91440" tIns="45720" rIns="91440" bIns="45720" rtlCol="0" anchor="ctr">
+            <a:noAutofit/>
+          </a:bodyPr>
+          <a:lstStyle>
+            <a:defPPr>
+              <a:defRPr lang="fr-FR"/>
+            </a:defPPr>
+            <a:lvl1pPr algn="ctr">
+              <a:spcBef>
+                <a:spcPct val="0"/>
+              </a:spcBef>
+              <a:buNone/>
+              <a:defRPr sz="7200">
+                <a:latin typeface="+mj-lt"/>
+                <a:ea typeface="+mj-ea"/>
+                <a:cs typeface="+mj-cs"/>
+              </a:defRPr>
+            </a:lvl1pPr>
+          </a:lstStyle>
+          <a:p>
+            <a:r>
+              <a:rPr lang="fr-FR" dirty="0" smtClean="0"/>
+              <a:t>-</a:t>
+            </a:r>
+            <a:endParaRPr lang="fr-FR" dirty="0"/>
+          </a:p>
+        </p:txBody>
+      </p:sp>
+    </p:spTree>
+    <p:extLst>
+      <p:ext uri="{BB962C8B-B14F-4D97-AF65-F5344CB8AC3E}">
+        <p14:creationId xmlns:p14="http://schemas.microsoft.com/office/powerpoint/2010/main" val="3558606897"/>
       </p:ext>
     </p:extLst>
   </p:cSld>
@@ -13010,8 +13881,13 @@
             </a:r>
             <a:r>
               <a:rPr lang="fr-FR" dirty="0"/>
-              <a:t> 1</a:t>
-            </a:r>
+              <a:t> </a:t>
+            </a:r>
+            <a:r>
+              <a:rPr lang="fr-FR" dirty="0" smtClean="0"/>
+              <a:t>2</a:t>
+            </a:r>
+            <a:endParaRPr lang="fr-FR" dirty="0"/>
           </a:p>
         </p:txBody>
       </p:sp>
@@ -13065,6 +13941,1787 @@
     <p:extLst>
       <p:ext uri="{BB962C8B-B14F-4D97-AF65-F5344CB8AC3E}">
         <p14:creationId xmlns:p14="http://schemas.microsoft.com/office/powerpoint/2010/main" val="2942497976"/>
+      </p:ext>
+    </p:extLst>
+  </p:cSld>
+  <p:clrMapOvr>
+    <a:masterClrMapping/>
+  </p:clrMapOvr>
+  <p:timing>
+    <p:tnLst>
+      <p:par>
+        <p:cTn id="1" dur="indefinite" restart="never" nodeType="tmRoot"/>
+      </p:par>
+    </p:tnLst>
+  </p:timing>
+</p:sld>
+</file>
+
+<file path=ppt/slides/slide40.xml><?xml version="1.0" encoding="utf-8"?>
+<p:sld xmlns:a="http://schemas.openxmlformats.org/drawingml/2006/main" xmlns:r="http://schemas.openxmlformats.org/officeDocument/2006/relationships" xmlns:p="http://schemas.openxmlformats.org/presentationml/2006/main">
+  <p:cSld>
+    <p:spTree>
+      <p:nvGrpSpPr>
+        <p:cNvPr id="1" name=""/>
+        <p:cNvGrpSpPr/>
+        <p:nvPr/>
+      </p:nvGrpSpPr>
+      <p:grpSpPr>
+        <a:xfrm>
+          <a:off x="0" y="0"/>
+          <a:ext cx="0" cy="0"/>
+          <a:chOff x="0" y="0"/>
+          <a:chExt cx="0" cy="0"/>
+        </a:xfrm>
+      </p:grpSpPr>
+      <p:sp>
+        <p:nvSpPr>
+          <p:cNvPr id="6" name="Rectangle 5"/>
+          <p:cNvSpPr/>
+          <p:nvPr/>
+        </p:nvSpPr>
+        <p:spPr>
+          <a:xfrm>
+            <a:off x="0" y="0"/>
+            <a:ext cx="9144000" cy="6858000"/>
+          </a:xfrm>
+          <a:prstGeom prst="rect">
+            <a:avLst/>
+          </a:prstGeom>
+          <a:solidFill>
+            <a:srgbClr val="FFC000">
+              <a:alpha val="0"/>
+            </a:srgbClr>
+          </a:solidFill>
+          <a:ln w="101600">
+            <a:solidFill>
+              <a:schemeClr val="tx1"/>
+            </a:solidFill>
+          </a:ln>
+        </p:spPr>
+        <p:style>
+          <a:lnRef idx="2">
+            <a:schemeClr val="accent1">
+              <a:shade val="50000"/>
+            </a:schemeClr>
+          </a:lnRef>
+          <a:fillRef idx="1">
+            <a:schemeClr val="accent1"/>
+          </a:fillRef>
+          <a:effectRef idx="0">
+            <a:schemeClr val="accent1"/>
+          </a:effectRef>
+          <a:fontRef idx="minor">
+            <a:schemeClr val="lt1"/>
+          </a:fontRef>
+        </p:style>
+        <p:txBody>
+          <a:bodyPr rtlCol="0" anchor="ctr"/>
+          <a:lstStyle/>
+          <a:p>
+            <a:pPr algn="ctr"/>
+            <a:endParaRPr lang="fr-FR">
+              <a:solidFill>
+                <a:srgbClr val="FFC000"/>
+              </a:solidFill>
+            </a:endParaRPr>
+          </a:p>
+        </p:txBody>
+      </p:sp>
+      <p:sp>
+        <p:nvSpPr>
+          <p:cNvPr id="2" name="Titre 1"/>
+          <p:cNvSpPr>
+            <a:spLocks noGrp="1"/>
+          </p:cNvSpPr>
+          <p:nvPr>
+            <p:ph type="ctrTitle"/>
+          </p:nvPr>
+        </p:nvSpPr>
+        <p:spPr>
+          <a:xfrm>
+            <a:off x="323528" y="332656"/>
+            <a:ext cx="2304256" cy="936104"/>
+          </a:xfrm>
+        </p:spPr>
+        <p:txBody>
+          <a:bodyPr>
+            <a:noAutofit/>
+          </a:bodyPr>
+          <a:lstStyle/>
+          <a:p>
+            <a:r>
+              <a:rPr lang="fr-FR" sz="7200" dirty="0" smtClean="0"/>
+              <a:t>-</a:t>
+            </a:r>
+            <a:endParaRPr lang="fr-FR" sz="7200" dirty="0"/>
+          </a:p>
+        </p:txBody>
+      </p:sp>
+      <p:sp>
+        <p:nvSpPr>
+          <p:cNvPr id="3" name="Sous-titre 2"/>
+          <p:cNvSpPr>
+            <a:spLocks noGrp="1"/>
+          </p:cNvSpPr>
+          <p:nvPr>
+            <p:ph type="subTitle" idx="1"/>
+          </p:nvPr>
+        </p:nvSpPr>
+        <p:spPr>
+          <a:xfrm>
+            <a:off x="1907704" y="2744924"/>
+            <a:ext cx="4856584" cy="1368152"/>
+          </a:xfrm>
+        </p:spPr>
+        <p:txBody>
+          <a:bodyPr>
+            <a:normAutofit fontScale="62500" lnSpcReduction="20000"/>
+          </a:bodyPr>
+          <a:lstStyle/>
+          <a:p>
+            <a:r>
+              <a:rPr lang="fr-FR" sz="8000" dirty="0">
+                <a:solidFill>
+                  <a:schemeClr val="tx1"/>
+                </a:solidFill>
+              </a:rPr>
+              <a:t>Scolopendre ceinturée</a:t>
+            </a:r>
+          </a:p>
+        </p:txBody>
+      </p:sp>
+      <p:sp>
+        <p:nvSpPr>
+          <p:cNvPr id="4" name="Titre 1"/>
+          <p:cNvSpPr txBox="1">
+            <a:spLocks/>
+          </p:cNvSpPr>
+          <p:nvPr/>
+        </p:nvSpPr>
+        <p:spPr>
+          <a:xfrm>
+            <a:off x="7452320" y="260648"/>
+            <a:ext cx="1368152" cy="648072"/>
+          </a:xfrm>
+          <a:prstGeom prst="rect">
+            <a:avLst/>
+          </a:prstGeom>
+        </p:spPr>
+        <p:txBody>
+          <a:bodyPr vert="horz" lIns="91440" tIns="45720" rIns="91440" bIns="45720" rtlCol="0" anchor="ctr">
+            <a:noAutofit/>
+          </a:bodyPr>
+          <a:lstStyle>
+            <a:lvl1pPr algn="ctr">
+              <a:spcBef>
+                <a:spcPct val="0"/>
+              </a:spcBef>
+              <a:buNone/>
+              <a:defRPr sz="7200">
+                <a:latin typeface="+mj-lt"/>
+                <a:ea typeface="+mj-ea"/>
+                <a:cs typeface="+mj-cs"/>
+              </a:defRPr>
+            </a:lvl1pPr>
+          </a:lstStyle>
+          <a:p>
+            <a:r>
+              <a:rPr lang="fr-FR" dirty="0"/>
+              <a:t>S 0</a:t>
+            </a:r>
+          </a:p>
+        </p:txBody>
+      </p:sp>
+      <p:sp>
+        <p:nvSpPr>
+          <p:cNvPr id="5" name="Titre 1"/>
+          <p:cNvSpPr txBox="1">
+            <a:spLocks/>
+          </p:cNvSpPr>
+          <p:nvPr/>
+        </p:nvSpPr>
+        <p:spPr>
+          <a:xfrm>
+            <a:off x="467544" y="5805264"/>
+            <a:ext cx="2103218" cy="648072"/>
+          </a:xfrm>
+          <a:prstGeom prst="rect">
+            <a:avLst/>
+          </a:prstGeom>
+        </p:spPr>
+        <p:txBody>
+          <a:bodyPr vert="horz" lIns="91440" tIns="45720" rIns="91440" bIns="45720" rtlCol="0" anchor="ctr">
+            <a:noAutofit/>
+          </a:bodyPr>
+          <a:lstStyle>
+            <a:defPPr>
+              <a:defRPr lang="fr-FR"/>
+            </a:defPPr>
+            <a:lvl1pPr algn="ctr">
+              <a:spcBef>
+                <a:spcPct val="0"/>
+              </a:spcBef>
+              <a:buNone/>
+              <a:defRPr sz="7200">
+                <a:latin typeface="+mj-lt"/>
+                <a:ea typeface="+mj-ea"/>
+                <a:cs typeface="+mj-cs"/>
+              </a:defRPr>
+            </a:lvl1pPr>
+          </a:lstStyle>
+          <a:p>
+            <a:r>
+              <a:rPr lang="fr-FR" dirty="0" err="1"/>
+              <a:t>Niv</a:t>
+            </a:r>
+            <a:r>
+              <a:rPr lang="fr-FR" dirty="0"/>
+              <a:t> </a:t>
+            </a:r>
+            <a:r>
+              <a:rPr lang="fr-FR" dirty="0" smtClean="0"/>
+              <a:t>6</a:t>
+            </a:r>
+            <a:endParaRPr lang="fr-FR" dirty="0"/>
+          </a:p>
+        </p:txBody>
+      </p:sp>
+      <p:sp>
+        <p:nvSpPr>
+          <p:cNvPr id="7" name="Titre 1"/>
+          <p:cNvSpPr txBox="1">
+            <a:spLocks/>
+          </p:cNvSpPr>
+          <p:nvPr/>
+        </p:nvSpPr>
+        <p:spPr>
+          <a:xfrm>
+            <a:off x="4788024" y="5877272"/>
+            <a:ext cx="4248472" cy="648072"/>
+          </a:xfrm>
+          <a:prstGeom prst="rect">
+            <a:avLst/>
+          </a:prstGeom>
+        </p:spPr>
+        <p:txBody>
+          <a:bodyPr vert="horz" lIns="91440" tIns="45720" rIns="91440" bIns="45720" rtlCol="0" anchor="ctr">
+            <a:noAutofit/>
+          </a:bodyPr>
+          <a:lstStyle>
+            <a:defPPr>
+              <a:defRPr lang="fr-FR"/>
+            </a:defPPr>
+            <a:lvl1pPr algn="ctr">
+              <a:spcBef>
+                <a:spcPct val="0"/>
+              </a:spcBef>
+              <a:buNone/>
+              <a:defRPr sz="7200">
+                <a:latin typeface="+mj-lt"/>
+                <a:ea typeface="+mj-ea"/>
+                <a:cs typeface="+mj-cs"/>
+              </a:defRPr>
+            </a:lvl1pPr>
+          </a:lstStyle>
+          <a:p>
+            <a:r>
+              <a:rPr lang="fr-FR" dirty="0" smtClean="0"/>
+              <a:t>+9 actions</a:t>
+            </a:r>
+            <a:endParaRPr lang="fr-FR" dirty="0"/>
+          </a:p>
+        </p:txBody>
+      </p:sp>
+    </p:spTree>
+    <p:extLst>
+      <p:ext uri="{BB962C8B-B14F-4D97-AF65-F5344CB8AC3E}">
+        <p14:creationId xmlns:p14="http://schemas.microsoft.com/office/powerpoint/2010/main" val="1836871326"/>
+      </p:ext>
+    </p:extLst>
+  </p:cSld>
+  <p:clrMapOvr>
+    <a:masterClrMapping/>
+  </p:clrMapOvr>
+  <p:timing>
+    <p:tnLst>
+      <p:par>
+        <p:cTn id="1" dur="indefinite" restart="never" nodeType="tmRoot"/>
+      </p:par>
+    </p:tnLst>
+  </p:timing>
+</p:sld>
+</file>
+
+<file path=ppt/slides/slide41.xml><?xml version="1.0" encoding="utf-8"?>
+<p:sld xmlns:a="http://schemas.openxmlformats.org/drawingml/2006/main" xmlns:r="http://schemas.openxmlformats.org/officeDocument/2006/relationships" xmlns:p="http://schemas.openxmlformats.org/presentationml/2006/main">
+  <p:cSld>
+    <p:spTree>
+      <p:nvGrpSpPr>
+        <p:cNvPr id="1" name=""/>
+        <p:cNvGrpSpPr/>
+        <p:nvPr/>
+      </p:nvGrpSpPr>
+      <p:grpSpPr>
+        <a:xfrm>
+          <a:off x="0" y="0"/>
+          <a:ext cx="0" cy="0"/>
+          <a:chOff x="0" y="0"/>
+          <a:chExt cx="0" cy="0"/>
+        </a:xfrm>
+      </p:grpSpPr>
+      <p:sp>
+        <p:nvSpPr>
+          <p:cNvPr id="6" name="Rectangle 5"/>
+          <p:cNvSpPr/>
+          <p:nvPr/>
+        </p:nvSpPr>
+        <p:spPr>
+          <a:xfrm>
+            <a:off x="0" y="0"/>
+            <a:ext cx="9144000" cy="6858000"/>
+          </a:xfrm>
+          <a:prstGeom prst="rect">
+            <a:avLst/>
+          </a:prstGeom>
+          <a:solidFill>
+            <a:srgbClr val="FFC000">
+              <a:alpha val="0"/>
+            </a:srgbClr>
+          </a:solidFill>
+          <a:ln w="101600">
+            <a:solidFill>
+              <a:schemeClr val="tx1"/>
+            </a:solidFill>
+          </a:ln>
+        </p:spPr>
+        <p:style>
+          <a:lnRef idx="2">
+            <a:schemeClr val="accent1">
+              <a:shade val="50000"/>
+            </a:schemeClr>
+          </a:lnRef>
+          <a:fillRef idx="1">
+            <a:schemeClr val="accent1"/>
+          </a:fillRef>
+          <a:effectRef idx="0">
+            <a:schemeClr val="accent1"/>
+          </a:effectRef>
+          <a:fontRef idx="minor">
+            <a:schemeClr val="lt1"/>
+          </a:fontRef>
+        </p:style>
+        <p:txBody>
+          <a:bodyPr rtlCol="0" anchor="ctr"/>
+          <a:lstStyle/>
+          <a:p>
+            <a:pPr algn="ctr"/>
+            <a:endParaRPr lang="fr-FR">
+              <a:solidFill>
+                <a:srgbClr val="FFC000"/>
+              </a:solidFill>
+            </a:endParaRPr>
+          </a:p>
+        </p:txBody>
+      </p:sp>
+      <p:sp>
+        <p:nvSpPr>
+          <p:cNvPr id="2" name="Titre 1"/>
+          <p:cNvSpPr>
+            <a:spLocks noGrp="1"/>
+          </p:cNvSpPr>
+          <p:nvPr>
+            <p:ph type="ctrTitle"/>
+          </p:nvPr>
+        </p:nvSpPr>
+        <p:spPr>
+          <a:xfrm>
+            <a:off x="323528" y="332656"/>
+            <a:ext cx="2304256" cy="936104"/>
+          </a:xfrm>
+        </p:spPr>
+        <p:txBody>
+          <a:bodyPr>
+            <a:noAutofit/>
+          </a:bodyPr>
+          <a:lstStyle/>
+          <a:p>
+            <a:r>
+              <a:rPr lang="fr-FR" sz="7200" dirty="0" smtClean="0"/>
+              <a:t>-</a:t>
+            </a:r>
+            <a:endParaRPr lang="fr-FR" sz="7200" dirty="0"/>
+          </a:p>
+        </p:txBody>
+      </p:sp>
+      <p:sp>
+        <p:nvSpPr>
+          <p:cNvPr id="3" name="Sous-titre 2"/>
+          <p:cNvSpPr>
+            <a:spLocks noGrp="1"/>
+          </p:cNvSpPr>
+          <p:nvPr>
+            <p:ph type="subTitle" idx="1"/>
+          </p:nvPr>
+        </p:nvSpPr>
+        <p:spPr>
+          <a:xfrm>
+            <a:off x="1907704" y="2744924"/>
+            <a:ext cx="4856584" cy="1368152"/>
+          </a:xfrm>
+        </p:spPr>
+        <p:txBody>
+          <a:bodyPr>
+            <a:normAutofit fontScale="62500" lnSpcReduction="20000"/>
+          </a:bodyPr>
+          <a:lstStyle/>
+          <a:p>
+            <a:r>
+              <a:rPr lang="fr-FR" sz="8000" dirty="0">
+                <a:solidFill>
+                  <a:schemeClr val="tx1"/>
+                </a:solidFill>
+              </a:rPr>
+              <a:t>Scolopendre ceinturée</a:t>
+            </a:r>
+          </a:p>
+        </p:txBody>
+      </p:sp>
+      <p:sp>
+        <p:nvSpPr>
+          <p:cNvPr id="4" name="Titre 1"/>
+          <p:cNvSpPr txBox="1">
+            <a:spLocks/>
+          </p:cNvSpPr>
+          <p:nvPr/>
+        </p:nvSpPr>
+        <p:spPr>
+          <a:xfrm>
+            <a:off x="7452320" y="260648"/>
+            <a:ext cx="1368152" cy="648072"/>
+          </a:xfrm>
+          <a:prstGeom prst="rect">
+            <a:avLst/>
+          </a:prstGeom>
+        </p:spPr>
+        <p:txBody>
+          <a:bodyPr vert="horz" lIns="91440" tIns="45720" rIns="91440" bIns="45720" rtlCol="0" anchor="ctr">
+            <a:noAutofit/>
+          </a:bodyPr>
+          <a:lstStyle>
+            <a:lvl1pPr algn="ctr">
+              <a:spcBef>
+                <a:spcPct val="0"/>
+              </a:spcBef>
+              <a:buNone/>
+              <a:defRPr sz="7200">
+                <a:latin typeface="+mj-lt"/>
+                <a:ea typeface="+mj-ea"/>
+                <a:cs typeface="+mj-cs"/>
+              </a:defRPr>
+            </a:lvl1pPr>
+          </a:lstStyle>
+          <a:p>
+            <a:r>
+              <a:rPr lang="fr-FR" dirty="0"/>
+              <a:t>S 0</a:t>
+            </a:r>
+          </a:p>
+        </p:txBody>
+      </p:sp>
+      <p:sp>
+        <p:nvSpPr>
+          <p:cNvPr id="5" name="Titre 1"/>
+          <p:cNvSpPr txBox="1">
+            <a:spLocks/>
+          </p:cNvSpPr>
+          <p:nvPr/>
+        </p:nvSpPr>
+        <p:spPr>
+          <a:xfrm>
+            <a:off x="467544" y="5805264"/>
+            <a:ext cx="2103218" cy="648072"/>
+          </a:xfrm>
+          <a:prstGeom prst="rect">
+            <a:avLst/>
+          </a:prstGeom>
+        </p:spPr>
+        <p:txBody>
+          <a:bodyPr vert="horz" lIns="91440" tIns="45720" rIns="91440" bIns="45720" rtlCol="0" anchor="ctr">
+            <a:noAutofit/>
+          </a:bodyPr>
+          <a:lstStyle>
+            <a:defPPr>
+              <a:defRPr lang="fr-FR"/>
+            </a:defPPr>
+            <a:lvl1pPr algn="ctr">
+              <a:spcBef>
+                <a:spcPct val="0"/>
+              </a:spcBef>
+              <a:buNone/>
+              <a:defRPr sz="7200">
+                <a:latin typeface="+mj-lt"/>
+                <a:ea typeface="+mj-ea"/>
+                <a:cs typeface="+mj-cs"/>
+              </a:defRPr>
+            </a:lvl1pPr>
+          </a:lstStyle>
+          <a:p>
+            <a:r>
+              <a:rPr lang="fr-FR" dirty="0" err="1"/>
+              <a:t>Niv</a:t>
+            </a:r>
+            <a:r>
+              <a:rPr lang="fr-FR" dirty="0"/>
+              <a:t> </a:t>
+            </a:r>
+            <a:r>
+              <a:rPr lang="fr-FR" dirty="0" smtClean="0"/>
+              <a:t>6</a:t>
+            </a:r>
+            <a:endParaRPr lang="fr-FR" dirty="0"/>
+          </a:p>
+        </p:txBody>
+      </p:sp>
+      <p:sp>
+        <p:nvSpPr>
+          <p:cNvPr id="7" name="Titre 1"/>
+          <p:cNvSpPr txBox="1">
+            <a:spLocks/>
+          </p:cNvSpPr>
+          <p:nvPr/>
+        </p:nvSpPr>
+        <p:spPr>
+          <a:xfrm>
+            <a:off x="4788024" y="5877272"/>
+            <a:ext cx="4248472" cy="648072"/>
+          </a:xfrm>
+          <a:prstGeom prst="rect">
+            <a:avLst/>
+          </a:prstGeom>
+        </p:spPr>
+        <p:txBody>
+          <a:bodyPr vert="horz" lIns="91440" tIns="45720" rIns="91440" bIns="45720" rtlCol="0" anchor="ctr">
+            <a:noAutofit/>
+          </a:bodyPr>
+          <a:lstStyle>
+            <a:defPPr>
+              <a:defRPr lang="fr-FR"/>
+            </a:defPPr>
+            <a:lvl1pPr algn="ctr">
+              <a:spcBef>
+                <a:spcPct val="0"/>
+              </a:spcBef>
+              <a:buNone/>
+              <a:defRPr sz="7200">
+                <a:latin typeface="+mj-lt"/>
+                <a:ea typeface="+mj-ea"/>
+                <a:cs typeface="+mj-cs"/>
+              </a:defRPr>
+            </a:lvl1pPr>
+          </a:lstStyle>
+          <a:p>
+            <a:r>
+              <a:rPr lang="fr-FR" dirty="0" smtClean="0"/>
+              <a:t>+9 actions</a:t>
+            </a:r>
+            <a:endParaRPr lang="fr-FR" dirty="0"/>
+          </a:p>
+        </p:txBody>
+      </p:sp>
+    </p:spTree>
+    <p:extLst>
+      <p:ext uri="{BB962C8B-B14F-4D97-AF65-F5344CB8AC3E}">
+        <p14:creationId xmlns:p14="http://schemas.microsoft.com/office/powerpoint/2010/main" val="2802853959"/>
+      </p:ext>
+    </p:extLst>
+  </p:cSld>
+  <p:clrMapOvr>
+    <a:masterClrMapping/>
+  </p:clrMapOvr>
+  <p:timing>
+    <p:tnLst>
+      <p:par>
+        <p:cTn id="1" dur="indefinite" restart="never" nodeType="tmRoot"/>
+      </p:par>
+    </p:tnLst>
+  </p:timing>
+</p:sld>
+</file>
+
+<file path=ppt/slides/slide42.xml><?xml version="1.0" encoding="utf-8"?>
+<p:sld xmlns:a="http://schemas.openxmlformats.org/drawingml/2006/main" xmlns:r="http://schemas.openxmlformats.org/officeDocument/2006/relationships" xmlns:p="http://schemas.openxmlformats.org/presentationml/2006/main">
+  <p:cSld>
+    <p:spTree>
+      <p:nvGrpSpPr>
+        <p:cNvPr id="1" name=""/>
+        <p:cNvGrpSpPr/>
+        <p:nvPr/>
+      </p:nvGrpSpPr>
+      <p:grpSpPr>
+        <a:xfrm>
+          <a:off x="0" y="0"/>
+          <a:ext cx="0" cy="0"/>
+          <a:chOff x="0" y="0"/>
+          <a:chExt cx="0" cy="0"/>
+        </a:xfrm>
+      </p:grpSpPr>
+      <p:sp>
+        <p:nvSpPr>
+          <p:cNvPr id="6" name="Rectangle 5"/>
+          <p:cNvSpPr/>
+          <p:nvPr/>
+        </p:nvSpPr>
+        <p:spPr>
+          <a:xfrm>
+            <a:off x="0" y="0"/>
+            <a:ext cx="9144000" cy="6858000"/>
+          </a:xfrm>
+          <a:prstGeom prst="rect">
+            <a:avLst/>
+          </a:prstGeom>
+          <a:solidFill>
+            <a:srgbClr val="FFC000">
+              <a:alpha val="0"/>
+            </a:srgbClr>
+          </a:solidFill>
+          <a:ln w="101600">
+            <a:solidFill>
+              <a:schemeClr val="tx1"/>
+            </a:solidFill>
+          </a:ln>
+        </p:spPr>
+        <p:style>
+          <a:lnRef idx="2">
+            <a:schemeClr val="accent1">
+              <a:shade val="50000"/>
+            </a:schemeClr>
+          </a:lnRef>
+          <a:fillRef idx="1">
+            <a:schemeClr val="accent1"/>
+          </a:fillRef>
+          <a:effectRef idx="0">
+            <a:schemeClr val="accent1"/>
+          </a:effectRef>
+          <a:fontRef idx="minor">
+            <a:schemeClr val="lt1"/>
+          </a:fontRef>
+        </p:style>
+        <p:txBody>
+          <a:bodyPr rtlCol="0" anchor="ctr"/>
+          <a:lstStyle/>
+          <a:p>
+            <a:pPr algn="ctr"/>
+            <a:endParaRPr lang="fr-FR">
+              <a:solidFill>
+                <a:srgbClr val="FFC000"/>
+              </a:solidFill>
+            </a:endParaRPr>
+          </a:p>
+        </p:txBody>
+      </p:sp>
+      <p:sp>
+        <p:nvSpPr>
+          <p:cNvPr id="2" name="Titre 1"/>
+          <p:cNvSpPr>
+            <a:spLocks noGrp="1"/>
+          </p:cNvSpPr>
+          <p:nvPr>
+            <p:ph type="ctrTitle"/>
+          </p:nvPr>
+        </p:nvSpPr>
+        <p:spPr>
+          <a:xfrm>
+            <a:off x="323528" y="332656"/>
+            <a:ext cx="2304256" cy="936104"/>
+          </a:xfrm>
+        </p:spPr>
+        <p:txBody>
+          <a:bodyPr>
+            <a:noAutofit/>
+          </a:bodyPr>
+          <a:lstStyle/>
+          <a:p>
+            <a:r>
+              <a:rPr lang="fr-FR" sz="7200" dirty="0" smtClean="0"/>
+              <a:t>-</a:t>
+            </a:r>
+            <a:endParaRPr lang="fr-FR" sz="7200" dirty="0"/>
+          </a:p>
+        </p:txBody>
+      </p:sp>
+      <p:sp>
+        <p:nvSpPr>
+          <p:cNvPr id="3" name="Sous-titre 2"/>
+          <p:cNvSpPr>
+            <a:spLocks noGrp="1"/>
+          </p:cNvSpPr>
+          <p:nvPr>
+            <p:ph type="subTitle" idx="1"/>
+          </p:nvPr>
+        </p:nvSpPr>
+        <p:spPr>
+          <a:xfrm>
+            <a:off x="1907704" y="2744924"/>
+            <a:ext cx="4856584" cy="1368152"/>
+          </a:xfrm>
+        </p:spPr>
+        <p:txBody>
+          <a:bodyPr>
+            <a:normAutofit fontScale="62500" lnSpcReduction="20000"/>
+          </a:bodyPr>
+          <a:lstStyle/>
+          <a:p>
+            <a:r>
+              <a:rPr lang="fr-FR" sz="8000" dirty="0">
+                <a:solidFill>
+                  <a:schemeClr val="tx1"/>
+                </a:solidFill>
+              </a:rPr>
+              <a:t>Moineau domestique</a:t>
+            </a:r>
+          </a:p>
+        </p:txBody>
+      </p:sp>
+      <p:sp>
+        <p:nvSpPr>
+          <p:cNvPr id="4" name="Titre 1"/>
+          <p:cNvSpPr txBox="1">
+            <a:spLocks/>
+          </p:cNvSpPr>
+          <p:nvPr/>
+        </p:nvSpPr>
+        <p:spPr>
+          <a:xfrm>
+            <a:off x="7452320" y="260648"/>
+            <a:ext cx="1368152" cy="648072"/>
+          </a:xfrm>
+          <a:prstGeom prst="rect">
+            <a:avLst/>
+          </a:prstGeom>
+        </p:spPr>
+        <p:txBody>
+          <a:bodyPr vert="horz" lIns="91440" tIns="45720" rIns="91440" bIns="45720" rtlCol="0" anchor="ctr">
+            <a:noAutofit/>
+          </a:bodyPr>
+          <a:lstStyle>
+            <a:lvl1pPr algn="ctr">
+              <a:spcBef>
+                <a:spcPct val="0"/>
+              </a:spcBef>
+              <a:buNone/>
+              <a:defRPr sz="7200">
+                <a:latin typeface="+mj-lt"/>
+                <a:ea typeface="+mj-ea"/>
+                <a:cs typeface="+mj-cs"/>
+              </a:defRPr>
+            </a:lvl1pPr>
+          </a:lstStyle>
+          <a:p>
+            <a:r>
+              <a:rPr lang="fr-FR" dirty="0"/>
+              <a:t>S 0</a:t>
+            </a:r>
+          </a:p>
+        </p:txBody>
+      </p:sp>
+      <p:sp>
+        <p:nvSpPr>
+          <p:cNvPr id="5" name="Titre 1"/>
+          <p:cNvSpPr txBox="1">
+            <a:spLocks/>
+          </p:cNvSpPr>
+          <p:nvPr/>
+        </p:nvSpPr>
+        <p:spPr>
+          <a:xfrm>
+            <a:off x="467544" y="5805264"/>
+            <a:ext cx="2103218" cy="648072"/>
+          </a:xfrm>
+          <a:prstGeom prst="rect">
+            <a:avLst/>
+          </a:prstGeom>
+        </p:spPr>
+        <p:txBody>
+          <a:bodyPr vert="horz" lIns="91440" tIns="45720" rIns="91440" bIns="45720" rtlCol="0" anchor="ctr">
+            <a:noAutofit/>
+          </a:bodyPr>
+          <a:lstStyle>
+            <a:defPPr>
+              <a:defRPr lang="fr-FR"/>
+            </a:defPPr>
+            <a:lvl1pPr algn="ctr">
+              <a:spcBef>
+                <a:spcPct val="0"/>
+              </a:spcBef>
+              <a:buNone/>
+              <a:defRPr sz="7200">
+                <a:latin typeface="+mj-lt"/>
+                <a:ea typeface="+mj-ea"/>
+                <a:cs typeface="+mj-cs"/>
+              </a:defRPr>
+            </a:lvl1pPr>
+          </a:lstStyle>
+          <a:p>
+            <a:r>
+              <a:rPr lang="fr-FR" dirty="0" err="1"/>
+              <a:t>Niv</a:t>
+            </a:r>
+            <a:r>
+              <a:rPr lang="fr-FR" dirty="0"/>
+              <a:t> </a:t>
+            </a:r>
+            <a:r>
+              <a:rPr lang="fr-FR" dirty="0" smtClean="0"/>
+              <a:t>2</a:t>
+            </a:r>
+            <a:endParaRPr lang="fr-FR" dirty="0"/>
+          </a:p>
+        </p:txBody>
+      </p:sp>
+      <p:sp>
+        <p:nvSpPr>
+          <p:cNvPr id="7" name="Titre 1"/>
+          <p:cNvSpPr txBox="1">
+            <a:spLocks/>
+          </p:cNvSpPr>
+          <p:nvPr/>
+        </p:nvSpPr>
+        <p:spPr>
+          <a:xfrm>
+            <a:off x="4283968" y="5481228"/>
+            <a:ext cx="4680520" cy="648072"/>
+          </a:xfrm>
+          <a:prstGeom prst="rect">
+            <a:avLst/>
+          </a:prstGeom>
+        </p:spPr>
+        <p:txBody>
+          <a:bodyPr vert="horz" lIns="91440" tIns="45720" rIns="91440" bIns="45720" rtlCol="0" anchor="ctr">
+            <a:noAutofit/>
+          </a:bodyPr>
+          <a:lstStyle>
+            <a:defPPr>
+              <a:defRPr lang="fr-FR"/>
+            </a:defPPr>
+            <a:lvl1pPr algn="ctr">
+              <a:spcBef>
+                <a:spcPct val="0"/>
+              </a:spcBef>
+              <a:buNone/>
+              <a:defRPr sz="7200">
+                <a:latin typeface="+mj-lt"/>
+                <a:ea typeface="+mj-ea"/>
+                <a:cs typeface="+mj-cs"/>
+              </a:defRPr>
+            </a:lvl1pPr>
+          </a:lstStyle>
+          <a:p>
+            <a:r>
+              <a:rPr lang="fr-FR" sz="5400" dirty="0" smtClean="0"/>
+              <a:t>Voir 1 cartes posée</a:t>
+            </a:r>
+            <a:endParaRPr lang="fr-FR" sz="5400" dirty="0"/>
+          </a:p>
+        </p:txBody>
+      </p:sp>
+    </p:spTree>
+    <p:extLst>
+      <p:ext uri="{BB962C8B-B14F-4D97-AF65-F5344CB8AC3E}">
+        <p14:creationId xmlns:p14="http://schemas.microsoft.com/office/powerpoint/2010/main" val="2598737520"/>
+      </p:ext>
+    </p:extLst>
+  </p:cSld>
+  <p:clrMapOvr>
+    <a:masterClrMapping/>
+  </p:clrMapOvr>
+  <p:timing>
+    <p:tnLst>
+      <p:par>
+        <p:cTn id="1" dur="indefinite" restart="never" nodeType="tmRoot"/>
+      </p:par>
+    </p:tnLst>
+  </p:timing>
+</p:sld>
+</file>
+
+<file path=ppt/slides/slide43.xml><?xml version="1.0" encoding="utf-8"?>
+<p:sld xmlns:a="http://schemas.openxmlformats.org/drawingml/2006/main" xmlns:r="http://schemas.openxmlformats.org/officeDocument/2006/relationships" xmlns:p="http://schemas.openxmlformats.org/presentationml/2006/main">
+  <p:cSld>
+    <p:spTree>
+      <p:nvGrpSpPr>
+        <p:cNvPr id="1" name=""/>
+        <p:cNvGrpSpPr/>
+        <p:nvPr/>
+      </p:nvGrpSpPr>
+      <p:grpSpPr>
+        <a:xfrm>
+          <a:off x="0" y="0"/>
+          <a:ext cx="0" cy="0"/>
+          <a:chOff x="0" y="0"/>
+          <a:chExt cx="0" cy="0"/>
+        </a:xfrm>
+      </p:grpSpPr>
+      <p:sp>
+        <p:nvSpPr>
+          <p:cNvPr id="6" name="Rectangle 5"/>
+          <p:cNvSpPr/>
+          <p:nvPr/>
+        </p:nvSpPr>
+        <p:spPr>
+          <a:xfrm>
+            <a:off x="0" y="0"/>
+            <a:ext cx="9144000" cy="6858000"/>
+          </a:xfrm>
+          <a:prstGeom prst="rect">
+            <a:avLst/>
+          </a:prstGeom>
+          <a:solidFill>
+            <a:srgbClr val="FFC000">
+              <a:alpha val="0"/>
+            </a:srgbClr>
+          </a:solidFill>
+          <a:ln w="101600">
+            <a:solidFill>
+              <a:schemeClr val="tx1"/>
+            </a:solidFill>
+          </a:ln>
+        </p:spPr>
+        <p:style>
+          <a:lnRef idx="2">
+            <a:schemeClr val="accent1">
+              <a:shade val="50000"/>
+            </a:schemeClr>
+          </a:lnRef>
+          <a:fillRef idx="1">
+            <a:schemeClr val="accent1"/>
+          </a:fillRef>
+          <a:effectRef idx="0">
+            <a:schemeClr val="accent1"/>
+          </a:effectRef>
+          <a:fontRef idx="minor">
+            <a:schemeClr val="lt1"/>
+          </a:fontRef>
+        </p:style>
+        <p:txBody>
+          <a:bodyPr rtlCol="0" anchor="ctr"/>
+          <a:lstStyle/>
+          <a:p>
+            <a:pPr algn="ctr"/>
+            <a:endParaRPr lang="fr-FR">
+              <a:solidFill>
+                <a:srgbClr val="FFC000"/>
+              </a:solidFill>
+            </a:endParaRPr>
+          </a:p>
+        </p:txBody>
+      </p:sp>
+      <p:sp>
+        <p:nvSpPr>
+          <p:cNvPr id="2" name="Titre 1"/>
+          <p:cNvSpPr>
+            <a:spLocks noGrp="1"/>
+          </p:cNvSpPr>
+          <p:nvPr>
+            <p:ph type="ctrTitle"/>
+          </p:nvPr>
+        </p:nvSpPr>
+        <p:spPr>
+          <a:xfrm>
+            <a:off x="323528" y="332656"/>
+            <a:ext cx="2304256" cy="936104"/>
+          </a:xfrm>
+        </p:spPr>
+        <p:txBody>
+          <a:bodyPr>
+            <a:noAutofit/>
+          </a:bodyPr>
+          <a:lstStyle/>
+          <a:p>
+            <a:r>
+              <a:rPr lang="fr-FR" sz="7200" dirty="0" smtClean="0"/>
+              <a:t>-</a:t>
+            </a:r>
+            <a:endParaRPr lang="fr-FR" sz="7200" dirty="0"/>
+          </a:p>
+        </p:txBody>
+      </p:sp>
+      <p:sp>
+        <p:nvSpPr>
+          <p:cNvPr id="3" name="Sous-titre 2"/>
+          <p:cNvSpPr>
+            <a:spLocks noGrp="1"/>
+          </p:cNvSpPr>
+          <p:nvPr>
+            <p:ph type="subTitle" idx="1"/>
+          </p:nvPr>
+        </p:nvSpPr>
+        <p:spPr>
+          <a:xfrm>
+            <a:off x="1907704" y="2744924"/>
+            <a:ext cx="4856584" cy="1368152"/>
+          </a:xfrm>
+        </p:spPr>
+        <p:txBody>
+          <a:bodyPr>
+            <a:normAutofit fontScale="62500" lnSpcReduction="20000"/>
+          </a:bodyPr>
+          <a:lstStyle/>
+          <a:p>
+            <a:r>
+              <a:rPr lang="fr-FR" sz="8000" dirty="0">
+                <a:solidFill>
+                  <a:schemeClr val="tx1"/>
+                </a:solidFill>
+              </a:rPr>
+              <a:t>Moineau domestique</a:t>
+            </a:r>
+          </a:p>
+        </p:txBody>
+      </p:sp>
+      <p:sp>
+        <p:nvSpPr>
+          <p:cNvPr id="4" name="Titre 1"/>
+          <p:cNvSpPr txBox="1">
+            <a:spLocks/>
+          </p:cNvSpPr>
+          <p:nvPr/>
+        </p:nvSpPr>
+        <p:spPr>
+          <a:xfrm>
+            <a:off x="7452320" y="260648"/>
+            <a:ext cx="1368152" cy="648072"/>
+          </a:xfrm>
+          <a:prstGeom prst="rect">
+            <a:avLst/>
+          </a:prstGeom>
+        </p:spPr>
+        <p:txBody>
+          <a:bodyPr vert="horz" lIns="91440" tIns="45720" rIns="91440" bIns="45720" rtlCol="0" anchor="ctr">
+            <a:noAutofit/>
+          </a:bodyPr>
+          <a:lstStyle>
+            <a:lvl1pPr algn="ctr">
+              <a:spcBef>
+                <a:spcPct val="0"/>
+              </a:spcBef>
+              <a:buNone/>
+              <a:defRPr sz="7200">
+                <a:latin typeface="+mj-lt"/>
+                <a:ea typeface="+mj-ea"/>
+                <a:cs typeface="+mj-cs"/>
+              </a:defRPr>
+            </a:lvl1pPr>
+          </a:lstStyle>
+          <a:p>
+            <a:r>
+              <a:rPr lang="fr-FR" dirty="0"/>
+              <a:t>S 0</a:t>
+            </a:r>
+          </a:p>
+        </p:txBody>
+      </p:sp>
+      <p:sp>
+        <p:nvSpPr>
+          <p:cNvPr id="5" name="Titre 1"/>
+          <p:cNvSpPr txBox="1">
+            <a:spLocks/>
+          </p:cNvSpPr>
+          <p:nvPr/>
+        </p:nvSpPr>
+        <p:spPr>
+          <a:xfrm>
+            <a:off x="467544" y="5805264"/>
+            <a:ext cx="2103218" cy="648072"/>
+          </a:xfrm>
+          <a:prstGeom prst="rect">
+            <a:avLst/>
+          </a:prstGeom>
+        </p:spPr>
+        <p:txBody>
+          <a:bodyPr vert="horz" lIns="91440" tIns="45720" rIns="91440" bIns="45720" rtlCol="0" anchor="ctr">
+            <a:noAutofit/>
+          </a:bodyPr>
+          <a:lstStyle>
+            <a:defPPr>
+              <a:defRPr lang="fr-FR"/>
+            </a:defPPr>
+            <a:lvl1pPr algn="ctr">
+              <a:spcBef>
+                <a:spcPct val="0"/>
+              </a:spcBef>
+              <a:buNone/>
+              <a:defRPr sz="7200">
+                <a:latin typeface="+mj-lt"/>
+                <a:ea typeface="+mj-ea"/>
+                <a:cs typeface="+mj-cs"/>
+              </a:defRPr>
+            </a:lvl1pPr>
+          </a:lstStyle>
+          <a:p>
+            <a:r>
+              <a:rPr lang="fr-FR" dirty="0" err="1"/>
+              <a:t>Niv</a:t>
+            </a:r>
+            <a:r>
+              <a:rPr lang="fr-FR" dirty="0"/>
+              <a:t> </a:t>
+            </a:r>
+            <a:r>
+              <a:rPr lang="fr-FR" dirty="0" smtClean="0"/>
+              <a:t>2</a:t>
+            </a:r>
+            <a:endParaRPr lang="fr-FR" dirty="0"/>
+          </a:p>
+        </p:txBody>
+      </p:sp>
+      <p:sp>
+        <p:nvSpPr>
+          <p:cNvPr id="7" name="Titre 1"/>
+          <p:cNvSpPr txBox="1">
+            <a:spLocks/>
+          </p:cNvSpPr>
+          <p:nvPr/>
+        </p:nvSpPr>
+        <p:spPr>
+          <a:xfrm>
+            <a:off x="4283968" y="5481228"/>
+            <a:ext cx="4680520" cy="648072"/>
+          </a:xfrm>
+          <a:prstGeom prst="rect">
+            <a:avLst/>
+          </a:prstGeom>
+        </p:spPr>
+        <p:txBody>
+          <a:bodyPr vert="horz" lIns="91440" tIns="45720" rIns="91440" bIns="45720" rtlCol="0" anchor="ctr">
+            <a:noAutofit/>
+          </a:bodyPr>
+          <a:lstStyle>
+            <a:defPPr>
+              <a:defRPr lang="fr-FR"/>
+            </a:defPPr>
+            <a:lvl1pPr algn="ctr">
+              <a:spcBef>
+                <a:spcPct val="0"/>
+              </a:spcBef>
+              <a:buNone/>
+              <a:defRPr sz="7200">
+                <a:latin typeface="+mj-lt"/>
+                <a:ea typeface="+mj-ea"/>
+                <a:cs typeface="+mj-cs"/>
+              </a:defRPr>
+            </a:lvl1pPr>
+          </a:lstStyle>
+          <a:p>
+            <a:r>
+              <a:rPr lang="fr-FR" sz="5400" dirty="0" smtClean="0"/>
+              <a:t>Voir 1 cartes posée</a:t>
+            </a:r>
+            <a:endParaRPr lang="fr-FR" sz="5400" dirty="0"/>
+          </a:p>
+        </p:txBody>
+      </p:sp>
+    </p:spTree>
+    <p:extLst>
+      <p:ext uri="{BB962C8B-B14F-4D97-AF65-F5344CB8AC3E}">
+        <p14:creationId xmlns:p14="http://schemas.microsoft.com/office/powerpoint/2010/main" val="3375626599"/>
+      </p:ext>
+    </p:extLst>
+  </p:cSld>
+  <p:clrMapOvr>
+    <a:masterClrMapping/>
+  </p:clrMapOvr>
+  <p:timing>
+    <p:tnLst>
+      <p:par>
+        <p:cTn id="1" dur="indefinite" restart="never" nodeType="tmRoot"/>
+      </p:par>
+    </p:tnLst>
+  </p:timing>
+</p:sld>
+</file>
+
+<file path=ppt/slides/slide44.xml><?xml version="1.0" encoding="utf-8"?>
+<p:sld xmlns:a="http://schemas.openxmlformats.org/drawingml/2006/main" xmlns:r="http://schemas.openxmlformats.org/officeDocument/2006/relationships" xmlns:p="http://schemas.openxmlformats.org/presentationml/2006/main">
+  <p:cSld>
+    <p:spTree>
+      <p:nvGrpSpPr>
+        <p:cNvPr id="1" name=""/>
+        <p:cNvGrpSpPr/>
+        <p:nvPr/>
+      </p:nvGrpSpPr>
+      <p:grpSpPr>
+        <a:xfrm>
+          <a:off x="0" y="0"/>
+          <a:ext cx="0" cy="0"/>
+          <a:chOff x="0" y="0"/>
+          <a:chExt cx="0" cy="0"/>
+        </a:xfrm>
+      </p:grpSpPr>
+      <p:sp>
+        <p:nvSpPr>
+          <p:cNvPr id="6" name="Rectangle 5"/>
+          <p:cNvSpPr/>
+          <p:nvPr/>
+        </p:nvSpPr>
+        <p:spPr>
+          <a:xfrm>
+            <a:off x="0" y="0"/>
+            <a:ext cx="9144000" cy="6858000"/>
+          </a:xfrm>
+          <a:prstGeom prst="rect">
+            <a:avLst/>
+          </a:prstGeom>
+          <a:solidFill>
+            <a:srgbClr val="FFC000">
+              <a:alpha val="0"/>
+            </a:srgbClr>
+          </a:solidFill>
+          <a:ln w="101600">
+            <a:solidFill>
+              <a:schemeClr val="tx1"/>
+            </a:solidFill>
+          </a:ln>
+        </p:spPr>
+        <p:style>
+          <a:lnRef idx="2">
+            <a:schemeClr val="accent1">
+              <a:shade val="50000"/>
+            </a:schemeClr>
+          </a:lnRef>
+          <a:fillRef idx="1">
+            <a:schemeClr val="accent1"/>
+          </a:fillRef>
+          <a:effectRef idx="0">
+            <a:schemeClr val="accent1"/>
+          </a:effectRef>
+          <a:fontRef idx="minor">
+            <a:schemeClr val="lt1"/>
+          </a:fontRef>
+        </p:style>
+        <p:txBody>
+          <a:bodyPr rtlCol="0" anchor="ctr"/>
+          <a:lstStyle/>
+          <a:p>
+            <a:pPr algn="ctr"/>
+            <a:endParaRPr lang="fr-FR">
+              <a:solidFill>
+                <a:srgbClr val="FFC000"/>
+              </a:solidFill>
+            </a:endParaRPr>
+          </a:p>
+        </p:txBody>
+      </p:sp>
+      <p:sp>
+        <p:nvSpPr>
+          <p:cNvPr id="2" name="Titre 1"/>
+          <p:cNvSpPr>
+            <a:spLocks noGrp="1"/>
+          </p:cNvSpPr>
+          <p:nvPr>
+            <p:ph type="ctrTitle"/>
+          </p:nvPr>
+        </p:nvSpPr>
+        <p:spPr>
+          <a:xfrm>
+            <a:off x="323528" y="332656"/>
+            <a:ext cx="2304256" cy="936104"/>
+          </a:xfrm>
+        </p:spPr>
+        <p:txBody>
+          <a:bodyPr>
+            <a:noAutofit/>
+          </a:bodyPr>
+          <a:lstStyle/>
+          <a:p>
+            <a:r>
+              <a:rPr lang="fr-FR" sz="7200" dirty="0" smtClean="0"/>
+              <a:t>-</a:t>
+            </a:r>
+            <a:endParaRPr lang="fr-FR" sz="7200" dirty="0"/>
+          </a:p>
+        </p:txBody>
+      </p:sp>
+      <p:sp>
+        <p:nvSpPr>
+          <p:cNvPr id="3" name="Sous-titre 2"/>
+          <p:cNvSpPr>
+            <a:spLocks noGrp="1"/>
+          </p:cNvSpPr>
+          <p:nvPr>
+            <p:ph type="subTitle" idx="1"/>
+          </p:nvPr>
+        </p:nvSpPr>
+        <p:spPr>
+          <a:xfrm>
+            <a:off x="1907704" y="2744924"/>
+            <a:ext cx="4856584" cy="1368152"/>
+          </a:xfrm>
+        </p:spPr>
+        <p:txBody>
+          <a:bodyPr>
+            <a:normAutofit fontScale="62500" lnSpcReduction="20000"/>
+          </a:bodyPr>
+          <a:lstStyle/>
+          <a:p>
+            <a:r>
+              <a:rPr lang="fr-FR" sz="8000" dirty="0">
+                <a:solidFill>
+                  <a:schemeClr val="tx1"/>
+                </a:solidFill>
+              </a:rPr>
+              <a:t>Moineau domestique</a:t>
+            </a:r>
+          </a:p>
+        </p:txBody>
+      </p:sp>
+      <p:sp>
+        <p:nvSpPr>
+          <p:cNvPr id="4" name="Titre 1"/>
+          <p:cNvSpPr txBox="1">
+            <a:spLocks/>
+          </p:cNvSpPr>
+          <p:nvPr/>
+        </p:nvSpPr>
+        <p:spPr>
+          <a:xfrm>
+            <a:off x="7452320" y="260648"/>
+            <a:ext cx="1368152" cy="648072"/>
+          </a:xfrm>
+          <a:prstGeom prst="rect">
+            <a:avLst/>
+          </a:prstGeom>
+        </p:spPr>
+        <p:txBody>
+          <a:bodyPr vert="horz" lIns="91440" tIns="45720" rIns="91440" bIns="45720" rtlCol="0" anchor="ctr">
+            <a:noAutofit/>
+          </a:bodyPr>
+          <a:lstStyle>
+            <a:lvl1pPr algn="ctr">
+              <a:spcBef>
+                <a:spcPct val="0"/>
+              </a:spcBef>
+              <a:buNone/>
+              <a:defRPr sz="7200">
+                <a:latin typeface="+mj-lt"/>
+                <a:ea typeface="+mj-ea"/>
+                <a:cs typeface="+mj-cs"/>
+              </a:defRPr>
+            </a:lvl1pPr>
+          </a:lstStyle>
+          <a:p>
+            <a:r>
+              <a:rPr lang="fr-FR" dirty="0"/>
+              <a:t>S 0</a:t>
+            </a:r>
+          </a:p>
+        </p:txBody>
+      </p:sp>
+      <p:sp>
+        <p:nvSpPr>
+          <p:cNvPr id="5" name="Titre 1"/>
+          <p:cNvSpPr txBox="1">
+            <a:spLocks/>
+          </p:cNvSpPr>
+          <p:nvPr/>
+        </p:nvSpPr>
+        <p:spPr>
+          <a:xfrm>
+            <a:off x="467544" y="5805264"/>
+            <a:ext cx="2103218" cy="648072"/>
+          </a:xfrm>
+          <a:prstGeom prst="rect">
+            <a:avLst/>
+          </a:prstGeom>
+        </p:spPr>
+        <p:txBody>
+          <a:bodyPr vert="horz" lIns="91440" tIns="45720" rIns="91440" bIns="45720" rtlCol="0" anchor="ctr">
+            <a:noAutofit/>
+          </a:bodyPr>
+          <a:lstStyle>
+            <a:defPPr>
+              <a:defRPr lang="fr-FR"/>
+            </a:defPPr>
+            <a:lvl1pPr algn="ctr">
+              <a:spcBef>
+                <a:spcPct val="0"/>
+              </a:spcBef>
+              <a:buNone/>
+              <a:defRPr sz="7200">
+                <a:latin typeface="+mj-lt"/>
+                <a:ea typeface="+mj-ea"/>
+                <a:cs typeface="+mj-cs"/>
+              </a:defRPr>
+            </a:lvl1pPr>
+          </a:lstStyle>
+          <a:p>
+            <a:r>
+              <a:rPr lang="fr-FR" dirty="0" err="1"/>
+              <a:t>Niv</a:t>
+            </a:r>
+            <a:r>
+              <a:rPr lang="fr-FR" dirty="0"/>
+              <a:t> </a:t>
+            </a:r>
+            <a:r>
+              <a:rPr lang="fr-FR" dirty="0" smtClean="0"/>
+              <a:t>2</a:t>
+            </a:r>
+            <a:endParaRPr lang="fr-FR" dirty="0"/>
+          </a:p>
+        </p:txBody>
+      </p:sp>
+      <p:sp>
+        <p:nvSpPr>
+          <p:cNvPr id="7" name="Titre 1"/>
+          <p:cNvSpPr txBox="1">
+            <a:spLocks/>
+          </p:cNvSpPr>
+          <p:nvPr/>
+        </p:nvSpPr>
+        <p:spPr>
+          <a:xfrm>
+            <a:off x="4283968" y="5481228"/>
+            <a:ext cx="4680520" cy="648072"/>
+          </a:xfrm>
+          <a:prstGeom prst="rect">
+            <a:avLst/>
+          </a:prstGeom>
+        </p:spPr>
+        <p:txBody>
+          <a:bodyPr vert="horz" lIns="91440" tIns="45720" rIns="91440" bIns="45720" rtlCol="0" anchor="ctr">
+            <a:noAutofit/>
+          </a:bodyPr>
+          <a:lstStyle>
+            <a:defPPr>
+              <a:defRPr lang="fr-FR"/>
+            </a:defPPr>
+            <a:lvl1pPr algn="ctr">
+              <a:spcBef>
+                <a:spcPct val="0"/>
+              </a:spcBef>
+              <a:buNone/>
+              <a:defRPr sz="7200">
+                <a:latin typeface="+mj-lt"/>
+                <a:ea typeface="+mj-ea"/>
+                <a:cs typeface="+mj-cs"/>
+              </a:defRPr>
+            </a:lvl1pPr>
+          </a:lstStyle>
+          <a:p>
+            <a:r>
+              <a:rPr lang="fr-FR" sz="5400" dirty="0" smtClean="0"/>
+              <a:t>Voir 1 cartes posée</a:t>
+            </a:r>
+            <a:endParaRPr lang="fr-FR" sz="5400" dirty="0"/>
+          </a:p>
+        </p:txBody>
+      </p:sp>
+    </p:spTree>
+    <p:extLst>
+      <p:ext uri="{BB962C8B-B14F-4D97-AF65-F5344CB8AC3E}">
+        <p14:creationId xmlns:p14="http://schemas.microsoft.com/office/powerpoint/2010/main" val="3746108425"/>
+      </p:ext>
+    </p:extLst>
+  </p:cSld>
+  <p:clrMapOvr>
+    <a:masterClrMapping/>
+  </p:clrMapOvr>
+  <p:timing>
+    <p:tnLst>
+      <p:par>
+        <p:cTn id="1" dur="indefinite" restart="never" nodeType="tmRoot"/>
+      </p:par>
+    </p:tnLst>
+  </p:timing>
+</p:sld>
+</file>
+
+<file path=ppt/slides/slide45.xml><?xml version="1.0" encoding="utf-8"?>
+<p:sld xmlns:a="http://schemas.openxmlformats.org/drawingml/2006/main" xmlns:r="http://schemas.openxmlformats.org/officeDocument/2006/relationships" xmlns:p="http://schemas.openxmlformats.org/presentationml/2006/main">
+  <p:cSld>
+    <p:spTree>
+      <p:nvGrpSpPr>
+        <p:cNvPr id="1" name=""/>
+        <p:cNvGrpSpPr/>
+        <p:nvPr/>
+      </p:nvGrpSpPr>
+      <p:grpSpPr>
+        <a:xfrm>
+          <a:off x="0" y="0"/>
+          <a:ext cx="0" cy="0"/>
+          <a:chOff x="0" y="0"/>
+          <a:chExt cx="0" cy="0"/>
+        </a:xfrm>
+      </p:grpSpPr>
+      <p:sp>
+        <p:nvSpPr>
+          <p:cNvPr id="6" name="Rectangle 5"/>
+          <p:cNvSpPr/>
+          <p:nvPr/>
+        </p:nvSpPr>
+        <p:spPr>
+          <a:xfrm>
+            <a:off x="0" y="0"/>
+            <a:ext cx="9144000" cy="6858000"/>
+          </a:xfrm>
+          <a:prstGeom prst="rect">
+            <a:avLst/>
+          </a:prstGeom>
+          <a:solidFill>
+            <a:srgbClr val="FFC000">
+              <a:alpha val="0"/>
+            </a:srgbClr>
+          </a:solidFill>
+          <a:ln w="101600">
+            <a:solidFill>
+              <a:schemeClr val="tx1"/>
+            </a:solidFill>
+          </a:ln>
+        </p:spPr>
+        <p:style>
+          <a:lnRef idx="2">
+            <a:schemeClr val="accent1">
+              <a:shade val="50000"/>
+            </a:schemeClr>
+          </a:lnRef>
+          <a:fillRef idx="1">
+            <a:schemeClr val="accent1"/>
+          </a:fillRef>
+          <a:effectRef idx="0">
+            <a:schemeClr val="accent1"/>
+          </a:effectRef>
+          <a:fontRef idx="minor">
+            <a:schemeClr val="lt1"/>
+          </a:fontRef>
+        </p:style>
+        <p:txBody>
+          <a:bodyPr rtlCol="0" anchor="ctr"/>
+          <a:lstStyle/>
+          <a:p>
+            <a:pPr algn="ctr"/>
+            <a:endParaRPr lang="fr-FR">
+              <a:solidFill>
+                <a:srgbClr val="FFC000"/>
+              </a:solidFill>
+            </a:endParaRPr>
+          </a:p>
+        </p:txBody>
+      </p:sp>
+      <p:sp>
+        <p:nvSpPr>
+          <p:cNvPr id="2" name="Titre 1"/>
+          <p:cNvSpPr>
+            <a:spLocks noGrp="1"/>
+          </p:cNvSpPr>
+          <p:nvPr>
+            <p:ph type="ctrTitle"/>
+          </p:nvPr>
+        </p:nvSpPr>
+        <p:spPr>
+          <a:xfrm>
+            <a:off x="323528" y="332656"/>
+            <a:ext cx="2304256" cy="936104"/>
+          </a:xfrm>
+        </p:spPr>
+        <p:txBody>
+          <a:bodyPr>
+            <a:noAutofit/>
+          </a:bodyPr>
+          <a:lstStyle/>
+          <a:p>
+            <a:r>
+              <a:rPr lang="fr-FR" sz="7200" dirty="0" smtClean="0"/>
+              <a:t>-</a:t>
+            </a:r>
+            <a:endParaRPr lang="fr-FR" sz="7200" dirty="0"/>
+          </a:p>
+        </p:txBody>
+      </p:sp>
+      <p:sp>
+        <p:nvSpPr>
+          <p:cNvPr id="3" name="Sous-titre 2"/>
+          <p:cNvSpPr>
+            <a:spLocks noGrp="1"/>
+          </p:cNvSpPr>
+          <p:nvPr>
+            <p:ph type="subTitle" idx="1"/>
+          </p:nvPr>
+        </p:nvSpPr>
+        <p:spPr>
+          <a:xfrm>
+            <a:off x="1907704" y="2744924"/>
+            <a:ext cx="4856584" cy="1368152"/>
+          </a:xfrm>
+        </p:spPr>
+        <p:txBody>
+          <a:bodyPr>
+            <a:normAutofit fontScale="62500" lnSpcReduction="20000"/>
+          </a:bodyPr>
+          <a:lstStyle/>
+          <a:p>
+            <a:r>
+              <a:rPr lang="fr-FR" sz="8000">
+                <a:solidFill>
+                  <a:schemeClr val="tx1"/>
+                </a:solidFill>
+              </a:rPr>
+              <a:t>Monticole merle-bleu</a:t>
+            </a:r>
+            <a:endParaRPr lang="fr-FR" sz="8000" dirty="0">
+              <a:solidFill>
+                <a:schemeClr val="tx1"/>
+              </a:solidFill>
+            </a:endParaRPr>
+          </a:p>
+        </p:txBody>
+      </p:sp>
+      <p:sp>
+        <p:nvSpPr>
+          <p:cNvPr id="4" name="Titre 1"/>
+          <p:cNvSpPr txBox="1">
+            <a:spLocks/>
+          </p:cNvSpPr>
+          <p:nvPr/>
+        </p:nvSpPr>
+        <p:spPr>
+          <a:xfrm>
+            <a:off x="7452320" y="260648"/>
+            <a:ext cx="1368152" cy="648072"/>
+          </a:xfrm>
+          <a:prstGeom prst="rect">
+            <a:avLst/>
+          </a:prstGeom>
+        </p:spPr>
+        <p:txBody>
+          <a:bodyPr vert="horz" lIns="91440" tIns="45720" rIns="91440" bIns="45720" rtlCol="0" anchor="ctr">
+            <a:noAutofit/>
+          </a:bodyPr>
+          <a:lstStyle>
+            <a:lvl1pPr algn="ctr">
+              <a:spcBef>
+                <a:spcPct val="0"/>
+              </a:spcBef>
+              <a:buNone/>
+              <a:defRPr sz="7200">
+                <a:latin typeface="+mj-lt"/>
+                <a:ea typeface="+mj-ea"/>
+                <a:cs typeface="+mj-cs"/>
+              </a:defRPr>
+            </a:lvl1pPr>
+          </a:lstStyle>
+          <a:p>
+            <a:r>
+              <a:rPr lang="fr-FR" dirty="0"/>
+              <a:t>S 0</a:t>
+            </a:r>
+          </a:p>
+        </p:txBody>
+      </p:sp>
+      <p:sp>
+        <p:nvSpPr>
+          <p:cNvPr id="5" name="Titre 1"/>
+          <p:cNvSpPr txBox="1">
+            <a:spLocks/>
+          </p:cNvSpPr>
+          <p:nvPr/>
+        </p:nvSpPr>
+        <p:spPr>
+          <a:xfrm>
+            <a:off x="467544" y="5805264"/>
+            <a:ext cx="2103218" cy="648072"/>
+          </a:xfrm>
+          <a:prstGeom prst="rect">
+            <a:avLst/>
+          </a:prstGeom>
+        </p:spPr>
+        <p:txBody>
+          <a:bodyPr vert="horz" lIns="91440" tIns="45720" rIns="91440" bIns="45720" rtlCol="0" anchor="ctr">
+            <a:noAutofit/>
+          </a:bodyPr>
+          <a:lstStyle>
+            <a:defPPr>
+              <a:defRPr lang="fr-FR"/>
+            </a:defPPr>
+            <a:lvl1pPr algn="ctr">
+              <a:spcBef>
+                <a:spcPct val="0"/>
+              </a:spcBef>
+              <a:buNone/>
+              <a:defRPr sz="7200">
+                <a:latin typeface="+mj-lt"/>
+                <a:ea typeface="+mj-ea"/>
+                <a:cs typeface="+mj-cs"/>
+              </a:defRPr>
+            </a:lvl1pPr>
+          </a:lstStyle>
+          <a:p>
+            <a:r>
+              <a:rPr lang="fr-FR" dirty="0" err="1"/>
+              <a:t>Niv</a:t>
+            </a:r>
+            <a:r>
+              <a:rPr lang="fr-FR" dirty="0"/>
+              <a:t> </a:t>
+            </a:r>
+            <a:r>
+              <a:rPr lang="fr-FR" dirty="0" smtClean="0"/>
+              <a:t>4</a:t>
+            </a:r>
+            <a:endParaRPr lang="fr-FR" dirty="0"/>
+          </a:p>
+        </p:txBody>
+      </p:sp>
+      <p:sp>
+        <p:nvSpPr>
+          <p:cNvPr id="7" name="Titre 1"/>
+          <p:cNvSpPr txBox="1">
+            <a:spLocks/>
+          </p:cNvSpPr>
+          <p:nvPr/>
+        </p:nvSpPr>
+        <p:spPr>
+          <a:xfrm>
+            <a:off x="4283968" y="5481228"/>
+            <a:ext cx="4680520" cy="648072"/>
+          </a:xfrm>
+          <a:prstGeom prst="rect">
+            <a:avLst/>
+          </a:prstGeom>
+        </p:spPr>
+        <p:txBody>
+          <a:bodyPr vert="horz" lIns="91440" tIns="45720" rIns="91440" bIns="45720" rtlCol="0" anchor="ctr">
+            <a:noAutofit/>
+          </a:bodyPr>
+          <a:lstStyle>
+            <a:defPPr>
+              <a:defRPr lang="fr-FR"/>
+            </a:defPPr>
+            <a:lvl1pPr algn="ctr">
+              <a:spcBef>
+                <a:spcPct val="0"/>
+              </a:spcBef>
+              <a:buNone/>
+              <a:defRPr sz="7200">
+                <a:latin typeface="+mj-lt"/>
+                <a:ea typeface="+mj-ea"/>
+                <a:cs typeface="+mj-cs"/>
+              </a:defRPr>
+            </a:lvl1pPr>
+          </a:lstStyle>
+          <a:p>
+            <a:r>
+              <a:rPr lang="fr-FR" sz="5400" dirty="0" smtClean="0"/>
+              <a:t>Voir 3 cartes posée</a:t>
+            </a:r>
+            <a:endParaRPr lang="fr-FR" sz="5400" dirty="0"/>
+          </a:p>
+        </p:txBody>
+      </p:sp>
+    </p:spTree>
+    <p:extLst>
+      <p:ext uri="{BB962C8B-B14F-4D97-AF65-F5344CB8AC3E}">
+        <p14:creationId xmlns:p14="http://schemas.microsoft.com/office/powerpoint/2010/main" val="1477049665"/>
       </p:ext>
     </p:extLst>
   </p:cSld>
@@ -13311,8 +15968,13 @@
             </a:r>
             <a:r>
               <a:rPr lang="fr-FR" dirty="0"/>
-              <a:t> 1</a:t>
-            </a:r>
+              <a:t> </a:t>
+            </a:r>
+            <a:r>
+              <a:rPr lang="fr-FR" dirty="0" smtClean="0"/>
+              <a:t>2</a:t>
+            </a:r>
+            <a:endParaRPr lang="fr-FR" dirty="0"/>
           </a:p>
         </p:txBody>
       </p:sp>
@@ -13365,7 +16027,7 @@
     </p:spTree>
     <p:extLst>
       <p:ext uri="{BB962C8B-B14F-4D97-AF65-F5344CB8AC3E}">
-        <p14:creationId xmlns:p14="http://schemas.microsoft.com/office/powerpoint/2010/main" val="1125881690"/>
+        <p14:creationId xmlns:p14="http://schemas.microsoft.com/office/powerpoint/2010/main" val="492794495"/>
       </p:ext>
     </p:extLst>
   </p:cSld>
@@ -13612,8 +16274,13 @@
             </a:r>
             <a:r>
               <a:rPr lang="fr-FR" dirty="0"/>
-              <a:t> 1</a:t>
-            </a:r>
+              <a:t> </a:t>
+            </a:r>
+            <a:r>
+              <a:rPr lang="fr-FR" dirty="0" smtClean="0"/>
+              <a:t>2</a:t>
+            </a:r>
+            <a:endParaRPr lang="fr-FR" dirty="0"/>
           </a:p>
         </p:txBody>
       </p:sp>
@@ -13666,7 +16333,7 @@
     </p:spTree>
     <p:extLst>
       <p:ext uri="{BB962C8B-B14F-4D97-AF65-F5344CB8AC3E}">
-        <p14:creationId xmlns:p14="http://schemas.microsoft.com/office/powerpoint/2010/main" val="2731908207"/>
+        <p14:creationId xmlns:p14="http://schemas.microsoft.com/office/powerpoint/2010/main" val="1125881690"/>
       </p:ext>
     </p:extLst>
   </p:cSld>
@@ -13913,8 +16580,13 @@
             </a:r>
             <a:r>
               <a:rPr lang="fr-FR" dirty="0"/>
-              <a:t> 1</a:t>
-            </a:r>
+              <a:t> </a:t>
+            </a:r>
+            <a:r>
+              <a:rPr lang="fr-FR" dirty="0" smtClean="0"/>
+              <a:t>2</a:t>
+            </a:r>
+            <a:endParaRPr lang="fr-FR" dirty="0"/>
           </a:p>
         </p:txBody>
       </p:sp>
@@ -13967,7 +16639,7 @@
     </p:spTree>
     <p:extLst>
       <p:ext uri="{BB962C8B-B14F-4D97-AF65-F5344CB8AC3E}">
-        <p14:creationId xmlns:p14="http://schemas.microsoft.com/office/powerpoint/2010/main" val="1649740358"/>
+        <p14:creationId xmlns:p14="http://schemas.microsoft.com/office/powerpoint/2010/main" val="2731908207"/>
       </p:ext>
     </p:extLst>
   </p:cSld>
@@ -14079,7 +16751,7 @@
           <a:p>
             <a:r>
               <a:rPr lang="fr-FR" sz="7200" dirty="0" smtClean="0"/>
-              <a:t>A 3</a:t>
+              <a:t>-</a:t>
             </a:r>
             <a:endParaRPr lang="fr-FR" sz="7200" dirty="0"/>
           </a:p>
@@ -14113,7 +16785,7 @@
                   <a:schemeClr val="tx1"/>
                 </a:solidFill>
               </a:rPr>
-              <a:t>Faucon</a:t>
+              <a:t>Abeille</a:t>
             </a:r>
             <a:endParaRPr lang="fr-FR" sz="8000" dirty="0">
               <a:solidFill>
@@ -14160,8 +16832,13 @@
           <a:p>
             <a:r>
               <a:rPr lang="fr-FR" dirty="0"/>
-              <a:t>S 0</a:t>
-            </a:r>
+              <a:t>S </a:t>
+            </a:r>
+            <a:r>
+              <a:rPr lang="fr-FR" dirty="0" smtClean="0"/>
+              <a:t>2</a:t>
+            </a:r>
+            <a:endParaRPr lang="fr-FR" dirty="0"/>
           </a:p>
         </p:txBody>
       </p:sp>
@@ -14213,7 +16890,7 @@
             </a:r>
             <a:r>
               <a:rPr lang="fr-FR" dirty="0" smtClean="0"/>
-              <a:t>3</a:t>
+              <a:t>2</a:t>
             </a:r>
             <a:endParaRPr lang="fr-FR" dirty="0"/>
           </a:p>
@@ -14229,7 +16906,7 @@
         </p:nvSpPr>
         <p:spPr>
           <a:xfrm>
-            <a:off x="6933278" y="5877272"/>
+            <a:off x="6933278" y="5805264"/>
             <a:ext cx="2103218" cy="648072"/>
           </a:xfrm>
           <a:prstGeom prst="rect">
@@ -14268,7 +16945,7 @@
     </p:spTree>
     <p:extLst>
       <p:ext uri="{BB962C8B-B14F-4D97-AF65-F5344CB8AC3E}">
-        <p14:creationId xmlns:p14="http://schemas.microsoft.com/office/powerpoint/2010/main" val="4096049931"/>
+        <p14:creationId xmlns:p14="http://schemas.microsoft.com/office/powerpoint/2010/main" val="1649740358"/>
       </p:ext>
     </p:extLst>
   </p:cSld>
@@ -14380,7 +17057,7 @@
           <a:p>
             <a:r>
               <a:rPr lang="fr-FR" sz="7200" dirty="0" smtClean="0"/>
-              <a:t>A 3</a:t>
+              <a:t>-</a:t>
             </a:r>
             <a:endParaRPr lang="fr-FR" sz="7200" dirty="0"/>
           </a:p>
@@ -14414,7 +17091,7 @@
                   <a:schemeClr val="tx1"/>
                 </a:solidFill>
               </a:rPr>
-              <a:t>Faucon</a:t>
+              <a:t>Abeille</a:t>
             </a:r>
             <a:endParaRPr lang="fr-FR" sz="8000" dirty="0">
               <a:solidFill>
@@ -14461,8 +17138,13 @@
           <a:p>
             <a:r>
               <a:rPr lang="fr-FR" dirty="0"/>
-              <a:t>S 0</a:t>
-            </a:r>
+              <a:t>S </a:t>
+            </a:r>
+            <a:r>
+              <a:rPr lang="fr-FR" dirty="0" smtClean="0"/>
+              <a:t>2</a:t>
+            </a:r>
+            <a:endParaRPr lang="fr-FR" dirty="0"/>
           </a:p>
         </p:txBody>
       </p:sp>
@@ -14514,7 +17196,7 @@
             </a:r>
             <a:r>
               <a:rPr lang="fr-FR" dirty="0" smtClean="0"/>
-              <a:t>3</a:t>
+              <a:t>2</a:t>
             </a:r>
             <a:endParaRPr lang="fr-FR" dirty="0"/>
           </a:p>
@@ -14530,7 +17212,7 @@
         </p:nvSpPr>
         <p:spPr>
           <a:xfrm>
-            <a:off x="6933278" y="5877272"/>
+            <a:off x="6933278" y="5805264"/>
             <a:ext cx="2103218" cy="648072"/>
           </a:xfrm>
           <a:prstGeom prst="rect">
@@ -14569,7 +17251,7 @@
     </p:spTree>
     <p:extLst>
       <p:ext uri="{BB962C8B-B14F-4D97-AF65-F5344CB8AC3E}">
-        <p14:creationId xmlns:p14="http://schemas.microsoft.com/office/powerpoint/2010/main" val="1053388702"/>
+        <p14:creationId xmlns:p14="http://schemas.microsoft.com/office/powerpoint/2010/main" val="492794495"/>
       </p:ext>
     </p:extLst>
   </p:cSld>

--- a/Docs/CartesINstan.pptx
+++ b/Docs/CartesINstan.pptx
@@ -254,7 +254,7 @@
           <a:p>
             <a:fld id="{8F6BF74C-C825-46E6-A94A-4DDCA47B6E5E}" type="datetimeFigureOut">
               <a:rPr lang="fr-FR" smtClean="0"/>
-              <a:t>14/08/2015</a:t>
+              <a:t>17/08/2015</a:t>
             </a:fld>
             <a:endParaRPr lang="fr-FR"/>
           </a:p>
@@ -518,7 +518,7 @@
           <a:p>
             <a:fld id="{AA309A6D-C09C-4548-B29A-6CF363A7E532}" type="datetimeFigureOut">
               <a:rPr lang="fr-FR" smtClean="0"/>
-              <a:t>14/08/2015</a:t>
+              <a:t>17/08/2015</a:t>
             </a:fld>
             <a:endParaRPr lang="fr-BE"/>
           </a:p>
@@ -683,7 +683,7 @@
           <a:p>
             <a:fld id="{AA309A6D-C09C-4548-B29A-6CF363A7E532}" type="datetimeFigureOut">
               <a:rPr lang="fr-FR" smtClean="0"/>
-              <a:t>14/08/2015</a:t>
+              <a:t>17/08/2015</a:t>
             </a:fld>
             <a:endParaRPr lang="fr-BE"/>
           </a:p>
@@ -858,7 +858,7 @@
           <a:p>
             <a:fld id="{AA309A6D-C09C-4548-B29A-6CF363A7E532}" type="datetimeFigureOut">
               <a:rPr lang="fr-FR" smtClean="0"/>
-              <a:t>14/08/2015</a:t>
+              <a:t>17/08/2015</a:t>
             </a:fld>
             <a:endParaRPr lang="fr-BE"/>
           </a:p>
@@ -1023,7 +1023,7 @@
           <a:p>
             <a:fld id="{AA309A6D-C09C-4548-B29A-6CF363A7E532}" type="datetimeFigureOut">
               <a:rPr lang="fr-FR" smtClean="0"/>
-              <a:t>14/08/2015</a:t>
+              <a:t>17/08/2015</a:t>
             </a:fld>
             <a:endParaRPr lang="fr-BE"/>
           </a:p>
@@ -1264,7 +1264,7 @@
           <a:p>
             <a:fld id="{AA309A6D-C09C-4548-B29A-6CF363A7E532}" type="datetimeFigureOut">
               <a:rPr lang="fr-FR" smtClean="0"/>
-              <a:t>14/08/2015</a:t>
+              <a:t>17/08/2015</a:t>
             </a:fld>
             <a:endParaRPr lang="fr-BE"/>
           </a:p>
@@ -1547,7 +1547,7 @@
           <a:p>
             <a:fld id="{AA309A6D-C09C-4548-B29A-6CF363A7E532}" type="datetimeFigureOut">
               <a:rPr lang="fr-FR" smtClean="0"/>
-              <a:t>14/08/2015</a:t>
+              <a:t>17/08/2015</a:t>
             </a:fld>
             <a:endParaRPr lang="fr-BE"/>
           </a:p>
@@ -1964,7 +1964,7 @@
           <a:p>
             <a:fld id="{AA309A6D-C09C-4548-B29A-6CF363A7E532}" type="datetimeFigureOut">
               <a:rPr lang="fr-FR" smtClean="0"/>
-              <a:t>14/08/2015</a:t>
+              <a:t>17/08/2015</a:t>
             </a:fld>
             <a:endParaRPr lang="fr-BE"/>
           </a:p>
@@ -2077,7 +2077,7 @@
           <a:p>
             <a:fld id="{AA309A6D-C09C-4548-B29A-6CF363A7E532}" type="datetimeFigureOut">
               <a:rPr lang="fr-FR" smtClean="0"/>
-              <a:t>14/08/2015</a:t>
+              <a:t>17/08/2015</a:t>
             </a:fld>
             <a:endParaRPr lang="fr-BE"/>
           </a:p>
@@ -2167,7 +2167,7 @@
           <a:p>
             <a:fld id="{AA309A6D-C09C-4548-B29A-6CF363A7E532}" type="datetimeFigureOut">
               <a:rPr lang="fr-FR" smtClean="0"/>
-              <a:t>14/08/2015</a:t>
+              <a:t>17/08/2015</a:t>
             </a:fld>
             <a:endParaRPr lang="fr-BE"/>
           </a:p>
@@ -2439,7 +2439,7 @@
           <a:p>
             <a:fld id="{AA309A6D-C09C-4548-B29A-6CF363A7E532}" type="datetimeFigureOut">
               <a:rPr lang="fr-FR" smtClean="0"/>
-              <a:t>14/08/2015</a:t>
+              <a:t>17/08/2015</a:t>
             </a:fld>
             <a:endParaRPr lang="fr-BE"/>
           </a:p>
@@ -2687,7 +2687,7 @@
           <a:p>
             <a:fld id="{AA309A6D-C09C-4548-B29A-6CF363A7E532}" type="datetimeFigureOut">
               <a:rPr lang="fr-FR" smtClean="0"/>
-              <a:t>14/08/2015</a:t>
+              <a:t>17/08/2015</a:t>
             </a:fld>
             <a:endParaRPr lang="fr-BE"/>
           </a:p>
@@ -2895,7 +2895,7 @@
           <a:p>
             <a:fld id="{AA309A6D-C09C-4548-B29A-6CF363A7E532}" type="datetimeFigureOut">
               <a:rPr lang="fr-FR" smtClean="0"/>
-              <a:t>14/08/2015</a:t>
+              <a:t>17/08/2015</a:t>
             </a:fld>
             <a:endParaRPr lang="fr-BE"/>
           </a:p>
@@ -3717,13 +3717,8 @@
           <a:p>
             <a:r>
               <a:rPr lang="fr-FR" dirty="0"/>
-              <a:t>S </a:t>
-            </a:r>
-            <a:r>
-              <a:rPr lang="fr-FR" dirty="0"/>
-              <a:t>3</a:t>
-            </a:r>
-            <a:endParaRPr lang="fr-FR" dirty="0"/>
+              <a:t>S 3</a:t>
+            </a:r>
           </a:p>
         </p:txBody>
       </p:sp>
@@ -3970,11 +3965,6 @@
               </a:rPr>
               <a:t>Faucon crécerelle</a:t>
             </a:r>
-            <a:endParaRPr lang="fr-FR" sz="8000" dirty="0">
-              <a:solidFill>
-                <a:schemeClr val="tx1"/>
-              </a:solidFill>
-            </a:endParaRPr>
           </a:p>
         </p:txBody>
       </p:sp>
@@ -4267,11 +4257,6 @@
               </a:rPr>
               <a:t>Faucon crécerelle</a:t>
             </a:r>
-            <a:endParaRPr lang="fr-FR" sz="8000" dirty="0">
-              <a:solidFill>
-                <a:schemeClr val="tx1"/>
-              </a:solidFill>
-            </a:endParaRPr>
           </a:p>
         </p:txBody>
       </p:sp>
@@ -4564,11 +4549,6 @@
               </a:rPr>
               <a:t>Faucon crécerelle</a:t>
             </a:r>
-            <a:endParaRPr lang="fr-FR" sz="8000" dirty="0">
-              <a:solidFill>
-                <a:schemeClr val="tx1"/>
-              </a:solidFill>
-            </a:endParaRPr>
           </a:p>
         </p:txBody>
       </p:sp>
@@ -4861,11 +4841,6 @@
               </a:rPr>
               <a:t>Faucon crécerelle</a:t>
             </a:r>
-            <a:endParaRPr lang="fr-FR" sz="8000" dirty="0">
-              <a:solidFill>
-                <a:schemeClr val="tx1"/>
-              </a:solidFill>
-            </a:endParaRPr>
           </a:p>
         </p:txBody>
       </p:sp>
@@ -5158,11 +5133,6 @@
               </a:rPr>
               <a:t>Faucon crécerelle</a:t>
             </a:r>
-            <a:endParaRPr lang="fr-FR" sz="8000" dirty="0">
-              <a:solidFill>
-                <a:schemeClr val="tx1"/>
-              </a:solidFill>
-            </a:endParaRPr>
           </a:p>
         </p:txBody>
       </p:sp>
@@ -9422,7 +9392,7 @@
         <p:spPr>
           <a:xfrm>
             <a:off x="467544" y="5805264"/>
-            <a:ext cx="2103218" cy="648072"/>
+            <a:ext cx="3816424" cy="648072"/>
           </a:xfrm>
           <a:prstGeom prst="rect">
             <a:avLst/>
@@ -9450,16 +9420,8 @@
           </a:lstStyle>
           <a:p>
             <a:r>
-              <a:rPr lang="fr-FR" dirty="0" err="1"/>
-              <a:t>Niv</a:t>
-            </a:r>
-            <a:r>
-              <a:rPr lang="fr-FR" dirty="0"/>
-              <a:t> </a:t>
-            </a:r>
-            <a:r>
               <a:rPr lang="fr-FR" dirty="0" smtClean="0"/>
-              <a:t>2</a:t>
+              <a:t>2 Actions</a:t>
             </a:r>
             <a:endParaRPr lang="fr-FR" dirty="0"/>
           </a:p>
@@ -9728,7 +9690,7 @@
         <p:spPr>
           <a:xfrm>
             <a:off x="467544" y="5805264"/>
-            <a:ext cx="2103218" cy="648072"/>
+            <a:ext cx="4176464" cy="648072"/>
           </a:xfrm>
           <a:prstGeom prst="rect">
             <a:avLst/>
@@ -9756,16 +9718,8 @@
           </a:lstStyle>
           <a:p>
             <a:r>
-              <a:rPr lang="fr-FR" dirty="0" err="1"/>
-              <a:t>Niv</a:t>
-            </a:r>
-            <a:r>
-              <a:rPr lang="fr-FR" dirty="0"/>
-              <a:t> </a:t>
-            </a:r>
-            <a:r>
               <a:rPr lang="fr-FR" dirty="0" smtClean="0"/>
-              <a:t>2</a:t>
+              <a:t>2 Actions</a:t>
             </a:r>
             <a:endParaRPr lang="fr-FR" dirty="0"/>
           </a:p>
@@ -15030,11 +14984,7 @@
           <a:p>
             <a:r>
               <a:rPr lang="fr-FR" sz="7200" dirty="0" smtClean="0"/>
-              <a:t>At </a:t>
-            </a:r>
-            <a:r>
-              <a:rPr lang="fr-FR" sz="7200" dirty="0" smtClean="0"/>
-              <a:t>10</a:t>
+              <a:t>At 10</a:t>
             </a:r>
             <a:endParaRPr lang="fr-FR" sz="7200" dirty="0"/>
           </a:p>
@@ -15370,11 +15320,7 @@
           <a:p>
             <a:r>
               <a:rPr lang="fr-FR" sz="7200" dirty="0" smtClean="0"/>
-              <a:t>At </a:t>
-            </a:r>
-            <a:r>
-              <a:rPr lang="fr-FR" sz="7200" dirty="0" smtClean="0"/>
-              <a:t>10</a:t>
+              <a:t>At 10</a:t>
             </a:r>
             <a:endParaRPr lang="fr-FR" sz="7200" dirty="0"/>
           </a:p>
@@ -17039,13 +16985,8 @@
           <a:p>
             <a:r>
               <a:rPr lang="fr-FR" dirty="0"/>
-              <a:t>S </a:t>
-            </a:r>
-            <a:r>
-              <a:rPr lang="fr-FR" dirty="0"/>
-              <a:t>3</a:t>
-            </a:r>
-            <a:endParaRPr lang="fr-FR" dirty="0"/>
+              <a:t>S 3</a:t>
+            </a:r>
           </a:p>
         </p:txBody>
       </p:sp>
@@ -19038,11 +18979,6 @@
               </a:rPr>
               <a:t>Thym commun</a:t>
             </a:r>
-            <a:endParaRPr lang="fr-FR" sz="8000" dirty="0">
-              <a:solidFill>
-                <a:schemeClr val="tx1"/>
-              </a:solidFill>
-            </a:endParaRPr>
           </a:p>
         </p:txBody>
       </p:sp>
@@ -19290,11 +19226,6 @@
               </a:rPr>
               <a:t>Thym commun</a:t>
             </a:r>
-            <a:endParaRPr lang="fr-FR" sz="8000" dirty="0">
-              <a:solidFill>
-                <a:schemeClr val="tx1"/>
-              </a:solidFill>
-            </a:endParaRPr>
           </a:p>
         </p:txBody>
       </p:sp>
@@ -19542,11 +19473,6 @@
               </a:rPr>
               <a:t>Thym commun</a:t>
             </a:r>
-            <a:endParaRPr lang="fr-FR" sz="8000" dirty="0">
-              <a:solidFill>
-                <a:schemeClr val="tx1"/>
-              </a:solidFill>
-            </a:endParaRPr>
           </a:p>
         </p:txBody>
       </p:sp>
@@ -19794,11 +19720,6 @@
               </a:rPr>
               <a:t>Thym commun</a:t>
             </a:r>
-            <a:endParaRPr lang="fr-FR" sz="8000" dirty="0">
-              <a:solidFill>
-                <a:schemeClr val="tx1"/>
-              </a:solidFill>
-            </a:endParaRPr>
           </a:p>
         </p:txBody>
       </p:sp>
@@ -20091,13 +20012,8 @@
           <a:p>
             <a:r>
               <a:rPr lang="fr-FR" dirty="0"/>
-              <a:t>S </a:t>
-            </a:r>
-            <a:r>
-              <a:rPr lang="fr-FR" dirty="0"/>
-              <a:t>3</a:t>
-            </a:r>
-            <a:endParaRPr lang="fr-FR" dirty="0"/>
+              <a:t>S 3</a:t>
+            </a:r>
           </a:p>
         </p:txBody>
       </p:sp>
@@ -20948,11 +20864,6 @@
               </a:rPr>
               <a:t>Grande ortie</a:t>
             </a:r>
-            <a:endParaRPr lang="fr-FR" sz="8000" dirty="0">
-              <a:solidFill>
-                <a:schemeClr val="tx1"/>
-              </a:solidFill>
-            </a:endParaRPr>
           </a:p>
         </p:txBody>
       </p:sp>
@@ -21242,11 +21153,6 @@
               </a:rPr>
               <a:t>Grande ortie</a:t>
             </a:r>
-            <a:endParaRPr lang="fr-FR" sz="8000" dirty="0">
-              <a:solidFill>
-                <a:schemeClr val="tx1"/>
-              </a:solidFill>
-            </a:endParaRPr>
           </a:p>
         </p:txBody>
       </p:sp>
@@ -21581,13 +21487,8 @@
           <a:p>
             <a:r>
               <a:rPr lang="fr-FR" dirty="0"/>
-              <a:t>S </a:t>
-            </a:r>
-            <a:r>
-              <a:rPr lang="fr-FR" dirty="0"/>
-              <a:t>3</a:t>
-            </a:r>
-            <a:endParaRPr lang="fr-FR" dirty="0"/>
+              <a:t>S 3</a:t>
+            </a:r>
           </a:p>
         </p:txBody>
       </p:sp>
@@ -21879,13 +21780,8 @@
           <a:p>
             <a:r>
               <a:rPr lang="fr-FR" dirty="0"/>
-              <a:t>S </a:t>
-            </a:r>
-            <a:r>
-              <a:rPr lang="fr-FR" dirty="0"/>
-              <a:t>3</a:t>
-            </a:r>
-            <a:endParaRPr lang="fr-FR" dirty="0"/>
+              <a:t>S 3</a:t>
+            </a:r>
           </a:p>
         </p:txBody>
       </p:sp>
@@ -22177,13 +22073,8 @@
           <a:p>
             <a:r>
               <a:rPr lang="fr-FR" dirty="0"/>
-              <a:t>S </a:t>
-            </a:r>
-            <a:r>
-              <a:rPr lang="fr-FR" dirty="0"/>
-              <a:t>3</a:t>
-            </a:r>
-            <a:endParaRPr lang="fr-FR" dirty="0"/>
+              <a:t>S 3</a:t>
+            </a:r>
           </a:p>
         </p:txBody>
       </p:sp>
